--- a/Template_Tugas_4__Improving_Employee_Retention_by_Predicting_Employee_Attrition_Using_Machine_Learning-a80598e0-2e84-49f5-aafb-c55d869fd071.pptx
+++ b/Template_Tugas_4__Improving_Employee_Retention_by_Predicting_Employee_Attrition_Using_Machine_Learning-a80598e0-2e84-49f5-aafb-c55d869fd071.pptx
@@ -1,33 +1,33 @@
 
 <file path=ppt/presentation.xml><?xml version="1.0" encoding="utf-8"?>
-<p:presentation xmlns:a="http://schemas.openxmlformats.org/drawingml/2006/main" xmlns:r="http://schemas.openxmlformats.org/officeDocument/2006/relationships" xmlns:mc="http://schemas.openxmlformats.org/markup-compatibility/2006" xmlns:mv="urn:schemas-microsoft-com:mac:vml" xmlns:p="http://schemas.openxmlformats.org/presentationml/2006/main" xmlns:c="http://schemas.openxmlformats.org/drawingml/2006/chart" xmlns:dgm="http://schemas.openxmlformats.org/drawingml/2006/diagram" xmlns:o="urn:schemas-microsoft-com:office:office" xmlns:v="urn:schemas-microsoft-com:vml" xmlns:pvml="urn:schemas-microsoft-com:office:powerpoint" xmlns:com="http://schemas.openxmlformats.org/drawingml/2006/compatibility" xmlns:p14="http://schemas.microsoft.com/office/powerpoint/2010/main" xmlns:p15="http://schemas.microsoft.com/office/powerpoint/2012/main" xmlns:ahyp="http://schemas.microsoft.com/office/drawing/2018/hyperlinkcolor" autoCompressPictures="0" embedTrueTypeFonts="1" strictFirstAndLastChars="0" saveSubsetFonts="1">
+<p:presentation xmlns:a="http://schemas.openxmlformats.org/drawingml/2006/main" xmlns:r="http://schemas.openxmlformats.org/officeDocument/2006/relationships" xmlns:p="http://schemas.openxmlformats.org/presentationml/2006/main" strictFirstAndLastChars="0" embedTrueTypeFonts="1" saveSubsetFonts="1" autoCompressPictures="0">
   <p:sldMasterIdLst>
-    <p:sldMasterId id="2147483659" r:id="rId4"/>
+    <p:sldMasterId id="2147483659" r:id="rId1"/>
   </p:sldMasterIdLst>
   <p:notesMasterIdLst>
-    <p:notesMasterId r:id="rId5"/>
+    <p:notesMasterId r:id="rId8"/>
   </p:notesMasterIdLst>
   <p:sldIdLst>
-    <p:sldId id="256" r:id="rId6"/>
-    <p:sldId id="257" r:id="rId7"/>
-    <p:sldId id="258" r:id="rId8"/>
-    <p:sldId id="259" r:id="rId9"/>
-    <p:sldId id="260" r:id="rId10"/>
-    <p:sldId id="261" r:id="rId11"/>
+    <p:sldId id="256" r:id="rId2"/>
+    <p:sldId id="257" r:id="rId3"/>
+    <p:sldId id="258" r:id="rId4"/>
+    <p:sldId id="259" r:id="rId5"/>
+    <p:sldId id="260" r:id="rId6"/>
+    <p:sldId id="261" r:id="rId7"/>
   </p:sldIdLst>
-  <p:sldSz cy="5143500" cx="9144000"/>
+  <p:sldSz cx="9144000" cy="5143500" type="screen16x9"/>
   <p:notesSz cx="6858000" cy="9144000"/>
   <p:embeddedFontLst>
     <p:embeddedFont>
-      <p:font typeface="Roboto"/>
-      <p:regular r:id="rId12"/>
-      <p:bold r:id="rId13"/>
-      <p:italic r:id="rId14"/>
-      <p:boldItalic r:id="rId15"/>
+      <p:font typeface="Roboto" panose="020B0604020202020204" charset="0"/>
+      <p:regular r:id="rId9"/>
+      <p:bold r:id="rId10"/>
+      <p:italic r:id="rId11"/>
+      <p:boldItalic r:id="rId12"/>
     </p:embeddedFont>
   </p:embeddedFontLst>
   <p:defaultTextStyle>
-    <a:defPPr lvl="0" marR="0" rtl="0" algn="l">
+    <a:defPPr marR="0" lvl="0" algn="l" rtl="0">
       <a:lnSpc>
         <a:spcPct val="100000"/>
       </a:lnSpc>
@@ -38,7 +38,7 @@
         <a:spcPts val="0"/>
       </a:spcAft>
     </a:defPPr>
-    <a:lvl1pPr lvl="0" marR="0" rtl="0" algn="l">
+    <a:lvl1pPr marR="0" lvl="0" algn="l" rtl="0">
       <a:lnSpc>
         <a:spcPct val="100000"/>
       </a:lnSpc>
@@ -52,7 +52,7 @@
         <a:srgbClr val="000000"/>
       </a:buClr>
       <a:buFont typeface="Arial"/>
-      <a:defRPr b="0" i="0" sz="1400" u="none" cap="none" strike="noStrike">
+      <a:defRPr sz="1400" b="0" i="0" u="none" strike="noStrike" cap="none">
         <a:solidFill>
           <a:srgbClr val="000000"/>
         </a:solidFill>
@@ -62,7 +62,7 @@
         <a:sym typeface="Arial"/>
       </a:defRPr>
     </a:lvl1pPr>
-    <a:lvl2pPr lvl="1" marR="0" rtl="0" algn="l">
+    <a:lvl2pPr marR="0" lvl="1" algn="l" rtl="0">
       <a:lnSpc>
         <a:spcPct val="100000"/>
       </a:lnSpc>
@@ -76,7 +76,7 @@
         <a:srgbClr val="000000"/>
       </a:buClr>
       <a:buFont typeface="Arial"/>
-      <a:defRPr b="0" i="0" sz="1400" u="none" cap="none" strike="noStrike">
+      <a:defRPr sz="1400" b="0" i="0" u="none" strike="noStrike" cap="none">
         <a:solidFill>
           <a:srgbClr val="000000"/>
         </a:solidFill>
@@ -86,7 +86,7 @@
         <a:sym typeface="Arial"/>
       </a:defRPr>
     </a:lvl2pPr>
-    <a:lvl3pPr lvl="2" marR="0" rtl="0" algn="l">
+    <a:lvl3pPr marR="0" lvl="2" algn="l" rtl="0">
       <a:lnSpc>
         <a:spcPct val="100000"/>
       </a:lnSpc>
@@ -100,7 +100,7 @@
         <a:srgbClr val="000000"/>
       </a:buClr>
       <a:buFont typeface="Arial"/>
-      <a:defRPr b="0" i="0" sz="1400" u="none" cap="none" strike="noStrike">
+      <a:defRPr sz="1400" b="0" i="0" u="none" strike="noStrike" cap="none">
         <a:solidFill>
           <a:srgbClr val="000000"/>
         </a:solidFill>
@@ -110,7 +110,7 @@
         <a:sym typeface="Arial"/>
       </a:defRPr>
     </a:lvl3pPr>
-    <a:lvl4pPr lvl="3" marR="0" rtl="0" algn="l">
+    <a:lvl4pPr marR="0" lvl="3" algn="l" rtl="0">
       <a:lnSpc>
         <a:spcPct val="100000"/>
       </a:lnSpc>
@@ -124,7 +124,7 @@
         <a:srgbClr val="000000"/>
       </a:buClr>
       <a:buFont typeface="Arial"/>
-      <a:defRPr b="0" i="0" sz="1400" u="none" cap="none" strike="noStrike">
+      <a:defRPr sz="1400" b="0" i="0" u="none" strike="noStrike" cap="none">
         <a:solidFill>
           <a:srgbClr val="000000"/>
         </a:solidFill>
@@ -134,7 +134,7 @@
         <a:sym typeface="Arial"/>
       </a:defRPr>
     </a:lvl4pPr>
-    <a:lvl5pPr lvl="4" marR="0" rtl="0" algn="l">
+    <a:lvl5pPr marR="0" lvl="4" algn="l" rtl="0">
       <a:lnSpc>
         <a:spcPct val="100000"/>
       </a:lnSpc>
@@ -148,7 +148,7 @@
         <a:srgbClr val="000000"/>
       </a:buClr>
       <a:buFont typeface="Arial"/>
-      <a:defRPr b="0" i="0" sz="1400" u="none" cap="none" strike="noStrike">
+      <a:defRPr sz="1400" b="0" i="0" u="none" strike="noStrike" cap="none">
         <a:solidFill>
           <a:srgbClr val="000000"/>
         </a:solidFill>
@@ -158,7 +158,7 @@
         <a:sym typeface="Arial"/>
       </a:defRPr>
     </a:lvl5pPr>
-    <a:lvl6pPr lvl="5" marR="0" rtl="0" algn="l">
+    <a:lvl6pPr marR="0" lvl="5" algn="l" rtl="0">
       <a:lnSpc>
         <a:spcPct val="100000"/>
       </a:lnSpc>
@@ -172,7 +172,7 @@
         <a:srgbClr val="000000"/>
       </a:buClr>
       <a:buFont typeface="Arial"/>
-      <a:defRPr b="0" i="0" sz="1400" u="none" cap="none" strike="noStrike">
+      <a:defRPr sz="1400" b="0" i="0" u="none" strike="noStrike" cap="none">
         <a:solidFill>
           <a:srgbClr val="000000"/>
         </a:solidFill>
@@ -182,7 +182,7 @@
         <a:sym typeface="Arial"/>
       </a:defRPr>
     </a:lvl6pPr>
-    <a:lvl7pPr lvl="6" marR="0" rtl="0" algn="l">
+    <a:lvl7pPr marR="0" lvl="6" algn="l" rtl="0">
       <a:lnSpc>
         <a:spcPct val="100000"/>
       </a:lnSpc>
@@ -196,7 +196,7 @@
         <a:srgbClr val="000000"/>
       </a:buClr>
       <a:buFont typeface="Arial"/>
-      <a:defRPr b="0" i="0" sz="1400" u="none" cap="none" strike="noStrike">
+      <a:defRPr sz="1400" b="0" i="0" u="none" strike="noStrike" cap="none">
         <a:solidFill>
           <a:srgbClr val="000000"/>
         </a:solidFill>
@@ -206,7 +206,7 @@
         <a:sym typeface="Arial"/>
       </a:defRPr>
     </a:lvl7pPr>
-    <a:lvl8pPr lvl="7" marR="0" rtl="0" algn="l">
+    <a:lvl8pPr marR="0" lvl="7" algn="l" rtl="0">
       <a:lnSpc>
         <a:spcPct val="100000"/>
       </a:lnSpc>
@@ -220,7 +220,7 @@
         <a:srgbClr val="000000"/>
       </a:buClr>
       <a:buFont typeface="Arial"/>
-      <a:defRPr b="0" i="0" sz="1400" u="none" cap="none" strike="noStrike">
+      <a:defRPr sz="1400" b="0" i="0" u="none" strike="noStrike" cap="none">
         <a:solidFill>
           <a:srgbClr val="000000"/>
         </a:solidFill>
@@ -230,7 +230,7 @@
         <a:sym typeface="Arial"/>
       </a:defRPr>
     </a:lvl8pPr>
-    <a:lvl9pPr lvl="8" marR="0" rtl="0" algn="l">
+    <a:lvl9pPr marR="0" lvl="8" algn="l" rtl="0">
       <a:lnSpc>
         <a:spcPct val="100000"/>
       </a:lnSpc>
@@ -244,7 +244,7 @@
         <a:srgbClr val="000000"/>
       </a:buClr>
       <a:buFont typeface="Arial"/>
-      <a:defRPr b="0" i="0" sz="1400" u="none" cap="none" strike="noStrike">
+      <a:defRPr sz="1400" b="0" i="0" u="none" strike="noStrike" cap="none">
         <a:solidFill>
           <a:srgbClr val="000000"/>
         </a:solidFill>
@@ -257,7 +257,7 @@
   </p:defaultTextStyle>
   <p:extLst>
     <p:ext uri="{EFAFB233-063F-42B5-8137-9DF3F51BA10A}">
-      <p15:sldGuideLst>
+      <p15:sldGuideLst xmlns:p15="http://schemas.microsoft.com/office/powerpoint/2012/main">
         <p15:guide id="1" orient="horz" pos="1620">
           <p15:clr>
             <a:srgbClr val="A4A3A4"/>
@@ -275,11 +275,16 @@
 </file>
 
 <file path=ppt/notesMasters/notesMaster1.xml><?xml version="1.0" encoding="utf-8"?>
-<p:notesMaster xmlns:a="http://schemas.openxmlformats.org/drawingml/2006/main" xmlns:r="http://schemas.openxmlformats.org/officeDocument/2006/relationships" xmlns:mc="http://schemas.openxmlformats.org/markup-compatibility/2006" xmlns:mv="urn:schemas-microsoft-com:mac:vml" xmlns:p="http://schemas.openxmlformats.org/presentationml/2006/main" xmlns:c="http://schemas.openxmlformats.org/drawingml/2006/chart" xmlns:dgm="http://schemas.openxmlformats.org/drawingml/2006/diagram" xmlns:o="urn:schemas-microsoft-com:office:office" xmlns:v="urn:schemas-microsoft-com:vml" xmlns:pvml="urn:schemas-microsoft-com:office:powerpoint" xmlns:com="http://schemas.openxmlformats.org/drawingml/2006/compatibility" xmlns:p14="http://schemas.microsoft.com/office/powerpoint/2010/main" xmlns:p15="http://schemas.microsoft.com/office/powerpoint/2012/main" xmlns:ahyp="http://schemas.microsoft.com/office/drawing/2018/hyperlinkcolor">
+<p:notesMaster xmlns:a="http://schemas.openxmlformats.org/drawingml/2006/main" xmlns:r="http://schemas.openxmlformats.org/officeDocument/2006/relationships" xmlns:p="http://schemas.openxmlformats.org/presentationml/2006/main">
   <p:cSld>
+    <p:bg>
+      <p:bgRef idx="1001">
+        <a:schemeClr val="bg1"/>
+      </p:bgRef>
+    </p:bg>
     <p:spTree>
       <p:nvGrpSpPr>
-        <p:cNvPr id="2" name="Shape 2"/>
+        <p:cNvPr id="1" name="Shape 2"/>
         <p:cNvGrpSpPr/>
         <p:nvPr/>
       </p:nvGrpSpPr>
@@ -294,9 +299,11 @@
       <p:sp>
         <p:nvSpPr>
           <p:cNvPr id="3" name="Google Shape;3;n"/>
-          <p:cNvSpPr/>
+          <p:cNvSpPr>
+            <a:spLocks noGrp="1" noRot="1" noChangeAspect="1"/>
+          </p:cNvSpPr>
           <p:nvPr>
-            <p:ph idx="2" type="sldImg"/>
+            <p:ph type="sldImg" idx="2"/>
           </p:nvPr>
         </p:nvSpPr>
         <p:spPr>
@@ -305,9 +312,13 @@
             <a:ext cx="6096075" cy="3429000"/>
           </a:xfrm>
           <a:custGeom>
-            <a:rect b="b" l="l" r="r" t="t"/>
+            <a:avLst/>
+            <a:gdLst/>
+            <a:ahLst/>
+            <a:cxnLst/>
+            <a:rect l="l" t="t" r="r" b="b"/>
             <a:pathLst>
-              <a:path extrusionOk="0" h="120000" w="120000">
+              <a:path w="120000" h="120000" extrusionOk="0">
                 <a:moveTo>
                   <a:pt x="0" y="0"/>
                 </a:moveTo>
@@ -325,23 +336,25 @@
             </a:pathLst>
           </a:custGeom>
           <a:noFill/>
-          <a:ln cap="flat" cmpd="sng" w="9525">
+          <a:ln w="9525" cap="flat" cmpd="sng">
             <a:solidFill>
               <a:srgbClr val="000000"/>
             </a:solidFill>
             <a:prstDash val="solid"/>
             <a:round/>
-            <a:headEnd len="sm" w="sm" type="none"/>
-            <a:tailEnd len="sm" w="sm" type="none"/>
+            <a:headEnd type="none" w="sm" len="sm"/>
+            <a:tailEnd type="none" w="sm" len="sm"/>
           </a:ln>
         </p:spPr>
       </p:sp>
       <p:sp>
         <p:nvSpPr>
           <p:cNvPr id="4" name="Google Shape;4;n"/>
-          <p:cNvSpPr txBox="1"/>
+          <p:cNvSpPr txBox="1">
+            <a:spLocks noGrp="1"/>
+          </p:cNvSpPr>
           <p:nvPr>
-            <p:ph idx="1" type="body"/>
+            <p:ph type="body" idx="1"/>
           </p:nvPr>
         </p:nvSpPr>
         <p:spPr>
@@ -358,11 +371,11 @@
           </a:ln>
         </p:spPr>
         <p:txBody>
-          <a:bodyPr anchorCtr="0" anchor="t" bIns="91425" lIns="91425" spcFirstLastPara="1" rIns="91425" wrap="square" tIns="91425">
+          <a:bodyPr spcFirstLastPara="1" wrap="square" lIns="91425" tIns="91425" rIns="91425" bIns="91425" anchor="t" anchorCtr="0">
             <a:noAutofit/>
           </a:bodyPr>
           <a:lstStyle>
-            <a:lvl1pPr indent="-298450" lvl="0" marL="457200">
+            <a:lvl1pPr marL="457200" lvl="0" indent="-298450">
               <a:spcBef>
                 <a:spcPts val="0"/>
               </a:spcBef>
@@ -373,7 +386,7 @@
               <a:buChar char="●"/>
               <a:defRPr sz="1100"/>
             </a:lvl1pPr>
-            <a:lvl2pPr indent="-298450" lvl="1" marL="914400">
+            <a:lvl2pPr marL="914400" lvl="1" indent="-298450">
               <a:spcBef>
                 <a:spcPts val="0"/>
               </a:spcBef>
@@ -384,7 +397,7 @@
               <a:buChar char="○"/>
               <a:defRPr sz="1100"/>
             </a:lvl2pPr>
-            <a:lvl3pPr indent="-298450" lvl="2" marL="1371600">
+            <a:lvl3pPr marL="1371600" lvl="2" indent="-298450">
               <a:spcBef>
                 <a:spcPts val="0"/>
               </a:spcBef>
@@ -395,7 +408,7 @@
               <a:buChar char="■"/>
               <a:defRPr sz="1100"/>
             </a:lvl3pPr>
-            <a:lvl4pPr indent="-298450" lvl="3" marL="1828800">
+            <a:lvl4pPr marL="1828800" lvl="3" indent="-298450">
               <a:spcBef>
                 <a:spcPts val="0"/>
               </a:spcBef>
@@ -406,7 +419,7 @@
               <a:buChar char="●"/>
               <a:defRPr sz="1100"/>
             </a:lvl4pPr>
-            <a:lvl5pPr indent="-298450" lvl="4" marL="2286000">
+            <a:lvl5pPr marL="2286000" lvl="4" indent="-298450">
               <a:spcBef>
                 <a:spcPts val="0"/>
               </a:spcBef>
@@ -417,7 +430,7 @@
               <a:buChar char="○"/>
               <a:defRPr sz="1100"/>
             </a:lvl5pPr>
-            <a:lvl6pPr indent="-298450" lvl="5" marL="2743200">
+            <a:lvl6pPr marL="2743200" lvl="5" indent="-298450">
               <a:spcBef>
                 <a:spcPts val="0"/>
               </a:spcBef>
@@ -428,7 +441,7 @@
               <a:buChar char="■"/>
               <a:defRPr sz="1100"/>
             </a:lvl6pPr>
-            <a:lvl7pPr indent="-298450" lvl="6" marL="3200400">
+            <a:lvl7pPr marL="3200400" lvl="6" indent="-298450">
               <a:spcBef>
                 <a:spcPts val="0"/>
               </a:spcBef>
@@ -439,7 +452,7 @@
               <a:buChar char="●"/>
               <a:defRPr sz="1100"/>
             </a:lvl7pPr>
-            <a:lvl8pPr indent="-298450" lvl="7" marL="3657600">
+            <a:lvl8pPr marL="3657600" lvl="7" indent="-298450">
               <a:spcBef>
                 <a:spcPts val="0"/>
               </a:spcBef>
@@ -450,7 +463,7 @@
               <a:buChar char="○"/>
               <a:defRPr sz="1100"/>
             </a:lvl8pPr>
-            <a:lvl9pPr indent="-298450" lvl="8" marL="4114800">
+            <a:lvl9pPr marL="4114800" lvl="8" indent="-298450">
               <a:spcBef>
                 <a:spcPts val="0"/>
               </a:spcBef>
@@ -462,14 +475,21 @@
               <a:defRPr sz="1100"/>
             </a:lvl9pPr>
           </a:lstStyle>
-          <a:p/>
+          <a:p>
+            <a:endParaRPr/>
+          </a:p>
         </p:txBody>
       </p:sp>
     </p:spTree>
+    <p:extLst>
+      <p:ext uri="{BB962C8B-B14F-4D97-AF65-F5344CB8AC3E}">
+        <p14:creationId xmlns:p14="http://schemas.microsoft.com/office/powerpoint/2010/main" val="1866471895"/>
+      </p:ext>
+    </p:extLst>
   </p:cSld>
-  <p:clrMap accent1="accent1" accent2="accent2" accent3="accent3" accent4="accent4" accent5="accent5" accent6="accent6" bg1="lt1" bg2="dk2" tx1="dk1" tx2="lt2" folHlink="folHlink" hlink="hlink"/>
+  <p:clrMap bg1="lt1" tx1="dk1" bg2="dk2" tx2="lt2" accent1="accent1" accent2="accent2" accent3="accent3" accent4="accent4" accent5="accent5" accent6="accent6" hlink="hlink" folHlink="folHlink"/>
   <p:notesStyle>
-    <a:defPPr lvl="0" marR="0" rtl="0" algn="l">
+    <a:defPPr marR="0" lvl="0" algn="l" rtl="0">
       <a:lnSpc>
         <a:spcPct val="100000"/>
       </a:lnSpc>
@@ -480,7 +500,7 @@
         <a:spcPts val="0"/>
       </a:spcAft>
     </a:defPPr>
-    <a:lvl1pPr lvl="0" marR="0" rtl="0" algn="l">
+    <a:lvl1pPr marR="0" lvl="0" algn="l" rtl="0">
       <a:lnSpc>
         <a:spcPct val="100000"/>
       </a:lnSpc>
@@ -494,7 +514,7 @@
         <a:srgbClr val="000000"/>
       </a:buClr>
       <a:buFont typeface="Arial"/>
-      <a:defRPr b="0" i="0" sz="1400" u="none" cap="none" strike="noStrike">
+      <a:defRPr sz="1400" b="0" i="0" u="none" strike="noStrike" cap="none">
         <a:solidFill>
           <a:srgbClr val="000000"/>
         </a:solidFill>
@@ -504,7 +524,7 @@
         <a:sym typeface="Arial"/>
       </a:defRPr>
     </a:lvl1pPr>
-    <a:lvl2pPr lvl="1" marR="0" rtl="0" algn="l">
+    <a:lvl2pPr marR="0" lvl="1" algn="l" rtl="0">
       <a:lnSpc>
         <a:spcPct val="100000"/>
       </a:lnSpc>
@@ -518,7 +538,7 @@
         <a:srgbClr val="000000"/>
       </a:buClr>
       <a:buFont typeface="Arial"/>
-      <a:defRPr b="0" i="0" sz="1400" u="none" cap="none" strike="noStrike">
+      <a:defRPr sz="1400" b="0" i="0" u="none" strike="noStrike" cap="none">
         <a:solidFill>
           <a:srgbClr val="000000"/>
         </a:solidFill>
@@ -528,7 +548,7 @@
         <a:sym typeface="Arial"/>
       </a:defRPr>
     </a:lvl2pPr>
-    <a:lvl3pPr lvl="2" marR="0" rtl="0" algn="l">
+    <a:lvl3pPr marR="0" lvl="2" algn="l" rtl="0">
       <a:lnSpc>
         <a:spcPct val="100000"/>
       </a:lnSpc>
@@ -542,7 +562,7 @@
         <a:srgbClr val="000000"/>
       </a:buClr>
       <a:buFont typeface="Arial"/>
-      <a:defRPr b="0" i="0" sz="1400" u="none" cap="none" strike="noStrike">
+      <a:defRPr sz="1400" b="0" i="0" u="none" strike="noStrike" cap="none">
         <a:solidFill>
           <a:srgbClr val="000000"/>
         </a:solidFill>
@@ -552,7 +572,7 @@
         <a:sym typeface="Arial"/>
       </a:defRPr>
     </a:lvl3pPr>
-    <a:lvl4pPr lvl="3" marR="0" rtl="0" algn="l">
+    <a:lvl4pPr marR="0" lvl="3" algn="l" rtl="0">
       <a:lnSpc>
         <a:spcPct val="100000"/>
       </a:lnSpc>
@@ -566,7 +586,7 @@
         <a:srgbClr val="000000"/>
       </a:buClr>
       <a:buFont typeface="Arial"/>
-      <a:defRPr b="0" i="0" sz="1400" u="none" cap="none" strike="noStrike">
+      <a:defRPr sz="1400" b="0" i="0" u="none" strike="noStrike" cap="none">
         <a:solidFill>
           <a:srgbClr val="000000"/>
         </a:solidFill>
@@ -576,7 +596,7 @@
         <a:sym typeface="Arial"/>
       </a:defRPr>
     </a:lvl4pPr>
-    <a:lvl5pPr lvl="4" marR="0" rtl="0" algn="l">
+    <a:lvl5pPr marR="0" lvl="4" algn="l" rtl="0">
       <a:lnSpc>
         <a:spcPct val="100000"/>
       </a:lnSpc>
@@ -590,7 +610,7 @@
         <a:srgbClr val="000000"/>
       </a:buClr>
       <a:buFont typeface="Arial"/>
-      <a:defRPr b="0" i="0" sz="1400" u="none" cap="none" strike="noStrike">
+      <a:defRPr sz="1400" b="0" i="0" u="none" strike="noStrike" cap="none">
         <a:solidFill>
           <a:srgbClr val="000000"/>
         </a:solidFill>
@@ -600,7 +620,7 @@
         <a:sym typeface="Arial"/>
       </a:defRPr>
     </a:lvl5pPr>
-    <a:lvl6pPr lvl="5" marR="0" rtl="0" algn="l">
+    <a:lvl6pPr marR="0" lvl="5" algn="l" rtl="0">
       <a:lnSpc>
         <a:spcPct val="100000"/>
       </a:lnSpc>
@@ -614,7 +634,7 @@
         <a:srgbClr val="000000"/>
       </a:buClr>
       <a:buFont typeface="Arial"/>
-      <a:defRPr b="0" i="0" sz="1400" u="none" cap="none" strike="noStrike">
+      <a:defRPr sz="1400" b="0" i="0" u="none" strike="noStrike" cap="none">
         <a:solidFill>
           <a:srgbClr val="000000"/>
         </a:solidFill>
@@ -624,7 +644,7 @@
         <a:sym typeface="Arial"/>
       </a:defRPr>
     </a:lvl6pPr>
-    <a:lvl7pPr lvl="6" marR="0" rtl="0" algn="l">
+    <a:lvl7pPr marR="0" lvl="6" algn="l" rtl="0">
       <a:lnSpc>
         <a:spcPct val="100000"/>
       </a:lnSpc>
@@ -638,7 +658,7 @@
         <a:srgbClr val="000000"/>
       </a:buClr>
       <a:buFont typeface="Arial"/>
-      <a:defRPr b="0" i="0" sz="1400" u="none" cap="none" strike="noStrike">
+      <a:defRPr sz="1400" b="0" i="0" u="none" strike="noStrike" cap="none">
         <a:solidFill>
           <a:srgbClr val="000000"/>
         </a:solidFill>
@@ -648,7 +668,7 @@
         <a:sym typeface="Arial"/>
       </a:defRPr>
     </a:lvl7pPr>
-    <a:lvl8pPr lvl="7" marR="0" rtl="0" algn="l">
+    <a:lvl8pPr marR="0" lvl="7" algn="l" rtl="0">
       <a:lnSpc>
         <a:spcPct val="100000"/>
       </a:lnSpc>
@@ -662,7 +682,7 @@
         <a:srgbClr val="000000"/>
       </a:buClr>
       <a:buFont typeface="Arial"/>
-      <a:defRPr b="0" i="0" sz="1400" u="none" cap="none" strike="noStrike">
+      <a:defRPr sz="1400" b="0" i="0" u="none" strike="noStrike" cap="none">
         <a:solidFill>
           <a:srgbClr val="000000"/>
         </a:solidFill>
@@ -672,7 +692,7 @@
         <a:sym typeface="Arial"/>
       </a:defRPr>
     </a:lvl8pPr>
-    <a:lvl9pPr lvl="8" marR="0" rtl="0" algn="l">
+    <a:lvl9pPr marR="0" lvl="8" algn="l" rtl="0">
       <a:lnSpc>
         <a:spcPct val="100000"/>
       </a:lnSpc>
@@ -686,7 +706,7 @@
         <a:srgbClr val="000000"/>
       </a:buClr>
       <a:buFont typeface="Arial"/>
-      <a:defRPr b="0" i="0" sz="1400" u="none" cap="none" strike="noStrike">
+      <a:defRPr sz="1400" b="0" i="0" u="none" strike="noStrike" cap="none">
         <a:solidFill>
           <a:srgbClr val="000000"/>
         </a:solidFill>
@@ -701,11 +721,11 @@
 </file>
 
 <file path=ppt/notesSlides/notesSlide1.xml><?xml version="1.0" encoding="utf-8"?>
-<p:notes xmlns:a="http://schemas.openxmlformats.org/drawingml/2006/main" xmlns:r="http://schemas.openxmlformats.org/officeDocument/2006/relationships" xmlns:mc="http://schemas.openxmlformats.org/markup-compatibility/2006" xmlns:mv="urn:schemas-microsoft-com:mac:vml" xmlns:p="http://schemas.openxmlformats.org/presentationml/2006/main" xmlns:c="http://schemas.openxmlformats.org/drawingml/2006/chart" xmlns:dgm="http://schemas.openxmlformats.org/drawingml/2006/diagram" xmlns:o="urn:schemas-microsoft-com:office:office" xmlns:v="urn:schemas-microsoft-com:vml" xmlns:pvml="urn:schemas-microsoft-com:office:powerpoint" xmlns:com="http://schemas.openxmlformats.org/drawingml/2006/compatibility" xmlns:p14="http://schemas.microsoft.com/office/powerpoint/2010/main" xmlns:p15="http://schemas.microsoft.com/office/powerpoint/2012/main" xmlns:ahyp="http://schemas.microsoft.com/office/drawing/2018/hyperlinkcolor" showMasterPhAnim="0" showMasterSp="0">
+<p:notes xmlns:a="http://schemas.openxmlformats.org/drawingml/2006/main" xmlns:r="http://schemas.openxmlformats.org/officeDocument/2006/relationships" xmlns:p="http://schemas.openxmlformats.org/presentationml/2006/main" showMasterSp="0" showMasterPhAnim="0">
   <p:cSld>
     <p:spTree>
       <p:nvGrpSpPr>
-        <p:cNvPr id="50" name="Shape 50"/>
+        <p:cNvPr id="1" name="Shape 50"/>
         <p:cNvGrpSpPr/>
         <p:nvPr/>
       </p:nvGrpSpPr>
@@ -720,20 +740,26 @@
       <p:sp>
         <p:nvSpPr>
           <p:cNvPr id="51" name="Google Shape;51;g2054ef756ee_0_0:notes"/>
-          <p:cNvSpPr/>
+          <p:cNvSpPr>
+            <a:spLocks noGrp="1" noRot="1" noChangeAspect="1"/>
+          </p:cNvSpPr>
           <p:nvPr>
-            <p:ph idx="2" type="sldImg"/>
+            <p:ph type="sldImg" idx="2"/>
           </p:nvPr>
         </p:nvSpPr>
         <p:spPr>
           <a:xfrm>
-            <a:off x="381300" y="685800"/>
+            <a:off x="381000" y="685800"/>
             <a:ext cx="6096000" cy="3429000"/>
           </a:xfrm>
           <a:custGeom>
-            <a:rect b="b" l="l" r="r" t="t"/>
+            <a:avLst/>
+            <a:gdLst/>
+            <a:ahLst/>
+            <a:cxnLst/>
+            <a:rect l="l" t="t" r="r" b="b"/>
             <a:pathLst>
-              <a:path extrusionOk="0" h="120000" w="120000">
+              <a:path w="120000" h="120000" extrusionOk="0">
                 <a:moveTo>
                   <a:pt x="0" y="0"/>
                 </a:moveTo>
@@ -755,9 +781,11 @@
       <p:sp>
         <p:nvSpPr>
           <p:cNvPr id="52" name="Google Shape;52;g2054ef756ee_0_0:notes"/>
-          <p:cNvSpPr txBox="1"/>
+          <p:cNvSpPr txBox="1">
+            <a:spLocks noGrp="1"/>
+          </p:cNvSpPr>
           <p:nvPr>
-            <p:ph idx="1" type="body"/>
+            <p:ph type="body" idx="1"/>
           </p:nvPr>
         </p:nvSpPr>
         <p:spPr>
@@ -770,12 +798,12 @@
           </a:prstGeom>
         </p:spPr>
         <p:txBody>
-          <a:bodyPr anchorCtr="0" anchor="t" bIns="91425" lIns="91425" spcFirstLastPara="1" rIns="91425" wrap="square" tIns="91425">
+          <a:bodyPr spcFirstLastPara="1" wrap="square" lIns="91425" tIns="91425" rIns="91425" bIns="91425" anchor="t" anchorCtr="0">
             <a:noAutofit/>
           </a:bodyPr>
           <a:lstStyle/>
           <a:p>
-            <a:pPr indent="0" lvl="0" marL="0" rtl="0" algn="l">
+            <a:pPr marL="0" lvl="0" indent="0" algn="l" rtl="0">
               <a:spcBef>
                 <a:spcPts val="0"/>
               </a:spcBef>
@@ -784,14 +812,16 @@
               </a:spcAft>
               <a:buNone/>
             </a:pPr>
-            <a:r>
-              <a:t/>
-            </a:r>
             <a:endParaRPr/>
           </a:p>
         </p:txBody>
       </p:sp>
     </p:spTree>
+    <p:extLst>
+      <p:ext uri="{BB962C8B-B14F-4D97-AF65-F5344CB8AC3E}">
+        <p14:creationId xmlns:p14="http://schemas.microsoft.com/office/powerpoint/2010/main" val="32109122"/>
+      </p:ext>
+    </p:extLst>
   </p:cSld>
   <p:clrMapOvr>
     <a:masterClrMapping/>
@@ -800,11 +830,11 @@
 </file>
 
 <file path=ppt/notesSlides/notesSlide2.xml><?xml version="1.0" encoding="utf-8"?>
-<p:notes xmlns:a="http://schemas.openxmlformats.org/drawingml/2006/main" xmlns:r="http://schemas.openxmlformats.org/officeDocument/2006/relationships" xmlns:mc="http://schemas.openxmlformats.org/markup-compatibility/2006" xmlns:mv="urn:schemas-microsoft-com:mac:vml" xmlns:p="http://schemas.openxmlformats.org/presentationml/2006/main" xmlns:c="http://schemas.openxmlformats.org/drawingml/2006/chart" xmlns:dgm="http://schemas.openxmlformats.org/drawingml/2006/diagram" xmlns:o="urn:schemas-microsoft-com:office:office" xmlns:v="urn:schemas-microsoft-com:vml" xmlns:pvml="urn:schemas-microsoft-com:office:powerpoint" xmlns:com="http://schemas.openxmlformats.org/drawingml/2006/compatibility" xmlns:p14="http://schemas.microsoft.com/office/powerpoint/2010/main" xmlns:p15="http://schemas.microsoft.com/office/powerpoint/2012/main" xmlns:ahyp="http://schemas.microsoft.com/office/drawing/2018/hyperlinkcolor" showMasterPhAnim="0" showMasterSp="0">
+<p:notes xmlns:a="http://schemas.openxmlformats.org/drawingml/2006/main" xmlns:r="http://schemas.openxmlformats.org/officeDocument/2006/relationships" xmlns:p="http://schemas.openxmlformats.org/presentationml/2006/main" showMasterSp="0" showMasterPhAnim="0">
   <p:cSld>
     <p:spTree>
       <p:nvGrpSpPr>
-        <p:cNvPr id="57" name="Shape 57"/>
+        <p:cNvPr id="1" name="Shape 57"/>
         <p:cNvGrpSpPr/>
         <p:nvPr/>
       </p:nvGrpSpPr>
@@ -819,20 +849,26 @@
       <p:sp>
         <p:nvSpPr>
           <p:cNvPr id="58" name="Google Shape;58;g2054ef756ee_0_8:notes"/>
-          <p:cNvSpPr/>
+          <p:cNvSpPr>
+            <a:spLocks noGrp="1" noRot="1" noChangeAspect="1"/>
+          </p:cNvSpPr>
           <p:nvPr>
-            <p:ph idx="2" type="sldImg"/>
+            <p:ph type="sldImg" idx="2"/>
           </p:nvPr>
         </p:nvSpPr>
         <p:spPr>
           <a:xfrm>
-            <a:off x="381300" y="685800"/>
+            <a:off x="381000" y="685800"/>
             <a:ext cx="6096000" cy="3429000"/>
           </a:xfrm>
           <a:custGeom>
-            <a:rect b="b" l="l" r="r" t="t"/>
+            <a:avLst/>
+            <a:gdLst/>
+            <a:ahLst/>
+            <a:cxnLst/>
+            <a:rect l="l" t="t" r="r" b="b"/>
             <a:pathLst>
-              <a:path extrusionOk="0" h="120000" w="120000">
+              <a:path w="120000" h="120000" extrusionOk="0">
                 <a:moveTo>
                   <a:pt x="0" y="0"/>
                 </a:moveTo>
@@ -854,9 +890,11 @@
       <p:sp>
         <p:nvSpPr>
           <p:cNvPr id="59" name="Google Shape;59;g2054ef756ee_0_8:notes"/>
-          <p:cNvSpPr txBox="1"/>
+          <p:cNvSpPr txBox="1">
+            <a:spLocks noGrp="1"/>
+          </p:cNvSpPr>
           <p:nvPr>
-            <p:ph idx="1" type="body"/>
+            <p:ph type="body" idx="1"/>
           </p:nvPr>
         </p:nvSpPr>
         <p:spPr>
@@ -869,12 +907,12 @@
           </a:prstGeom>
         </p:spPr>
         <p:txBody>
-          <a:bodyPr anchorCtr="0" anchor="t" bIns="91425" lIns="91425" spcFirstLastPara="1" rIns="91425" wrap="square" tIns="91425">
+          <a:bodyPr spcFirstLastPara="1" wrap="square" lIns="91425" tIns="91425" rIns="91425" bIns="91425" anchor="t" anchorCtr="0">
             <a:noAutofit/>
           </a:bodyPr>
           <a:lstStyle/>
           <a:p>
-            <a:pPr indent="0" lvl="0" marL="0" rtl="0" algn="l">
+            <a:pPr marL="0" lvl="0" indent="0" algn="l" rtl="0">
               <a:spcBef>
                 <a:spcPts val="0"/>
               </a:spcBef>
@@ -883,14 +921,16 @@
               </a:spcAft>
               <a:buNone/>
             </a:pPr>
-            <a:r>
-              <a:t/>
-            </a:r>
             <a:endParaRPr/>
           </a:p>
         </p:txBody>
       </p:sp>
     </p:spTree>
+    <p:extLst>
+      <p:ext uri="{BB962C8B-B14F-4D97-AF65-F5344CB8AC3E}">
+        <p14:creationId xmlns:p14="http://schemas.microsoft.com/office/powerpoint/2010/main" val="3218090297"/>
+      </p:ext>
+    </p:extLst>
   </p:cSld>
   <p:clrMapOvr>
     <a:masterClrMapping/>
@@ -899,11 +939,11 @@
 </file>
 
 <file path=ppt/notesSlides/notesSlide3.xml><?xml version="1.0" encoding="utf-8"?>
-<p:notes xmlns:a="http://schemas.openxmlformats.org/drawingml/2006/main" xmlns:r="http://schemas.openxmlformats.org/officeDocument/2006/relationships" xmlns:mc="http://schemas.openxmlformats.org/markup-compatibility/2006" xmlns:mv="urn:schemas-microsoft-com:mac:vml" xmlns:p="http://schemas.openxmlformats.org/presentationml/2006/main" xmlns:c="http://schemas.openxmlformats.org/drawingml/2006/chart" xmlns:dgm="http://schemas.openxmlformats.org/drawingml/2006/diagram" xmlns:o="urn:schemas-microsoft-com:office:office" xmlns:v="urn:schemas-microsoft-com:vml" xmlns:pvml="urn:schemas-microsoft-com:office:powerpoint" xmlns:com="http://schemas.openxmlformats.org/drawingml/2006/compatibility" xmlns:p14="http://schemas.microsoft.com/office/powerpoint/2010/main" xmlns:p15="http://schemas.microsoft.com/office/powerpoint/2012/main" xmlns:ahyp="http://schemas.microsoft.com/office/drawing/2018/hyperlinkcolor" showMasterPhAnim="0" showMasterSp="0">
+<p:notes xmlns:a="http://schemas.openxmlformats.org/drawingml/2006/main" xmlns:r="http://schemas.openxmlformats.org/officeDocument/2006/relationships" xmlns:p="http://schemas.openxmlformats.org/presentationml/2006/main" showMasterSp="0" showMasterPhAnim="0">
   <p:cSld>
     <p:spTree>
       <p:nvGrpSpPr>
-        <p:cNvPr id="64" name="Shape 64"/>
+        <p:cNvPr id="1" name="Shape 64"/>
         <p:cNvGrpSpPr/>
         <p:nvPr/>
       </p:nvGrpSpPr>
@@ -918,20 +958,26 @@
       <p:sp>
         <p:nvSpPr>
           <p:cNvPr id="65" name="Google Shape;65;g2054ef756ee_0_23:notes"/>
-          <p:cNvSpPr/>
+          <p:cNvSpPr>
+            <a:spLocks noGrp="1" noRot="1" noChangeAspect="1"/>
+          </p:cNvSpPr>
           <p:nvPr>
-            <p:ph idx="2" type="sldImg"/>
+            <p:ph type="sldImg" idx="2"/>
           </p:nvPr>
         </p:nvSpPr>
         <p:spPr>
           <a:xfrm>
-            <a:off x="381300" y="685800"/>
+            <a:off x="381000" y="685800"/>
             <a:ext cx="6096000" cy="3429000"/>
           </a:xfrm>
           <a:custGeom>
-            <a:rect b="b" l="l" r="r" t="t"/>
+            <a:avLst/>
+            <a:gdLst/>
+            <a:ahLst/>
+            <a:cxnLst/>
+            <a:rect l="l" t="t" r="r" b="b"/>
             <a:pathLst>
-              <a:path extrusionOk="0" h="120000" w="120000">
+              <a:path w="120000" h="120000" extrusionOk="0">
                 <a:moveTo>
                   <a:pt x="0" y="0"/>
                 </a:moveTo>
@@ -953,9 +999,11 @@
       <p:sp>
         <p:nvSpPr>
           <p:cNvPr id="66" name="Google Shape;66;g2054ef756ee_0_23:notes"/>
-          <p:cNvSpPr txBox="1"/>
+          <p:cNvSpPr txBox="1">
+            <a:spLocks noGrp="1"/>
+          </p:cNvSpPr>
           <p:nvPr>
-            <p:ph idx="1" type="body"/>
+            <p:ph type="body" idx="1"/>
           </p:nvPr>
         </p:nvSpPr>
         <p:spPr>
@@ -968,12 +1016,12 @@
           </a:prstGeom>
         </p:spPr>
         <p:txBody>
-          <a:bodyPr anchorCtr="0" anchor="t" bIns="91425" lIns="91425" spcFirstLastPara="1" rIns="91425" wrap="square" tIns="91425">
+          <a:bodyPr spcFirstLastPara="1" wrap="square" lIns="91425" tIns="91425" rIns="91425" bIns="91425" anchor="t" anchorCtr="0">
             <a:noAutofit/>
           </a:bodyPr>
           <a:lstStyle/>
           <a:p>
-            <a:pPr indent="0" lvl="0" marL="0" rtl="0" algn="l">
+            <a:pPr marL="0" lvl="0" indent="0" algn="l" rtl="0">
               <a:spcBef>
                 <a:spcPts val="0"/>
               </a:spcBef>
@@ -982,14 +1030,16 @@
               </a:spcAft>
               <a:buNone/>
             </a:pPr>
-            <a:r>
-              <a:t/>
-            </a:r>
             <a:endParaRPr/>
           </a:p>
         </p:txBody>
       </p:sp>
     </p:spTree>
+    <p:extLst>
+      <p:ext uri="{BB962C8B-B14F-4D97-AF65-F5344CB8AC3E}">
+        <p14:creationId xmlns:p14="http://schemas.microsoft.com/office/powerpoint/2010/main" val="2762126700"/>
+      </p:ext>
+    </p:extLst>
   </p:cSld>
   <p:clrMapOvr>
     <a:masterClrMapping/>
@@ -998,11 +1048,11 @@
 </file>
 
 <file path=ppt/notesSlides/notesSlide4.xml><?xml version="1.0" encoding="utf-8"?>
-<p:notes xmlns:a="http://schemas.openxmlformats.org/drawingml/2006/main" xmlns:r="http://schemas.openxmlformats.org/officeDocument/2006/relationships" xmlns:mc="http://schemas.openxmlformats.org/markup-compatibility/2006" xmlns:mv="urn:schemas-microsoft-com:mac:vml" xmlns:p="http://schemas.openxmlformats.org/presentationml/2006/main" xmlns:c="http://schemas.openxmlformats.org/drawingml/2006/chart" xmlns:dgm="http://schemas.openxmlformats.org/drawingml/2006/diagram" xmlns:o="urn:schemas-microsoft-com:office:office" xmlns:v="urn:schemas-microsoft-com:vml" xmlns:pvml="urn:schemas-microsoft-com:office:powerpoint" xmlns:com="http://schemas.openxmlformats.org/drawingml/2006/compatibility" xmlns:p14="http://schemas.microsoft.com/office/powerpoint/2010/main" xmlns:p15="http://schemas.microsoft.com/office/powerpoint/2012/main" xmlns:ahyp="http://schemas.microsoft.com/office/drawing/2018/hyperlinkcolor" showMasterPhAnim="0" showMasterSp="0">
+<p:notes xmlns:a="http://schemas.openxmlformats.org/drawingml/2006/main" xmlns:r="http://schemas.openxmlformats.org/officeDocument/2006/relationships" xmlns:p="http://schemas.openxmlformats.org/presentationml/2006/main" showMasterSp="0" showMasterPhAnim="0">
   <p:cSld>
     <p:spTree>
       <p:nvGrpSpPr>
-        <p:cNvPr id="71" name="Shape 71"/>
+        <p:cNvPr id="1" name="Shape 71"/>
         <p:cNvGrpSpPr/>
         <p:nvPr/>
       </p:nvGrpSpPr>
@@ -1017,20 +1067,26 @@
       <p:sp>
         <p:nvSpPr>
           <p:cNvPr id="72" name="Google Shape;72;g2054ef756ee_0_35:notes"/>
-          <p:cNvSpPr/>
+          <p:cNvSpPr>
+            <a:spLocks noGrp="1" noRot="1" noChangeAspect="1"/>
+          </p:cNvSpPr>
           <p:nvPr>
-            <p:ph idx="2" type="sldImg"/>
+            <p:ph type="sldImg" idx="2"/>
           </p:nvPr>
         </p:nvSpPr>
         <p:spPr>
           <a:xfrm>
-            <a:off x="381300" y="685800"/>
+            <a:off x="381000" y="685800"/>
             <a:ext cx="6096000" cy="3429000"/>
           </a:xfrm>
           <a:custGeom>
-            <a:rect b="b" l="l" r="r" t="t"/>
+            <a:avLst/>
+            <a:gdLst/>
+            <a:ahLst/>
+            <a:cxnLst/>
+            <a:rect l="l" t="t" r="r" b="b"/>
             <a:pathLst>
-              <a:path extrusionOk="0" h="120000" w="120000">
+              <a:path w="120000" h="120000" extrusionOk="0">
                 <a:moveTo>
                   <a:pt x="0" y="0"/>
                 </a:moveTo>
@@ -1052,9 +1108,11 @@
       <p:sp>
         <p:nvSpPr>
           <p:cNvPr id="73" name="Google Shape;73;g2054ef756ee_0_35:notes"/>
-          <p:cNvSpPr txBox="1"/>
+          <p:cNvSpPr txBox="1">
+            <a:spLocks noGrp="1"/>
+          </p:cNvSpPr>
           <p:nvPr>
-            <p:ph idx="1" type="body"/>
+            <p:ph type="body" idx="1"/>
           </p:nvPr>
         </p:nvSpPr>
         <p:spPr>
@@ -1067,12 +1125,12 @@
           </a:prstGeom>
         </p:spPr>
         <p:txBody>
-          <a:bodyPr anchorCtr="0" anchor="t" bIns="91425" lIns="91425" spcFirstLastPara="1" rIns="91425" wrap="square" tIns="91425">
+          <a:bodyPr spcFirstLastPara="1" wrap="square" lIns="91425" tIns="91425" rIns="91425" bIns="91425" anchor="t" anchorCtr="0">
             <a:noAutofit/>
           </a:bodyPr>
           <a:lstStyle/>
           <a:p>
-            <a:pPr indent="0" lvl="0" marL="0" rtl="0" algn="l">
+            <a:pPr marL="0" lvl="0" indent="0" algn="l" rtl="0">
               <a:spcBef>
                 <a:spcPts val="0"/>
               </a:spcBef>
@@ -1081,14 +1139,16 @@
               </a:spcAft>
               <a:buNone/>
             </a:pPr>
-            <a:r>
-              <a:t/>
-            </a:r>
             <a:endParaRPr/>
           </a:p>
         </p:txBody>
       </p:sp>
     </p:spTree>
+    <p:extLst>
+      <p:ext uri="{BB962C8B-B14F-4D97-AF65-F5344CB8AC3E}">
+        <p14:creationId xmlns:p14="http://schemas.microsoft.com/office/powerpoint/2010/main" val="216025256"/>
+      </p:ext>
+    </p:extLst>
   </p:cSld>
   <p:clrMapOvr>
     <a:masterClrMapping/>
@@ -1097,11 +1157,11 @@
 </file>
 
 <file path=ppt/notesSlides/notesSlide5.xml><?xml version="1.0" encoding="utf-8"?>
-<p:notes xmlns:a="http://schemas.openxmlformats.org/drawingml/2006/main" xmlns:r="http://schemas.openxmlformats.org/officeDocument/2006/relationships" xmlns:mc="http://schemas.openxmlformats.org/markup-compatibility/2006" xmlns:mv="urn:schemas-microsoft-com:mac:vml" xmlns:p="http://schemas.openxmlformats.org/presentationml/2006/main" xmlns:c="http://schemas.openxmlformats.org/drawingml/2006/chart" xmlns:dgm="http://schemas.openxmlformats.org/drawingml/2006/diagram" xmlns:o="urn:schemas-microsoft-com:office:office" xmlns:v="urn:schemas-microsoft-com:vml" xmlns:pvml="urn:schemas-microsoft-com:office:powerpoint" xmlns:com="http://schemas.openxmlformats.org/drawingml/2006/compatibility" xmlns:p14="http://schemas.microsoft.com/office/powerpoint/2010/main" xmlns:p15="http://schemas.microsoft.com/office/powerpoint/2012/main" xmlns:ahyp="http://schemas.microsoft.com/office/drawing/2018/hyperlinkcolor" showMasterPhAnim="0" showMasterSp="0">
+<p:notes xmlns:a="http://schemas.openxmlformats.org/drawingml/2006/main" xmlns:r="http://schemas.openxmlformats.org/officeDocument/2006/relationships" xmlns:p="http://schemas.openxmlformats.org/presentationml/2006/main" showMasterSp="0" showMasterPhAnim="0">
   <p:cSld>
     <p:spTree>
       <p:nvGrpSpPr>
-        <p:cNvPr id="78" name="Shape 78"/>
+        <p:cNvPr id="1" name="Shape 78"/>
         <p:cNvGrpSpPr/>
         <p:nvPr/>
       </p:nvGrpSpPr>
@@ -1116,20 +1176,26 @@
       <p:sp>
         <p:nvSpPr>
           <p:cNvPr id="79" name="Google Shape;79;g2054ef756ee_0_58:notes"/>
-          <p:cNvSpPr/>
+          <p:cNvSpPr>
+            <a:spLocks noGrp="1" noRot="1" noChangeAspect="1"/>
+          </p:cNvSpPr>
           <p:nvPr>
-            <p:ph idx="2" type="sldImg"/>
+            <p:ph type="sldImg" idx="2"/>
           </p:nvPr>
         </p:nvSpPr>
         <p:spPr>
           <a:xfrm>
-            <a:off x="381300" y="685800"/>
+            <a:off x="381000" y="685800"/>
             <a:ext cx="6096000" cy="3429000"/>
           </a:xfrm>
           <a:custGeom>
-            <a:rect b="b" l="l" r="r" t="t"/>
+            <a:avLst/>
+            <a:gdLst/>
+            <a:ahLst/>
+            <a:cxnLst/>
+            <a:rect l="l" t="t" r="r" b="b"/>
             <a:pathLst>
-              <a:path extrusionOk="0" h="120000" w="120000">
+              <a:path w="120000" h="120000" extrusionOk="0">
                 <a:moveTo>
                   <a:pt x="0" y="0"/>
                 </a:moveTo>
@@ -1151,9 +1217,11 @@
       <p:sp>
         <p:nvSpPr>
           <p:cNvPr id="80" name="Google Shape;80;g2054ef756ee_0_58:notes"/>
-          <p:cNvSpPr txBox="1"/>
+          <p:cNvSpPr txBox="1">
+            <a:spLocks noGrp="1"/>
+          </p:cNvSpPr>
           <p:nvPr>
-            <p:ph idx="1" type="body"/>
+            <p:ph type="body" idx="1"/>
           </p:nvPr>
         </p:nvSpPr>
         <p:spPr>
@@ -1166,12 +1234,12 @@
           </a:prstGeom>
         </p:spPr>
         <p:txBody>
-          <a:bodyPr anchorCtr="0" anchor="t" bIns="91425" lIns="91425" spcFirstLastPara="1" rIns="91425" wrap="square" tIns="91425">
+          <a:bodyPr spcFirstLastPara="1" wrap="square" lIns="91425" tIns="91425" rIns="91425" bIns="91425" anchor="t" anchorCtr="0">
             <a:noAutofit/>
           </a:bodyPr>
           <a:lstStyle/>
           <a:p>
-            <a:pPr indent="0" lvl="0" marL="0" rtl="0" algn="l">
+            <a:pPr marL="0" lvl="0" indent="0" algn="l" rtl="0">
               <a:spcBef>
                 <a:spcPts val="0"/>
               </a:spcBef>
@@ -1180,14 +1248,16 @@
               </a:spcAft>
               <a:buNone/>
             </a:pPr>
-            <a:r>
-              <a:t/>
-            </a:r>
             <a:endParaRPr/>
           </a:p>
         </p:txBody>
       </p:sp>
     </p:spTree>
+    <p:extLst>
+      <p:ext uri="{BB962C8B-B14F-4D97-AF65-F5344CB8AC3E}">
+        <p14:creationId xmlns:p14="http://schemas.microsoft.com/office/powerpoint/2010/main" val="3151039970"/>
+      </p:ext>
+    </p:extLst>
   </p:cSld>
   <p:clrMapOvr>
     <a:masterClrMapping/>
@@ -1196,11 +1266,11 @@
 </file>
 
 <file path=ppt/notesSlides/notesSlide6.xml><?xml version="1.0" encoding="utf-8"?>
-<p:notes xmlns:a="http://schemas.openxmlformats.org/drawingml/2006/main" xmlns:r="http://schemas.openxmlformats.org/officeDocument/2006/relationships" xmlns:mc="http://schemas.openxmlformats.org/markup-compatibility/2006" xmlns:mv="urn:schemas-microsoft-com:mac:vml" xmlns:p="http://schemas.openxmlformats.org/presentationml/2006/main" xmlns:c="http://schemas.openxmlformats.org/drawingml/2006/chart" xmlns:dgm="http://schemas.openxmlformats.org/drawingml/2006/diagram" xmlns:o="urn:schemas-microsoft-com:office:office" xmlns:v="urn:schemas-microsoft-com:vml" xmlns:pvml="urn:schemas-microsoft-com:office:powerpoint" xmlns:com="http://schemas.openxmlformats.org/drawingml/2006/compatibility" xmlns:p14="http://schemas.microsoft.com/office/powerpoint/2010/main" xmlns:p15="http://schemas.microsoft.com/office/powerpoint/2012/main" xmlns:ahyp="http://schemas.microsoft.com/office/drawing/2018/hyperlinkcolor" showMasterPhAnim="0" showMasterSp="0">
+<p:notes xmlns:a="http://schemas.openxmlformats.org/drawingml/2006/main" xmlns:r="http://schemas.openxmlformats.org/officeDocument/2006/relationships" xmlns:p="http://schemas.openxmlformats.org/presentationml/2006/main" showMasterSp="0" showMasterPhAnim="0">
   <p:cSld>
     <p:spTree>
       <p:nvGrpSpPr>
-        <p:cNvPr id="85" name="Shape 85"/>
+        <p:cNvPr id="1" name="Shape 85"/>
         <p:cNvGrpSpPr/>
         <p:nvPr/>
       </p:nvGrpSpPr>
@@ -1215,20 +1285,26 @@
       <p:sp>
         <p:nvSpPr>
           <p:cNvPr id="86" name="Google Shape;86;g2054ef756ee_0_66:notes"/>
-          <p:cNvSpPr/>
+          <p:cNvSpPr>
+            <a:spLocks noGrp="1" noRot="1" noChangeAspect="1"/>
+          </p:cNvSpPr>
           <p:nvPr>
-            <p:ph idx="2" type="sldImg"/>
+            <p:ph type="sldImg" idx="2"/>
           </p:nvPr>
         </p:nvSpPr>
         <p:spPr>
           <a:xfrm>
-            <a:off x="381300" y="685800"/>
+            <a:off x="381000" y="685800"/>
             <a:ext cx="6096000" cy="3429000"/>
           </a:xfrm>
           <a:custGeom>
-            <a:rect b="b" l="l" r="r" t="t"/>
+            <a:avLst/>
+            <a:gdLst/>
+            <a:ahLst/>
+            <a:cxnLst/>
+            <a:rect l="l" t="t" r="r" b="b"/>
             <a:pathLst>
-              <a:path extrusionOk="0" h="120000" w="120000">
+              <a:path w="120000" h="120000" extrusionOk="0">
                 <a:moveTo>
                   <a:pt x="0" y="0"/>
                 </a:moveTo>
@@ -1250,9 +1326,11 @@
       <p:sp>
         <p:nvSpPr>
           <p:cNvPr id="87" name="Google Shape;87;g2054ef756ee_0_66:notes"/>
-          <p:cNvSpPr txBox="1"/>
+          <p:cNvSpPr txBox="1">
+            <a:spLocks noGrp="1"/>
+          </p:cNvSpPr>
           <p:nvPr>
-            <p:ph idx="1" type="body"/>
+            <p:ph type="body" idx="1"/>
           </p:nvPr>
         </p:nvSpPr>
         <p:spPr>
@@ -1265,12 +1343,12 @@
           </a:prstGeom>
         </p:spPr>
         <p:txBody>
-          <a:bodyPr anchorCtr="0" anchor="t" bIns="91425" lIns="91425" spcFirstLastPara="1" rIns="91425" wrap="square" tIns="91425">
+          <a:bodyPr spcFirstLastPara="1" wrap="square" lIns="91425" tIns="91425" rIns="91425" bIns="91425" anchor="t" anchorCtr="0">
             <a:noAutofit/>
           </a:bodyPr>
           <a:lstStyle/>
           <a:p>
-            <a:pPr indent="0" lvl="0" marL="0" rtl="0" algn="l">
+            <a:pPr marL="0" lvl="0" indent="0" algn="l" rtl="0">
               <a:spcBef>
                 <a:spcPts val="0"/>
               </a:spcBef>
@@ -1279,14 +1357,16 @@
               </a:spcAft>
               <a:buNone/>
             </a:pPr>
-            <a:r>
-              <a:t/>
-            </a:r>
             <a:endParaRPr/>
           </a:p>
         </p:txBody>
       </p:sp>
     </p:spTree>
+    <p:extLst>
+      <p:ext uri="{BB962C8B-B14F-4D97-AF65-F5344CB8AC3E}">
+        <p14:creationId xmlns:p14="http://schemas.microsoft.com/office/powerpoint/2010/main" val="41719172"/>
+      </p:ext>
+    </p:extLst>
   </p:cSld>
   <p:clrMapOvr>
     <a:masterClrMapping/>
@@ -1295,7 +1375,7 @@
 </file>
 
 <file path=ppt/slideLayouts/slideLayout1.xml><?xml version="1.0" encoding="utf-8"?>
-<p:sldLayout xmlns:a="http://schemas.openxmlformats.org/drawingml/2006/main" xmlns:r="http://schemas.openxmlformats.org/officeDocument/2006/relationships" xmlns:mc="http://schemas.openxmlformats.org/markup-compatibility/2006" xmlns:mv="urn:schemas-microsoft-com:mac:vml" xmlns:p="http://schemas.openxmlformats.org/presentationml/2006/main" xmlns:c="http://schemas.openxmlformats.org/drawingml/2006/chart" xmlns:dgm="http://schemas.openxmlformats.org/drawingml/2006/diagram" xmlns:o="urn:schemas-microsoft-com:office:office" xmlns:v="urn:schemas-microsoft-com:vml" xmlns:pvml="urn:schemas-microsoft-com:office:powerpoint" xmlns:com="http://schemas.openxmlformats.org/drawingml/2006/compatibility" xmlns:p14="http://schemas.microsoft.com/office/powerpoint/2010/main" xmlns:p15="http://schemas.microsoft.com/office/powerpoint/2012/main" xmlns:ahyp="http://schemas.microsoft.com/office/drawing/2018/hyperlinkcolor" matchingName="Title slide" type="title">
+<p:sldLayout xmlns:a="http://schemas.openxmlformats.org/drawingml/2006/main" xmlns:r="http://schemas.openxmlformats.org/officeDocument/2006/relationships" xmlns:p="http://schemas.openxmlformats.org/presentationml/2006/main" matchingName="Title slide" type="title">
   <p:cSld name="TITLE">
     <p:bg>
       <p:bgPr>
@@ -1307,11 +1387,12 @@
             <a:fillRect/>
           </a:stretch>
         </a:blipFill>
+        <a:effectLst/>
       </p:bgPr>
     </p:bg>
     <p:spTree>
       <p:nvGrpSpPr>
-        <p:cNvPr id="9" name="Shape 9"/>
+        <p:cNvPr id="1" name="Shape 9"/>
         <p:cNvGrpSpPr/>
         <p:nvPr/>
       </p:nvGrpSpPr>
@@ -1326,7 +1407,9 @@
       <p:sp>
         <p:nvSpPr>
           <p:cNvPr id="10" name="Google Shape;10;p2"/>
-          <p:cNvSpPr txBox="1"/>
+          <p:cNvSpPr txBox="1">
+            <a:spLocks noGrp="1"/>
+          </p:cNvSpPr>
           <p:nvPr>
             <p:ph type="ctrTitle"/>
           </p:nvPr>
@@ -1341,7 +1424,7 @@
           </a:prstGeom>
         </p:spPr>
         <p:txBody>
-          <a:bodyPr anchorCtr="0" anchor="b" bIns="91425" lIns="91425" spcFirstLastPara="1" rIns="91425" wrap="square" tIns="91425">
+          <a:bodyPr spcFirstLastPara="1" wrap="square" lIns="91425" tIns="91425" rIns="91425" bIns="91425" anchor="b" anchorCtr="0">
             <a:normAutofit/>
           </a:bodyPr>
           <a:lstStyle>
@@ -1357,7 +1440,7 @@
               </a:buClr>
               <a:buSzPts val="3300"/>
               <a:buNone/>
-              <a:defRPr b="1" sz="3300">
+              <a:defRPr sz="3300" b="1">
                 <a:solidFill>
                   <a:schemeClr val="lt1"/>
                 </a:solidFill>
@@ -1375,7 +1458,7 @@
               </a:buClr>
               <a:buSzPts val="3300"/>
               <a:buNone/>
-              <a:defRPr b="1" sz="3300">
+              <a:defRPr sz="3300" b="1">
                 <a:solidFill>
                   <a:schemeClr val="lt1"/>
                 </a:solidFill>
@@ -1393,7 +1476,7 @@
               </a:buClr>
               <a:buSzPts val="3300"/>
               <a:buNone/>
-              <a:defRPr b="1" sz="3300">
+              <a:defRPr sz="3300" b="1">
                 <a:solidFill>
                   <a:schemeClr val="lt1"/>
                 </a:solidFill>
@@ -1411,7 +1494,7 @@
               </a:buClr>
               <a:buSzPts val="3300"/>
               <a:buNone/>
-              <a:defRPr b="1" sz="3300">
+              <a:defRPr sz="3300" b="1">
                 <a:solidFill>
                   <a:schemeClr val="lt1"/>
                 </a:solidFill>
@@ -1429,7 +1512,7 @@
               </a:buClr>
               <a:buSzPts val="3300"/>
               <a:buNone/>
-              <a:defRPr b="1" sz="3300">
+              <a:defRPr sz="3300" b="1">
                 <a:solidFill>
                   <a:schemeClr val="lt1"/>
                 </a:solidFill>
@@ -1447,7 +1530,7 @@
               </a:buClr>
               <a:buSzPts val="3300"/>
               <a:buNone/>
-              <a:defRPr b="1" sz="3300">
+              <a:defRPr sz="3300" b="1">
                 <a:solidFill>
                   <a:schemeClr val="lt1"/>
                 </a:solidFill>
@@ -1465,7 +1548,7 @@
               </a:buClr>
               <a:buSzPts val="3300"/>
               <a:buNone/>
-              <a:defRPr b="1" sz="3300">
+              <a:defRPr sz="3300" b="1">
                 <a:solidFill>
                   <a:schemeClr val="lt1"/>
                 </a:solidFill>
@@ -1483,7 +1566,7 @@
               </a:buClr>
               <a:buSzPts val="3300"/>
               <a:buNone/>
-              <a:defRPr b="1" sz="3300">
+              <a:defRPr sz="3300" b="1">
                 <a:solidFill>
                   <a:schemeClr val="lt1"/>
                 </a:solidFill>
@@ -1501,22 +1584,26 @@
               </a:buClr>
               <a:buSzPts val="3300"/>
               <a:buNone/>
-              <a:defRPr b="1" sz="3300">
+              <a:defRPr sz="3300" b="1">
                 <a:solidFill>
                   <a:schemeClr val="lt1"/>
                 </a:solidFill>
               </a:defRPr>
             </a:lvl9pPr>
           </a:lstStyle>
-          <a:p/>
+          <a:p>
+            <a:endParaRPr/>
+          </a:p>
         </p:txBody>
       </p:sp>
       <p:sp>
         <p:nvSpPr>
           <p:cNvPr id="11" name="Google Shape;11;p2"/>
-          <p:cNvSpPr txBox="1"/>
+          <p:cNvSpPr txBox="1">
+            <a:spLocks noGrp="1"/>
+          </p:cNvSpPr>
           <p:nvPr>
-            <p:ph idx="1" type="subTitle"/>
+            <p:ph type="subTitle" idx="1"/>
           </p:nvPr>
         </p:nvSpPr>
         <p:spPr>
@@ -1529,7 +1616,7 @@
           </a:prstGeom>
         </p:spPr>
         <p:txBody>
-          <a:bodyPr anchorCtr="0" anchor="t" bIns="91425" lIns="91425" spcFirstLastPara="1" rIns="91425" wrap="square" tIns="91425">
+          <a:bodyPr spcFirstLastPara="1" wrap="square" lIns="91425" tIns="91425" rIns="91425" bIns="91425" anchor="t" anchorCtr="0">
             <a:normAutofit/>
           </a:bodyPr>
           <a:lstStyle>
@@ -1723,15 +1810,19 @@
               </a:defRPr>
             </a:lvl9pPr>
           </a:lstStyle>
-          <a:p/>
+          <a:p>
+            <a:endParaRPr/>
+          </a:p>
         </p:txBody>
       </p:sp>
       <p:sp>
         <p:nvSpPr>
           <p:cNvPr id="12" name="Google Shape;12;p2"/>
-          <p:cNvSpPr txBox="1"/>
+          <p:cNvSpPr txBox="1">
+            <a:spLocks noGrp="1"/>
+          </p:cNvSpPr>
           <p:nvPr>
-            <p:ph idx="12" type="sldNum"/>
+            <p:ph type="sldNum" idx="12"/>
           </p:nvPr>
         </p:nvSpPr>
         <p:spPr>
@@ -1744,7 +1835,7 @@
           </a:prstGeom>
         </p:spPr>
         <p:txBody>
-          <a:bodyPr anchorCtr="0" anchor="ctr" bIns="91425" lIns="91425" spcFirstLastPara="1" rIns="91425" wrap="square" tIns="91425">
+          <a:bodyPr spcFirstLastPara="1" wrap="square" lIns="91425" tIns="91425" rIns="91425" bIns="91425" anchor="ctr" anchorCtr="0">
             <a:normAutofit/>
           </a:bodyPr>
           <a:lstStyle>
@@ -1786,7 +1877,7 @@
             </a:lvl9pPr>
           </a:lstStyle>
           <a:p>
-            <a:pPr indent="0" lvl="0" marL="0" rtl="0" algn="r">
+            <a:pPr marL="0" lvl="0" indent="0" algn="r" rtl="0">
               <a:spcBef>
                 <a:spcPts val="0"/>
               </a:spcBef>
@@ -1812,11 +1903,11 @@
 </file>
 
 <file path=ppt/slideLayouts/slideLayout10.xml><?xml version="1.0" encoding="utf-8"?>
-<p:sldLayout xmlns:a="http://schemas.openxmlformats.org/drawingml/2006/main" xmlns:r="http://schemas.openxmlformats.org/officeDocument/2006/relationships" xmlns:mc="http://schemas.openxmlformats.org/markup-compatibility/2006" xmlns:mv="urn:schemas-microsoft-com:mac:vml" xmlns:p="http://schemas.openxmlformats.org/presentationml/2006/main" xmlns:c="http://schemas.openxmlformats.org/drawingml/2006/chart" xmlns:dgm="http://schemas.openxmlformats.org/drawingml/2006/diagram" xmlns:o="urn:schemas-microsoft-com:office:office" xmlns:v="urn:schemas-microsoft-com:vml" xmlns:pvml="urn:schemas-microsoft-com:office:powerpoint" xmlns:com="http://schemas.openxmlformats.org/drawingml/2006/compatibility" xmlns:p14="http://schemas.microsoft.com/office/powerpoint/2010/main" xmlns:p15="http://schemas.microsoft.com/office/powerpoint/2012/main" xmlns:ahyp="http://schemas.microsoft.com/office/drawing/2018/hyperlinkcolor" matchingName="Big number">
+<p:sldLayout xmlns:a="http://schemas.openxmlformats.org/drawingml/2006/main" xmlns:r="http://schemas.openxmlformats.org/officeDocument/2006/relationships" xmlns:p="http://schemas.openxmlformats.org/presentationml/2006/main" matchingName="Big number">
   <p:cSld name="BIG_NUMBER">
     <p:spTree>
       <p:nvGrpSpPr>
-        <p:cNvPr id="44" name="Shape 44"/>
+        <p:cNvPr id="1" name="Shape 44"/>
         <p:cNvGrpSpPr/>
         <p:nvPr/>
       </p:nvGrpSpPr>
@@ -1831,9 +1922,11 @@
       <p:sp>
         <p:nvSpPr>
           <p:cNvPr id="45" name="Google Shape;45;p11"/>
-          <p:cNvSpPr txBox="1"/>
+          <p:cNvSpPr txBox="1">
+            <a:spLocks noGrp="1"/>
+          </p:cNvSpPr>
           <p:nvPr>
-            <p:ph hasCustomPrompt="1" type="title"/>
+            <p:ph type="title" hasCustomPrompt="1"/>
           </p:nvPr>
         </p:nvSpPr>
         <p:spPr>
@@ -1846,7 +1939,7 @@
           </a:prstGeom>
         </p:spPr>
         <p:txBody>
-          <a:bodyPr anchorCtr="0" anchor="b" bIns="91425" lIns="91425" spcFirstLastPara="1" rIns="91425" wrap="square" tIns="91425">
+          <a:bodyPr spcFirstLastPara="1" wrap="square" lIns="91425" tIns="91425" rIns="91425" bIns="91425" anchor="b" anchorCtr="0">
             <a:normAutofit/>
           </a:bodyPr>
           <a:lstStyle>
@@ -1960,9 +2053,11 @@
       <p:sp>
         <p:nvSpPr>
           <p:cNvPr id="46" name="Google Shape;46;p11"/>
-          <p:cNvSpPr txBox="1"/>
+          <p:cNvSpPr txBox="1">
+            <a:spLocks noGrp="1"/>
+          </p:cNvSpPr>
           <p:nvPr>
-            <p:ph idx="1" type="body"/>
+            <p:ph type="body" idx="1"/>
           </p:nvPr>
         </p:nvSpPr>
         <p:spPr>
@@ -1975,11 +2070,11 @@
           </a:prstGeom>
         </p:spPr>
         <p:txBody>
-          <a:bodyPr anchorCtr="0" anchor="t" bIns="91425" lIns="91425" spcFirstLastPara="1" rIns="91425" wrap="square" tIns="91425">
+          <a:bodyPr spcFirstLastPara="1" wrap="square" lIns="91425" tIns="91425" rIns="91425" bIns="91425" anchor="t" anchorCtr="0">
             <a:normAutofit/>
           </a:bodyPr>
           <a:lstStyle>
-            <a:lvl1pPr indent="-342900" lvl="0" marL="457200" algn="ctr">
+            <a:lvl1pPr marL="457200" lvl="0" indent="-342900" algn="ctr">
               <a:spcBef>
                 <a:spcPts val="0"/>
               </a:spcBef>
@@ -1990,7 +2085,7 @@
               <a:buChar char="●"/>
               <a:defRPr/>
             </a:lvl1pPr>
-            <a:lvl2pPr indent="-317500" lvl="1" marL="914400" algn="ctr">
+            <a:lvl2pPr marL="914400" lvl="1" indent="-317500" algn="ctr">
               <a:spcBef>
                 <a:spcPts val="0"/>
               </a:spcBef>
@@ -2001,7 +2096,7 @@
               <a:buChar char="○"/>
               <a:defRPr/>
             </a:lvl2pPr>
-            <a:lvl3pPr indent="-317500" lvl="2" marL="1371600" algn="ctr">
+            <a:lvl3pPr marL="1371600" lvl="2" indent="-317500" algn="ctr">
               <a:spcBef>
                 <a:spcPts val="0"/>
               </a:spcBef>
@@ -2012,7 +2107,7 @@
               <a:buChar char="■"/>
               <a:defRPr/>
             </a:lvl3pPr>
-            <a:lvl4pPr indent="-317500" lvl="3" marL="1828800" algn="ctr">
+            <a:lvl4pPr marL="1828800" lvl="3" indent="-317500" algn="ctr">
               <a:spcBef>
                 <a:spcPts val="0"/>
               </a:spcBef>
@@ -2023,7 +2118,7 @@
               <a:buChar char="●"/>
               <a:defRPr/>
             </a:lvl4pPr>
-            <a:lvl5pPr indent="-317500" lvl="4" marL="2286000" algn="ctr">
+            <a:lvl5pPr marL="2286000" lvl="4" indent="-317500" algn="ctr">
               <a:spcBef>
                 <a:spcPts val="0"/>
               </a:spcBef>
@@ -2034,7 +2129,7 @@
               <a:buChar char="○"/>
               <a:defRPr/>
             </a:lvl5pPr>
-            <a:lvl6pPr indent="-317500" lvl="5" marL="2743200" algn="ctr">
+            <a:lvl6pPr marL="2743200" lvl="5" indent="-317500" algn="ctr">
               <a:spcBef>
                 <a:spcPts val="0"/>
               </a:spcBef>
@@ -2045,7 +2140,7 @@
               <a:buChar char="■"/>
               <a:defRPr/>
             </a:lvl6pPr>
-            <a:lvl7pPr indent="-317500" lvl="6" marL="3200400" algn="ctr">
+            <a:lvl7pPr marL="3200400" lvl="6" indent="-317500" algn="ctr">
               <a:spcBef>
                 <a:spcPts val="0"/>
               </a:spcBef>
@@ -2056,7 +2151,7 @@
               <a:buChar char="●"/>
               <a:defRPr/>
             </a:lvl7pPr>
-            <a:lvl8pPr indent="-317500" lvl="7" marL="3657600" algn="ctr">
+            <a:lvl8pPr marL="3657600" lvl="7" indent="-317500" algn="ctr">
               <a:spcBef>
                 <a:spcPts val="0"/>
               </a:spcBef>
@@ -2067,7 +2162,7 @@
               <a:buChar char="○"/>
               <a:defRPr/>
             </a:lvl8pPr>
-            <a:lvl9pPr indent="-317500" lvl="8" marL="4114800" algn="ctr">
+            <a:lvl9pPr marL="4114800" lvl="8" indent="-317500" algn="ctr">
               <a:spcBef>
                 <a:spcPts val="0"/>
               </a:spcBef>
@@ -2079,15 +2174,19 @@
               <a:defRPr/>
             </a:lvl9pPr>
           </a:lstStyle>
-          <a:p/>
+          <a:p>
+            <a:endParaRPr/>
+          </a:p>
         </p:txBody>
       </p:sp>
       <p:sp>
         <p:nvSpPr>
           <p:cNvPr id="47" name="Google Shape;47;p11"/>
-          <p:cNvSpPr txBox="1"/>
+          <p:cNvSpPr txBox="1">
+            <a:spLocks noGrp="1"/>
+          </p:cNvSpPr>
           <p:nvPr>
-            <p:ph idx="12" type="sldNum"/>
+            <p:ph type="sldNum" idx="12"/>
           </p:nvPr>
         </p:nvSpPr>
         <p:spPr>
@@ -2100,7 +2199,7 @@
           </a:prstGeom>
         </p:spPr>
         <p:txBody>
-          <a:bodyPr anchorCtr="0" anchor="ctr" bIns="91425" lIns="91425" spcFirstLastPara="1" rIns="91425" wrap="square" tIns="91425">
+          <a:bodyPr spcFirstLastPara="1" wrap="square" lIns="91425" tIns="91425" rIns="91425" bIns="91425" anchor="ctr" anchorCtr="0">
             <a:normAutofit/>
           </a:bodyPr>
           <a:lstStyle>
@@ -2142,7 +2241,7 @@
             </a:lvl9pPr>
           </a:lstStyle>
           <a:p>
-            <a:pPr indent="0" lvl="0" marL="0" rtl="0" algn="r">
+            <a:pPr marL="0" lvl="0" indent="0" algn="r" rtl="0">
               <a:spcBef>
                 <a:spcPts val="0"/>
               </a:spcBef>
@@ -2168,11 +2267,11 @@
 </file>
 
 <file path=ppt/slideLayouts/slideLayout11.xml><?xml version="1.0" encoding="utf-8"?>
-<p:sldLayout xmlns:a="http://schemas.openxmlformats.org/drawingml/2006/main" xmlns:r="http://schemas.openxmlformats.org/officeDocument/2006/relationships" xmlns:mc="http://schemas.openxmlformats.org/markup-compatibility/2006" xmlns:mv="urn:schemas-microsoft-com:mac:vml" xmlns:p="http://schemas.openxmlformats.org/presentationml/2006/main" xmlns:c="http://schemas.openxmlformats.org/drawingml/2006/chart" xmlns:dgm="http://schemas.openxmlformats.org/drawingml/2006/diagram" xmlns:o="urn:schemas-microsoft-com:office:office" xmlns:v="urn:schemas-microsoft-com:vml" xmlns:pvml="urn:schemas-microsoft-com:office:powerpoint" xmlns:com="http://schemas.openxmlformats.org/drawingml/2006/compatibility" xmlns:p14="http://schemas.microsoft.com/office/powerpoint/2010/main" xmlns:p15="http://schemas.microsoft.com/office/powerpoint/2012/main" xmlns:ahyp="http://schemas.microsoft.com/office/drawing/2018/hyperlinkcolor" matchingName="Blank" type="blank">
+<p:sldLayout xmlns:a="http://schemas.openxmlformats.org/drawingml/2006/main" xmlns:r="http://schemas.openxmlformats.org/officeDocument/2006/relationships" xmlns:p="http://schemas.openxmlformats.org/presentationml/2006/main" matchingName="Blank" type="blank">
   <p:cSld name="BLANK">
     <p:spTree>
       <p:nvGrpSpPr>
-        <p:cNvPr id="48" name="Shape 48"/>
+        <p:cNvPr id="1" name="Shape 48"/>
         <p:cNvGrpSpPr/>
         <p:nvPr/>
       </p:nvGrpSpPr>
@@ -2187,9 +2286,11 @@
       <p:sp>
         <p:nvSpPr>
           <p:cNvPr id="49" name="Google Shape;49;p12"/>
-          <p:cNvSpPr txBox="1"/>
+          <p:cNvSpPr txBox="1">
+            <a:spLocks noGrp="1"/>
+          </p:cNvSpPr>
           <p:nvPr>
-            <p:ph idx="12" type="sldNum"/>
+            <p:ph type="sldNum" idx="12"/>
           </p:nvPr>
         </p:nvSpPr>
         <p:spPr>
@@ -2202,7 +2303,7 @@
           </a:prstGeom>
         </p:spPr>
         <p:txBody>
-          <a:bodyPr anchorCtr="0" anchor="ctr" bIns="91425" lIns="91425" spcFirstLastPara="1" rIns="91425" wrap="square" tIns="91425">
+          <a:bodyPr spcFirstLastPara="1" wrap="square" lIns="91425" tIns="91425" rIns="91425" bIns="91425" anchor="ctr" anchorCtr="0">
             <a:normAutofit/>
           </a:bodyPr>
           <a:lstStyle>
@@ -2244,7 +2345,7 @@
             </a:lvl9pPr>
           </a:lstStyle>
           <a:p>
-            <a:pPr indent="0" lvl="0" marL="0" rtl="0" algn="r">
+            <a:pPr marL="0" lvl="0" indent="0" algn="r" rtl="0">
               <a:spcBef>
                 <a:spcPts val="0"/>
               </a:spcBef>
@@ -2270,11 +2371,11 @@
 </file>
 
 <file path=ppt/slideLayouts/slideLayout2.xml><?xml version="1.0" encoding="utf-8"?>
-<p:sldLayout xmlns:a="http://schemas.openxmlformats.org/drawingml/2006/main" xmlns:r="http://schemas.openxmlformats.org/officeDocument/2006/relationships" xmlns:mc="http://schemas.openxmlformats.org/markup-compatibility/2006" xmlns:mv="urn:schemas-microsoft-com:mac:vml" xmlns:p="http://schemas.openxmlformats.org/presentationml/2006/main" xmlns:c="http://schemas.openxmlformats.org/drawingml/2006/chart" xmlns:dgm="http://schemas.openxmlformats.org/drawingml/2006/diagram" xmlns:o="urn:schemas-microsoft-com:office:office" xmlns:v="urn:schemas-microsoft-com:vml" xmlns:pvml="urn:schemas-microsoft-com:office:powerpoint" xmlns:com="http://schemas.openxmlformats.org/drawingml/2006/compatibility" xmlns:p14="http://schemas.microsoft.com/office/powerpoint/2010/main" xmlns:p15="http://schemas.microsoft.com/office/powerpoint/2012/main" xmlns:ahyp="http://schemas.microsoft.com/office/drawing/2018/hyperlinkcolor" matchingName="Section header" type="secHead">
+<p:sldLayout xmlns:a="http://schemas.openxmlformats.org/drawingml/2006/main" xmlns:r="http://schemas.openxmlformats.org/officeDocument/2006/relationships" xmlns:p="http://schemas.openxmlformats.org/presentationml/2006/main" matchingName="Section header" type="secHead">
   <p:cSld name="SECTION_HEADER">
     <p:spTree>
       <p:nvGrpSpPr>
-        <p:cNvPr id="13" name="Shape 13"/>
+        <p:cNvPr id="1" name="Shape 13"/>
         <p:cNvGrpSpPr/>
         <p:nvPr/>
       </p:nvGrpSpPr>
@@ -2289,7 +2390,9 @@
       <p:sp>
         <p:nvSpPr>
           <p:cNvPr id="14" name="Google Shape;14;p3"/>
-          <p:cNvSpPr txBox="1"/>
+          <p:cNvSpPr txBox="1">
+            <a:spLocks noGrp="1"/>
+          </p:cNvSpPr>
           <p:nvPr>
             <p:ph type="title"/>
           </p:nvPr>
@@ -2304,7 +2407,7 @@
           </a:prstGeom>
         </p:spPr>
         <p:txBody>
-          <a:bodyPr anchorCtr="0" anchor="ctr" bIns="91425" lIns="91425" spcFirstLastPara="1" rIns="91425" wrap="square" tIns="91425">
+          <a:bodyPr spcFirstLastPara="1" wrap="square" lIns="91425" tIns="91425" rIns="91425" bIns="91425" anchor="ctr" anchorCtr="0">
             <a:normAutofit/>
           </a:bodyPr>
           <a:lstStyle>
@@ -2408,15 +2511,19 @@
               <a:defRPr sz="3600"/>
             </a:lvl9pPr>
           </a:lstStyle>
-          <a:p/>
+          <a:p>
+            <a:endParaRPr/>
+          </a:p>
         </p:txBody>
       </p:sp>
       <p:sp>
         <p:nvSpPr>
           <p:cNvPr id="15" name="Google Shape;15;p3"/>
-          <p:cNvSpPr txBox="1"/>
+          <p:cNvSpPr txBox="1">
+            <a:spLocks noGrp="1"/>
+          </p:cNvSpPr>
           <p:nvPr>
-            <p:ph idx="12" type="sldNum"/>
+            <p:ph type="sldNum" idx="12"/>
           </p:nvPr>
         </p:nvSpPr>
         <p:spPr>
@@ -2429,7 +2536,7 @@
           </a:prstGeom>
         </p:spPr>
         <p:txBody>
-          <a:bodyPr anchorCtr="0" anchor="ctr" bIns="91425" lIns="91425" spcFirstLastPara="1" rIns="91425" wrap="square" tIns="91425">
+          <a:bodyPr spcFirstLastPara="1" wrap="square" lIns="91425" tIns="91425" rIns="91425" bIns="91425" anchor="ctr" anchorCtr="0">
             <a:normAutofit/>
           </a:bodyPr>
           <a:lstStyle>
@@ -2471,7 +2578,7 @@
             </a:lvl9pPr>
           </a:lstStyle>
           <a:p>
-            <a:pPr indent="0" lvl="0" marL="0" rtl="0" algn="r">
+            <a:pPr marL="0" lvl="0" indent="0" algn="r" rtl="0">
               <a:spcBef>
                 <a:spcPts val="0"/>
               </a:spcBef>
@@ -2497,7 +2604,7 @@
 </file>
 
 <file path=ppt/slideLayouts/slideLayout3.xml><?xml version="1.0" encoding="utf-8"?>
-<p:sldLayout xmlns:a="http://schemas.openxmlformats.org/drawingml/2006/main" xmlns:r="http://schemas.openxmlformats.org/officeDocument/2006/relationships" xmlns:mc="http://schemas.openxmlformats.org/markup-compatibility/2006" xmlns:mv="urn:schemas-microsoft-com:mac:vml" xmlns:p="http://schemas.openxmlformats.org/presentationml/2006/main" xmlns:c="http://schemas.openxmlformats.org/drawingml/2006/chart" xmlns:dgm="http://schemas.openxmlformats.org/drawingml/2006/diagram" xmlns:o="urn:schemas-microsoft-com:office:office" xmlns:v="urn:schemas-microsoft-com:vml" xmlns:pvml="urn:schemas-microsoft-com:office:powerpoint" xmlns:com="http://schemas.openxmlformats.org/drawingml/2006/compatibility" xmlns:p14="http://schemas.microsoft.com/office/powerpoint/2010/main" xmlns:p15="http://schemas.microsoft.com/office/powerpoint/2012/main" xmlns:ahyp="http://schemas.microsoft.com/office/drawing/2018/hyperlinkcolor" matchingName="Title and body" type="tx">
+<p:sldLayout xmlns:a="http://schemas.openxmlformats.org/drawingml/2006/main" xmlns:r="http://schemas.openxmlformats.org/officeDocument/2006/relationships" xmlns:p="http://schemas.openxmlformats.org/presentationml/2006/main" matchingName="Title and body" type="tx">
   <p:cSld name="TITLE_AND_BODY">
     <p:bg>
       <p:bgPr>
@@ -2509,11 +2616,12 @@
             <a:fillRect/>
           </a:stretch>
         </a:blipFill>
+        <a:effectLst/>
       </p:bgPr>
     </p:bg>
     <p:spTree>
       <p:nvGrpSpPr>
-        <p:cNvPr id="16" name="Shape 16"/>
+        <p:cNvPr id="1" name="Shape 16"/>
         <p:cNvGrpSpPr/>
         <p:nvPr/>
       </p:nvGrpSpPr>
@@ -2528,7 +2636,9 @@
       <p:sp>
         <p:nvSpPr>
           <p:cNvPr id="17" name="Google Shape;17;p4"/>
-          <p:cNvSpPr txBox="1"/>
+          <p:cNvSpPr txBox="1">
+            <a:spLocks noGrp="1"/>
+          </p:cNvSpPr>
           <p:nvPr>
             <p:ph type="title"/>
           </p:nvPr>
@@ -2543,7 +2653,7 @@
           </a:prstGeom>
         </p:spPr>
         <p:txBody>
-          <a:bodyPr anchorCtr="0" anchor="t" bIns="91425" lIns="91425" spcFirstLastPara="1" rIns="91425" wrap="square" tIns="91425">
+          <a:bodyPr spcFirstLastPara="1" wrap="square" lIns="91425" tIns="91425" rIns="91425" bIns="91425" anchor="t" anchorCtr="0">
             <a:normAutofit/>
           </a:bodyPr>
           <a:lstStyle>
@@ -2710,15 +2820,19 @@
               </a:defRPr>
             </a:lvl9pPr>
           </a:lstStyle>
-          <a:p/>
+          <a:p>
+            <a:endParaRPr/>
+          </a:p>
         </p:txBody>
       </p:sp>
       <p:sp>
         <p:nvSpPr>
           <p:cNvPr id="18" name="Google Shape;18;p4"/>
-          <p:cNvSpPr txBox="1"/>
+          <p:cNvSpPr txBox="1">
+            <a:spLocks noGrp="1"/>
+          </p:cNvSpPr>
           <p:nvPr>
-            <p:ph idx="1" type="body"/>
+            <p:ph type="body" idx="1"/>
           </p:nvPr>
         </p:nvSpPr>
         <p:spPr>
@@ -2731,11 +2845,11 @@
           </a:prstGeom>
         </p:spPr>
         <p:txBody>
-          <a:bodyPr anchorCtr="0" anchor="t" bIns="91425" lIns="91425" spcFirstLastPara="1" rIns="91425" wrap="square" tIns="91425">
+          <a:bodyPr spcFirstLastPara="1" wrap="square" lIns="91425" tIns="91425" rIns="91425" bIns="91425" anchor="t" anchorCtr="0">
             <a:normAutofit/>
           </a:bodyPr>
           <a:lstStyle>
-            <a:lvl1pPr indent="-342900" lvl="0" marL="457200">
+            <a:lvl1pPr marL="457200" lvl="0" indent="-342900">
               <a:spcBef>
                 <a:spcPts val="0"/>
               </a:spcBef>
@@ -2746,7 +2860,7 @@
               <a:buChar char="●"/>
               <a:defRPr/>
             </a:lvl1pPr>
-            <a:lvl2pPr indent="-317500" lvl="1" marL="914400">
+            <a:lvl2pPr marL="914400" lvl="1" indent="-317500">
               <a:spcBef>
                 <a:spcPts val="0"/>
               </a:spcBef>
@@ -2757,7 +2871,7 @@
               <a:buChar char="○"/>
               <a:defRPr/>
             </a:lvl2pPr>
-            <a:lvl3pPr indent="-317500" lvl="2" marL="1371600">
+            <a:lvl3pPr marL="1371600" lvl="2" indent="-317500">
               <a:spcBef>
                 <a:spcPts val="0"/>
               </a:spcBef>
@@ -2768,7 +2882,7 @@
               <a:buChar char="■"/>
               <a:defRPr/>
             </a:lvl3pPr>
-            <a:lvl4pPr indent="-317500" lvl="3" marL="1828800">
+            <a:lvl4pPr marL="1828800" lvl="3" indent="-317500">
               <a:spcBef>
                 <a:spcPts val="0"/>
               </a:spcBef>
@@ -2779,7 +2893,7 @@
               <a:buChar char="●"/>
               <a:defRPr/>
             </a:lvl4pPr>
-            <a:lvl5pPr indent="-317500" lvl="4" marL="2286000">
+            <a:lvl5pPr marL="2286000" lvl="4" indent="-317500">
               <a:spcBef>
                 <a:spcPts val="0"/>
               </a:spcBef>
@@ -2790,7 +2904,7 @@
               <a:buChar char="○"/>
               <a:defRPr/>
             </a:lvl5pPr>
-            <a:lvl6pPr indent="-317500" lvl="5" marL="2743200">
+            <a:lvl6pPr marL="2743200" lvl="5" indent="-317500">
               <a:spcBef>
                 <a:spcPts val="0"/>
               </a:spcBef>
@@ -2801,7 +2915,7 @@
               <a:buChar char="■"/>
               <a:defRPr/>
             </a:lvl6pPr>
-            <a:lvl7pPr indent="-317500" lvl="6" marL="3200400">
+            <a:lvl7pPr marL="3200400" lvl="6" indent="-317500">
               <a:spcBef>
                 <a:spcPts val="0"/>
               </a:spcBef>
@@ -2812,7 +2926,7 @@
               <a:buChar char="●"/>
               <a:defRPr/>
             </a:lvl7pPr>
-            <a:lvl8pPr indent="-317500" lvl="7" marL="3657600">
+            <a:lvl8pPr marL="3657600" lvl="7" indent="-317500">
               <a:spcBef>
                 <a:spcPts val="0"/>
               </a:spcBef>
@@ -2823,7 +2937,7 @@
               <a:buChar char="○"/>
               <a:defRPr/>
             </a:lvl8pPr>
-            <a:lvl9pPr indent="-317500" lvl="8" marL="4114800">
+            <a:lvl9pPr marL="4114800" lvl="8" indent="-317500">
               <a:spcBef>
                 <a:spcPts val="0"/>
               </a:spcBef>
@@ -2835,15 +2949,19 @@
               <a:defRPr/>
             </a:lvl9pPr>
           </a:lstStyle>
-          <a:p/>
+          <a:p>
+            <a:endParaRPr/>
+          </a:p>
         </p:txBody>
       </p:sp>
       <p:sp>
         <p:nvSpPr>
           <p:cNvPr id="19" name="Google Shape;19;p4"/>
-          <p:cNvSpPr txBox="1"/>
+          <p:cNvSpPr txBox="1">
+            <a:spLocks noGrp="1"/>
+          </p:cNvSpPr>
           <p:nvPr>
-            <p:ph idx="12" type="sldNum"/>
+            <p:ph type="sldNum" idx="12"/>
           </p:nvPr>
         </p:nvSpPr>
         <p:spPr>
@@ -2856,7 +2974,7 @@
           </a:prstGeom>
         </p:spPr>
         <p:txBody>
-          <a:bodyPr anchorCtr="0" anchor="ctr" bIns="91425" lIns="91425" spcFirstLastPara="1" rIns="91425" wrap="square" tIns="91425">
+          <a:bodyPr spcFirstLastPara="1" wrap="square" lIns="91425" tIns="91425" rIns="91425" bIns="91425" anchor="ctr" anchorCtr="0">
             <a:normAutofit/>
           </a:bodyPr>
           <a:lstStyle>
@@ -2898,7 +3016,7 @@
             </a:lvl9pPr>
           </a:lstStyle>
           <a:p>
-            <a:pPr indent="0" lvl="0" marL="0" rtl="0" algn="r">
+            <a:pPr marL="0" lvl="0" indent="0" algn="r" rtl="0">
               <a:spcBef>
                 <a:spcPts val="0"/>
               </a:spcBef>
@@ -2924,11 +3042,11 @@
 </file>
 
 <file path=ppt/slideLayouts/slideLayout4.xml><?xml version="1.0" encoding="utf-8"?>
-<p:sldLayout xmlns:a="http://schemas.openxmlformats.org/drawingml/2006/main" xmlns:r="http://schemas.openxmlformats.org/officeDocument/2006/relationships" xmlns:mc="http://schemas.openxmlformats.org/markup-compatibility/2006" xmlns:mv="urn:schemas-microsoft-com:mac:vml" xmlns:p="http://schemas.openxmlformats.org/presentationml/2006/main" xmlns:c="http://schemas.openxmlformats.org/drawingml/2006/chart" xmlns:dgm="http://schemas.openxmlformats.org/drawingml/2006/diagram" xmlns:o="urn:schemas-microsoft-com:office:office" xmlns:v="urn:schemas-microsoft-com:vml" xmlns:pvml="urn:schemas-microsoft-com:office:powerpoint" xmlns:com="http://schemas.openxmlformats.org/drawingml/2006/compatibility" xmlns:p14="http://schemas.microsoft.com/office/powerpoint/2010/main" xmlns:p15="http://schemas.microsoft.com/office/powerpoint/2012/main" xmlns:ahyp="http://schemas.microsoft.com/office/drawing/2018/hyperlinkcolor" matchingName="Title and two columns" type="twoColTx">
+<p:sldLayout xmlns:a="http://schemas.openxmlformats.org/drawingml/2006/main" xmlns:r="http://schemas.openxmlformats.org/officeDocument/2006/relationships" xmlns:p="http://schemas.openxmlformats.org/presentationml/2006/main" matchingName="Title and two columns" type="twoColTx">
   <p:cSld name="TITLE_AND_TWO_COLUMNS">
     <p:spTree>
       <p:nvGrpSpPr>
-        <p:cNvPr id="20" name="Shape 20"/>
+        <p:cNvPr id="1" name="Shape 20"/>
         <p:cNvGrpSpPr/>
         <p:nvPr/>
       </p:nvGrpSpPr>
@@ -2943,7 +3061,9 @@
       <p:sp>
         <p:nvSpPr>
           <p:cNvPr id="21" name="Google Shape;21;p5"/>
-          <p:cNvSpPr txBox="1"/>
+          <p:cNvSpPr txBox="1">
+            <a:spLocks noGrp="1"/>
+          </p:cNvSpPr>
           <p:nvPr>
             <p:ph type="title"/>
           </p:nvPr>
@@ -2958,7 +3078,7 @@
           </a:prstGeom>
         </p:spPr>
         <p:txBody>
-          <a:bodyPr anchorCtr="0" anchor="t" bIns="91425" lIns="91425" spcFirstLastPara="1" rIns="91425" wrap="square" tIns="91425">
+          <a:bodyPr spcFirstLastPara="1" wrap="square" lIns="91425" tIns="91425" rIns="91425" bIns="91425" anchor="t" anchorCtr="0">
             <a:normAutofit/>
           </a:bodyPr>
           <a:lstStyle>
@@ -3062,15 +3182,19 @@
               <a:defRPr/>
             </a:lvl9pPr>
           </a:lstStyle>
-          <a:p/>
+          <a:p>
+            <a:endParaRPr/>
+          </a:p>
         </p:txBody>
       </p:sp>
       <p:sp>
         <p:nvSpPr>
           <p:cNvPr id="22" name="Google Shape;22;p5"/>
-          <p:cNvSpPr txBox="1"/>
+          <p:cNvSpPr txBox="1">
+            <a:spLocks noGrp="1"/>
+          </p:cNvSpPr>
           <p:nvPr>
-            <p:ph idx="1" type="body"/>
+            <p:ph type="body" idx="1"/>
           </p:nvPr>
         </p:nvSpPr>
         <p:spPr>
@@ -3083,11 +3207,11 @@
           </a:prstGeom>
         </p:spPr>
         <p:txBody>
-          <a:bodyPr anchorCtr="0" anchor="t" bIns="91425" lIns="91425" spcFirstLastPara="1" rIns="91425" wrap="square" tIns="91425">
+          <a:bodyPr spcFirstLastPara="1" wrap="square" lIns="91425" tIns="91425" rIns="91425" bIns="91425" anchor="t" anchorCtr="0">
             <a:normAutofit/>
           </a:bodyPr>
           <a:lstStyle>
-            <a:lvl1pPr indent="-317500" lvl="0" marL="457200">
+            <a:lvl1pPr marL="457200" lvl="0" indent="-317500">
               <a:spcBef>
                 <a:spcPts val="0"/>
               </a:spcBef>
@@ -3098,7 +3222,7 @@
               <a:buChar char="●"/>
               <a:defRPr sz="1400"/>
             </a:lvl1pPr>
-            <a:lvl2pPr indent="-304800" lvl="1" marL="914400">
+            <a:lvl2pPr marL="914400" lvl="1" indent="-304800">
               <a:spcBef>
                 <a:spcPts val="0"/>
               </a:spcBef>
@@ -3109,7 +3233,7 @@
               <a:buChar char="○"/>
               <a:defRPr sz="1200"/>
             </a:lvl2pPr>
-            <a:lvl3pPr indent="-304800" lvl="2" marL="1371600">
+            <a:lvl3pPr marL="1371600" lvl="2" indent="-304800">
               <a:spcBef>
                 <a:spcPts val="0"/>
               </a:spcBef>
@@ -3120,7 +3244,7 @@
               <a:buChar char="■"/>
               <a:defRPr sz="1200"/>
             </a:lvl3pPr>
-            <a:lvl4pPr indent="-304800" lvl="3" marL="1828800">
+            <a:lvl4pPr marL="1828800" lvl="3" indent="-304800">
               <a:spcBef>
                 <a:spcPts val="0"/>
               </a:spcBef>
@@ -3131,7 +3255,7 @@
               <a:buChar char="●"/>
               <a:defRPr sz="1200"/>
             </a:lvl4pPr>
-            <a:lvl5pPr indent="-304800" lvl="4" marL="2286000">
+            <a:lvl5pPr marL="2286000" lvl="4" indent="-304800">
               <a:spcBef>
                 <a:spcPts val="0"/>
               </a:spcBef>
@@ -3142,7 +3266,7 @@
               <a:buChar char="○"/>
               <a:defRPr sz="1200"/>
             </a:lvl5pPr>
-            <a:lvl6pPr indent="-304800" lvl="5" marL="2743200">
+            <a:lvl6pPr marL="2743200" lvl="5" indent="-304800">
               <a:spcBef>
                 <a:spcPts val="0"/>
               </a:spcBef>
@@ -3153,7 +3277,7 @@
               <a:buChar char="■"/>
               <a:defRPr sz="1200"/>
             </a:lvl6pPr>
-            <a:lvl7pPr indent="-304800" lvl="6" marL="3200400">
+            <a:lvl7pPr marL="3200400" lvl="6" indent="-304800">
               <a:spcBef>
                 <a:spcPts val="0"/>
               </a:spcBef>
@@ -3164,7 +3288,7 @@
               <a:buChar char="●"/>
               <a:defRPr sz="1200"/>
             </a:lvl7pPr>
-            <a:lvl8pPr indent="-304800" lvl="7" marL="3657600">
+            <a:lvl8pPr marL="3657600" lvl="7" indent="-304800">
               <a:spcBef>
                 <a:spcPts val="0"/>
               </a:spcBef>
@@ -3175,7 +3299,7 @@
               <a:buChar char="○"/>
               <a:defRPr sz="1200"/>
             </a:lvl8pPr>
-            <a:lvl9pPr indent="-304800" lvl="8" marL="4114800">
+            <a:lvl9pPr marL="4114800" lvl="8" indent="-304800">
               <a:spcBef>
                 <a:spcPts val="0"/>
               </a:spcBef>
@@ -3187,15 +3311,19 @@
               <a:defRPr sz="1200"/>
             </a:lvl9pPr>
           </a:lstStyle>
-          <a:p/>
+          <a:p>
+            <a:endParaRPr/>
+          </a:p>
         </p:txBody>
       </p:sp>
       <p:sp>
         <p:nvSpPr>
           <p:cNvPr id="23" name="Google Shape;23;p5"/>
-          <p:cNvSpPr txBox="1"/>
+          <p:cNvSpPr txBox="1">
+            <a:spLocks noGrp="1"/>
+          </p:cNvSpPr>
           <p:nvPr>
-            <p:ph idx="2" type="body"/>
+            <p:ph type="body" idx="2"/>
           </p:nvPr>
         </p:nvSpPr>
         <p:spPr>
@@ -3208,11 +3336,11 @@
           </a:prstGeom>
         </p:spPr>
         <p:txBody>
-          <a:bodyPr anchorCtr="0" anchor="t" bIns="91425" lIns="91425" spcFirstLastPara="1" rIns="91425" wrap="square" tIns="91425">
+          <a:bodyPr spcFirstLastPara="1" wrap="square" lIns="91425" tIns="91425" rIns="91425" bIns="91425" anchor="t" anchorCtr="0">
             <a:normAutofit/>
           </a:bodyPr>
           <a:lstStyle>
-            <a:lvl1pPr indent="-317500" lvl="0" marL="457200">
+            <a:lvl1pPr marL="457200" lvl="0" indent="-317500">
               <a:spcBef>
                 <a:spcPts val="0"/>
               </a:spcBef>
@@ -3223,7 +3351,7 @@
               <a:buChar char="●"/>
               <a:defRPr sz="1400"/>
             </a:lvl1pPr>
-            <a:lvl2pPr indent="-304800" lvl="1" marL="914400">
+            <a:lvl2pPr marL="914400" lvl="1" indent="-304800">
               <a:spcBef>
                 <a:spcPts val="0"/>
               </a:spcBef>
@@ -3234,7 +3362,7 @@
               <a:buChar char="○"/>
               <a:defRPr sz="1200"/>
             </a:lvl2pPr>
-            <a:lvl3pPr indent="-304800" lvl="2" marL="1371600">
+            <a:lvl3pPr marL="1371600" lvl="2" indent="-304800">
               <a:spcBef>
                 <a:spcPts val="0"/>
               </a:spcBef>
@@ -3245,7 +3373,7 @@
               <a:buChar char="■"/>
               <a:defRPr sz="1200"/>
             </a:lvl3pPr>
-            <a:lvl4pPr indent="-304800" lvl="3" marL="1828800">
+            <a:lvl4pPr marL="1828800" lvl="3" indent="-304800">
               <a:spcBef>
                 <a:spcPts val="0"/>
               </a:spcBef>
@@ -3256,7 +3384,7 @@
               <a:buChar char="●"/>
               <a:defRPr sz="1200"/>
             </a:lvl4pPr>
-            <a:lvl5pPr indent="-304800" lvl="4" marL="2286000">
+            <a:lvl5pPr marL="2286000" lvl="4" indent="-304800">
               <a:spcBef>
                 <a:spcPts val="0"/>
               </a:spcBef>
@@ -3267,7 +3395,7 @@
               <a:buChar char="○"/>
               <a:defRPr sz="1200"/>
             </a:lvl5pPr>
-            <a:lvl6pPr indent="-304800" lvl="5" marL="2743200">
+            <a:lvl6pPr marL="2743200" lvl="5" indent="-304800">
               <a:spcBef>
                 <a:spcPts val="0"/>
               </a:spcBef>
@@ -3278,7 +3406,7 @@
               <a:buChar char="■"/>
               <a:defRPr sz="1200"/>
             </a:lvl6pPr>
-            <a:lvl7pPr indent="-304800" lvl="6" marL="3200400">
+            <a:lvl7pPr marL="3200400" lvl="6" indent="-304800">
               <a:spcBef>
                 <a:spcPts val="0"/>
               </a:spcBef>
@@ -3289,7 +3417,7 @@
               <a:buChar char="●"/>
               <a:defRPr sz="1200"/>
             </a:lvl7pPr>
-            <a:lvl8pPr indent="-304800" lvl="7" marL="3657600">
+            <a:lvl8pPr marL="3657600" lvl="7" indent="-304800">
               <a:spcBef>
                 <a:spcPts val="0"/>
               </a:spcBef>
@@ -3300,7 +3428,7 @@
               <a:buChar char="○"/>
               <a:defRPr sz="1200"/>
             </a:lvl8pPr>
-            <a:lvl9pPr indent="-304800" lvl="8" marL="4114800">
+            <a:lvl9pPr marL="4114800" lvl="8" indent="-304800">
               <a:spcBef>
                 <a:spcPts val="0"/>
               </a:spcBef>
@@ -3312,15 +3440,19 @@
               <a:defRPr sz="1200"/>
             </a:lvl9pPr>
           </a:lstStyle>
-          <a:p/>
+          <a:p>
+            <a:endParaRPr/>
+          </a:p>
         </p:txBody>
       </p:sp>
       <p:sp>
         <p:nvSpPr>
           <p:cNvPr id="24" name="Google Shape;24;p5"/>
-          <p:cNvSpPr txBox="1"/>
+          <p:cNvSpPr txBox="1">
+            <a:spLocks noGrp="1"/>
+          </p:cNvSpPr>
           <p:nvPr>
-            <p:ph idx="12" type="sldNum"/>
+            <p:ph type="sldNum" idx="12"/>
           </p:nvPr>
         </p:nvSpPr>
         <p:spPr>
@@ -3333,7 +3465,7 @@
           </a:prstGeom>
         </p:spPr>
         <p:txBody>
-          <a:bodyPr anchorCtr="0" anchor="ctr" bIns="91425" lIns="91425" spcFirstLastPara="1" rIns="91425" wrap="square" tIns="91425">
+          <a:bodyPr spcFirstLastPara="1" wrap="square" lIns="91425" tIns="91425" rIns="91425" bIns="91425" anchor="ctr" anchorCtr="0">
             <a:normAutofit/>
           </a:bodyPr>
           <a:lstStyle>
@@ -3375,7 +3507,7 @@
             </a:lvl9pPr>
           </a:lstStyle>
           <a:p>
-            <a:pPr indent="0" lvl="0" marL="0" rtl="0" algn="r">
+            <a:pPr marL="0" lvl="0" indent="0" algn="r" rtl="0">
               <a:spcBef>
                 <a:spcPts val="0"/>
               </a:spcBef>
@@ -3401,11 +3533,11 @@
 </file>
 
 <file path=ppt/slideLayouts/slideLayout5.xml><?xml version="1.0" encoding="utf-8"?>
-<p:sldLayout xmlns:a="http://schemas.openxmlformats.org/drawingml/2006/main" xmlns:r="http://schemas.openxmlformats.org/officeDocument/2006/relationships" xmlns:mc="http://schemas.openxmlformats.org/markup-compatibility/2006" xmlns:mv="urn:schemas-microsoft-com:mac:vml" xmlns:p="http://schemas.openxmlformats.org/presentationml/2006/main" xmlns:c="http://schemas.openxmlformats.org/drawingml/2006/chart" xmlns:dgm="http://schemas.openxmlformats.org/drawingml/2006/diagram" xmlns:o="urn:schemas-microsoft-com:office:office" xmlns:v="urn:schemas-microsoft-com:vml" xmlns:pvml="urn:schemas-microsoft-com:office:powerpoint" xmlns:com="http://schemas.openxmlformats.org/drawingml/2006/compatibility" xmlns:p14="http://schemas.microsoft.com/office/powerpoint/2010/main" xmlns:p15="http://schemas.microsoft.com/office/powerpoint/2012/main" xmlns:ahyp="http://schemas.microsoft.com/office/drawing/2018/hyperlinkcolor" matchingName="Title only" type="titleOnly">
+<p:sldLayout xmlns:a="http://schemas.openxmlformats.org/drawingml/2006/main" xmlns:r="http://schemas.openxmlformats.org/officeDocument/2006/relationships" xmlns:p="http://schemas.openxmlformats.org/presentationml/2006/main" matchingName="Title only" type="titleOnly">
   <p:cSld name="TITLE_ONLY">
     <p:spTree>
       <p:nvGrpSpPr>
-        <p:cNvPr id="25" name="Shape 25"/>
+        <p:cNvPr id="1" name="Shape 25"/>
         <p:cNvGrpSpPr/>
         <p:nvPr/>
       </p:nvGrpSpPr>
@@ -3420,7 +3552,9 @@
       <p:sp>
         <p:nvSpPr>
           <p:cNvPr id="26" name="Google Shape;26;p6"/>
-          <p:cNvSpPr txBox="1"/>
+          <p:cNvSpPr txBox="1">
+            <a:spLocks noGrp="1"/>
+          </p:cNvSpPr>
           <p:nvPr>
             <p:ph type="title"/>
           </p:nvPr>
@@ -3435,7 +3569,7 @@
           </a:prstGeom>
         </p:spPr>
         <p:txBody>
-          <a:bodyPr anchorCtr="0" anchor="t" bIns="91425" lIns="91425" spcFirstLastPara="1" rIns="91425" wrap="square" tIns="91425">
+          <a:bodyPr spcFirstLastPara="1" wrap="square" lIns="91425" tIns="91425" rIns="91425" bIns="91425" anchor="t" anchorCtr="0">
             <a:normAutofit/>
           </a:bodyPr>
           <a:lstStyle>
@@ -3539,15 +3673,19 @@
               <a:defRPr/>
             </a:lvl9pPr>
           </a:lstStyle>
-          <a:p/>
+          <a:p>
+            <a:endParaRPr/>
+          </a:p>
         </p:txBody>
       </p:sp>
       <p:sp>
         <p:nvSpPr>
           <p:cNvPr id="27" name="Google Shape;27;p6"/>
-          <p:cNvSpPr txBox="1"/>
+          <p:cNvSpPr txBox="1">
+            <a:spLocks noGrp="1"/>
+          </p:cNvSpPr>
           <p:nvPr>
-            <p:ph idx="12" type="sldNum"/>
+            <p:ph type="sldNum" idx="12"/>
           </p:nvPr>
         </p:nvSpPr>
         <p:spPr>
@@ -3560,7 +3698,7 @@
           </a:prstGeom>
         </p:spPr>
         <p:txBody>
-          <a:bodyPr anchorCtr="0" anchor="ctr" bIns="91425" lIns="91425" spcFirstLastPara="1" rIns="91425" wrap="square" tIns="91425">
+          <a:bodyPr spcFirstLastPara="1" wrap="square" lIns="91425" tIns="91425" rIns="91425" bIns="91425" anchor="ctr" anchorCtr="0">
             <a:normAutofit/>
           </a:bodyPr>
           <a:lstStyle>
@@ -3602,7 +3740,7 @@
             </a:lvl9pPr>
           </a:lstStyle>
           <a:p>
-            <a:pPr indent="0" lvl="0" marL="0" rtl="0" algn="r">
+            <a:pPr marL="0" lvl="0" indent="0" algn="r" rtl="0">
               <a:spcBef>
                 <a:spcPts val="0"/>
               </a:spcBef>
@@ -3628,11 +3766,11 @@
 </file>
 
 <file path=ppt/slideLayouts/slideLayout6.xml><?xml version="1.0" encoding="utf-8"?>
-<p:sldLayout xmlns:a="http://schemas.openxmlformats.org/drawingml/2006/main" xmlns:r="http://schemas.openxmlformats.org/officeDocument/2006/relationships" xmlns:mc="http://schemas.openxmlformats.org/markup-compatibility/2006" xmlns:mv="urn:schemas-microsoft-com:mac:vml" xmlns:p="http://schemas.openxmlformats.org/presentationml/2006/main" xmlns:c="http://schemas.openxmlformats.org/drawingml/2006/chart" xmlns:dgm="http://schemas.openxmlformats.org/drawingml/2006/diagram" xmlns:o="urn:schemas-microsoft-com:office:office" xmlns:v="urn:schemas-microsoft-com:vml" xmlns:pvml="urn:schemas-microsoft-com:office:powerpoint" xmlns:com="http://schemas.openxmlformats.org/drawingml/2006/compatibility" xmlns:p14="http://schemas.microsoft.com/office/powerpoint/2010/main" xmlns:p15="http://schemas.microsoft.com/office/powerpoint/2012/main" xmlns:ahyp="http://schemas.microsoft.com/office/drawing/2018/hyperlinkcolor" matchingName="One column text">
+<p:sldLayout xmlns:a="http://schemas.openxmlformats.org/drawingml/2006/main" xmlns:r="http://schemas.openxmlformats.org/officeDocument/2006/relationships" xmlns:p="http://schemas.openxmlformats.org/presentationml/2006/main" matchingName="One column text">
   <p:cSld name="ONE_COLUMN_TEXT">
     <p:spTree>
       <p:nvGrpSpPr>
-        <p:cNvPr id="28" name="Shape 28"/>
+        <p:cNvPr id="1" name="Shape 28"/>
         <p:cNvGrpSpPr/>
         <p:nvPr/>
       </p:nvGrpSpPr>
@@ -3647,7 +3785,9 @@
       <p:sp>
         <p:nvSpPr>
           <p:cNvPr id="29" name="Google Shape;29;p7"/>
-          <p:cNvSpPr txBox="1"/>
+          <p:cNvSpPr txBox="1">
+            <a:spLocks noGrp="1"/>
+          </p:cNvSpPr>
           <p:nvPr>
             <p:ph type="title"/>
           </p:nvPr>
@@ -3662,7 +3802,7 @@
           </a:prstGeom>
         </p:spPr>
         <p:txBody>
-          <a:bodyPr anchorCtr="0" anchor="b" bIns="91425" lIns="91425" spcFirstLastPara="1" rIns="91425" wrap="square" tIns="91425">
+          <a:bodyPr spcFirstLastPara="1" wrap="square" lIns="91425" tIns="91425" rIns="91425" bIns="91425" anchor="b" anchorCtr="0">
             <a:normAutofit/>
           </a:bodyPr>
           <a:lstStyle>
@@ -3766,15 +3906,19 @@
               <a:defRPr sz="2400"/>
             </a:lvl9pPr>
           </a:lstStyle>
-          <a:p/>
+          <a:p>
+            <a:endParaRPr/>
+          </a:p>
         </p:txBody>
       </p:sp>
       <p:sp>
         <p:nvSpPr>
           <p:cNvPr id="30" name="Google Shape;30;p7"/>
-          <p:cNvSpPr txBox="1"/>
+          <p:cNvSpPr txBox="1">
+            <a:spLocks noGrp="1"/>
+          </p:cNvSpPr>
           <p:nvPr>
-            <p:ph idx="1" type="body"/>
+            <p:ph type="body" idx="1"/>
           </p:nvPr>
         </p:nvSpPr>
         <p:spPr>
@@ -3787,11 +3931,11 @@
           </a:prstGeom>
         </p:spPr>
         <p:txBody>
-          <a:bodyPr anchorCtr="0" anchor="t" bIns="91425" lIns="91425" spcFirstLastPara="1" rIns="91425" wrap="square" tIns="91425">
+          <a:bodyPr spcFirstLastPara="1" wrap="square" lIns="91425" tIns="91425" rIns="91425" bIns="91425" anchor="t" anchorCtr="0">
             <a:normAutofit/>
           </a:bodyPr>
           <a:lstStyle>
-            <a:lvl1pPr indent="-304800" lvl="0" marL="457200">
+            <a:lvl1pPr marL="457200" lvl="0" indent="-304800">
               <a:spcBef>
                 <a:spcPts val="0"/>
               </a:spcBef>
@@ -3802,7 +3946,7 @@
               <a:buChar char="●"/>
               <a:defRPr sz="1200"/>
             </a:lvl1pPr>
-            <a:lvl2pPr indent="-304800" lvl="1" marL="914400">
+            <a:lvl2pPr marL="914400" lvl="1" indent="-304800">
               <a:spcBef>
                 <a:spcPts val="0"/>
               </a:spcBef>
@@ -3813,7 +3957,7 @@
               <a:buChar char="○"/>
               <a:defRPr sz="1200"/>
             </a:lvl2pPr>
-            <a:lvl3pPr indent="-304800" lvl="2" marL="1371600">
+            <a:lvl3pPr marL="1371600" lvl="2" indent="-304800">
               <a:spcBef>
                 <a:spcPts val="0"/>
               </a:spcBef>
@@ -3824,7 +3968,7 @@
               <a:buChar char="■"/>
               <a:defRPr sz="1200"/>
             </a:lvl3pPr>
-            <a:lvl4pPr indent="-304800" lvl="3" marL="1828800">
+            <a:lvl4pPr marL="1828800" lvl="3" indent="-304800">
               <a:spcBef>
                 <a:spcPts val="0"/>
               </a:spcBef>
@@ -3835,7 +3979,7 @@
               <a:buChar char="●"/>
               <a:defRPr sz="1200"/>
             </a:lvl4pPr>
-            <a:lvl5pPr indent="-304800" lvl="4" marL="2286000">
+            <a:lvl5pPr marL="2286000" lvl="4" indent="-304800">
               <a:spcBef>
                 <a:spcPts val="0"/>
               </a:spcBef>
@@ -3846,7 +3990,7 @@
               <a:buChar char="○"/>
               <a:defRPr sz="1200"/>
             </a:lvl5pPr>
-            <a:lvl6pPr indent="-304800" lvl="5" marL="2743200">
+            <a:lvl6pPr marL="2743200" lvl="5" indent="-304800">
               <a:spcBef>
                 <a:spcPts val="0"/>
               </a:spcBef>
@@ -3857,7 +4001,7 @@
               <a:buChar char="■"/>
               <a:defRPr sz="1200"/>
             </a:lvl6pPr>
-            <a:lvl7pPr indent="-304800" lvl="6" marL="3200400">
+            <a:lvl7pPr marL="3200400" lvl="6" indent="-304800">
               <a:spcBef>
                 <a:spcPts val="0"/>
               </a:spcBef>
@@ -3868,7 +4012,7 @@
               <a:buChar char="●"/>
               <a:defRPr sz="1200"/>
             </a:lvl7pPr>
-            <a:lvl8pPr indent="-304800" lvl="7" marL="3657600">
+            <a:lvl8pPr marL="3657600" lvl="7" indent="-304800">
               <a:spcBef>
                 <a:spcPts val="0"/>
               </a:spcBef>
@@ -3879,7 +4023,7 @@
               <a:buChar char="○"/>
               <a:defRPr sz="1200"/>
             </a:lvl8pPr>
-            <a:lvl9pPr indent="-304800" lvl="8" marL="4114800">
+            <a:lvl9pPr marL="4114800" lvl="8" indent="-304800">
               <a:spcBef>
                 <a:spcPts val="0"/>
               </a:spcBef>
@@ -3891,15 +4035,19 @@
               <a:defRPr sz="1200"/>
             </a:lvl9pPr>
           </a:lstStyle>
-          <a:p/>
+          <a:p>
+            <a:endParaRPr/>
+          </a:p>
         </p:txBody>
       </p:sp>
       <p:sp>
         <p:nvSpPr>
           <p:cNvPr id="31" name="Google Shape;31;p7"/>
-          <p:cNvSpPr txBox="1"/>
+          <p:cNvSpPr txBox="1">
+            <a:spLocks noGrp="1"/>
+          </p:cNvSpPr>
           <p:nvPr>
-            <p:ph idx="12" type="sldNum"/>
+            <p:ph type="sldNum" idx="12"/>
           </p:nvPr>
         </p:nvSpPr>
         <p:spPr>
@@ -3912,7 +4060,7 @@
           </a:prstGeom>
         </p:spPr>
         <p:txBody>
-          <a:bodyPr anchorCtr="0" anchor="ctr" bIns="91425" lIns="91425" spcFirstLastPara="1" rIns="91425" wrap="square" tIns="91425">
+          <a:bodyPr spcFirstLastPara="1" wrap="square" lIns="91425" tIns="91425" rIns="91425" bIns="91425" anchor="ctr" anchorCtr="0">
             <a:normAutofit/>
           </a:bodyPr>
           <a:lstStyle>
@@ -3954,7 +4102,7 @@
             </a:lvl9pPr>
           </a:lstStyle>
           <a:p>
-            <a:pPr indent="0" lvl="0" marL="0" rtl="0" algn="r">
+            <a:pPr marL="0" lvl="0" indent="0" algn="r" rtl="0">
               <a:spcBef>
                 <a:spcPts val="0"/>
               </a:spcBef>
@@ -3980,11 +4128,11 @@
 </file>
 
 <file path=ppt/slideLayouts/slideLayout7.xml><?xml version="1.0" encoding="utf-8"?>
-<p:sldLayout xmlns:a="http://schemas.openxmlformats.org/drawingml/2006/main" xmlns:r="http://schemas.openxmlformats.org/officeDocument/2006/relationships" xmlns:mc="http://schemas.openxmlformats.org/markup-compatibility/2006" xmlns:mv="urn:schemas-microsoft-com:mac:vml" xmlns:p="http://schemas.openxmlformats.org/presentationml/2006/main" xmlns:c="http://schemas.openxmlformats.org/drawingml/2006/chart" xmlns:dgm="http://schemas.openxmlformats.org/drawingml/2006/diagram" xmlns:o="urn:schemas-microsoft-com:office:office" xmlns:v="urn:schemas-microsoft-com:vml" xmlns:pvml="urn:schemas-microsoft-com:office:powerpoint" xmlns:com="http://schemas.openxmlformats.org/drawingml/2006/compatibility" xmlns:p14="http://schemas.microsoft.com/office/powerpoint/2010/main" xmlns:p15="http://schemas.microsoft.com/office/powerpoint/2012/main" xmlns:ahyp="http://schemas.microsoft.com/office/drawing/2018/hyperlinkcolor" matchingName="Main point">
+<p:sldLayout xmlns:a="http://schemas.openxmlformats.org/drawingml/2006/main" xmlns:r="http://schemas.openxmlformats.org/officeDocument/2006/relationships" xmlns:p="http://schemas.openxmlformats.org/presentationml/2006/main" matchingName="Main point">
   <p:cSld name="MAIN_POINT">
     <p:spTree>
       <p:nvGrpSpPr>
-        <p:cNvPr id="32" name="Shape 32"/>
+        <p:cNvPr id="1" name="Shape 32"/>
         <p:cNvGrpSpPr/>
         <p:nvPr/>
       </p:nvGrpSpPr>
@@ -3999,7 +4147,9 @@
       <p:sp>
         <p:nvSpPr>
           <p:cNvPr id="33" name="Google Shape;33;p8"/>
-          <p:cNvSpPr txBox="1"/>
+          <p:cNvSpPr txBox="1">
+            <a:spLocks noGrp="1"/>
+          </p:cNvSpPr>
           <p:nvPr>
             <p:ph type="title"/>
           </p:nvPr>
@@ -4014,7 +4164,7 @@
           </a:prstGeom>
         </p:spPr>
         <p:txBody>
-          <a:bodyPr anchorCtr="0" anchor="ctr" bIns="91425" lIns="91425" spcFirstLastPara="1" rIns="91425" wrap="square" tIns="91425">
+          <a:bodyPr spcFirstLastPara="1" wrap="square" lIns="91425" tIns="91425" rIns="91425" bIns="91425" anchor="ctr" anchorCtr="0">
             <a:normAutofit/>
           </a:bodyPr>
           <a:lstStyle>
@@ -4118,15 +4268,19 @@
               <a:defRPr sz="4800"/>
             </a:lvl9pPr>
           </a:lstStyle>
-          <a:p/>
+          <a:p>
+            <a:endParaRPr/>
+          </a:p>
         </p:txBody>
       </p:sp>
       <p:sp>
         <p:nvSpPr>
           <p:cNvPr id="34" name="Google Shape;34;p8"/>
-          <p:cNvSpPr txBox="1"/>
+          <p:cNvSpPr txBox="1">
+            <a:spLocks noGrp="1"/>
+          </p:cNvSpPr>
           <p:nvPr>
-            <p:ph idx="12" type="sldNum"/>
+            <p:ph type="sldNum" idx="12"/>
           </p:nvPr>
         </p:nvSpPr>
         <p:spPr>
@@ -4139,7 +4293,7 @@
           </a:prstGeom>
         </p:spPr>
         <p:txBody>
-          <a:bodyPr anchorCtr="0" anchor="ctr" bIns="91425" lIns="91425" spcFirstLastPara="1" rIns="91425" wrap="square" tIns="91425">
+          <a:bodyPr spcFirstLastPara="1" wrap="square" lIns="91425" tIns="91425" rIns="91425" bIns="91425" anchor="ctr" anchorCtr="0">
             <a:normAutofit/>
           </a:bodyPr>
           <a:lstStyle>
@@ -4181,7 +4335,7 @@
             </a:lvl9pPr>
           </a:lstStyle>
           <a:p>
-            <a:pPr indent="0" lvl="0" marL="0" rtl="0" algn="r">
+            <a:pPr marL="0" lvl="0" indent="0" algn="r" rtl="0">
               <a:spcBef>
                 <a:spcPts val="0"/>
               </a:spcBef>
@@ -4207,11 +4361,11 @@
 </file>
 
 <file path=ppt/slideLayouts/slideLayout8.xml><?xml version="1.0" encoding="utf-8"?>
-<p:sldLayout xmlns:a="http://schemas.openxmlformats.org/drawingml/2006/main" xmlns:r="http://schemas.openxmlformats.org/officeDocument/2006/relationships" xmlns:mc="http://schemas.openxmlformats.org/markup-compatibility/2006" xmlns:mv="urn:schemas-microsoft-com:mac:vml" xmlns:p="http://schemas.openxmlformats.org/presentationml/2006/main" xmlns:c="http://schemas.openxmlformats.org/drawingml/2006/chart" xmlns:dgm="http://schemas.openxmlformats.org/drawingml/2006/diagram" xmlns:o="urn:schemas-microsoft-com:office:office" xmlns:v="urn:schemas-microsoft-com:vml" xmlns:pvml="urn:schemas-microsoft-com:office:powerpoint" xmlns:com="http://schemas.openxmlformats.org/drawingml/2006/compatibility" xmlns:p14="http://schemas.microsoft.com/office/powerpoint/2010/main" xmlns:p15="http://schemas.microsoft.com/office/powerpoint/2012/main" xmlns:ahyp="http://schemas.microsoft.com/office/drawing/2018/hyperlinkcolor" matchingName="Section title and description">
+<p:sldLayout xmlns:a="http://schemas.openxmlformats.org/drawingml/2006/main" xmlns:r="http://schemas.openxmlformats.org/officeDocument/2006/relationships" xmlns:p="http://schemas.openxmlformats.org/presentationml/2006/main" matchingName="Section title and description">
   <p:cSld name="SECTION_TITLE_AND_DESCRIPTION">
     <p:spTree>
       <p:nvGrpSpPr>
-        <p:cNvPr id="35" name="Shape 35"/>
+        <p:cNvPr id="1" name="Shape 35"/>
         <p:cNvGrpSpPr/>
         <p:nvPr/>
       </p:nvGrpSpPr>
@@ -4245,12 +4399,12 @@
           </a:ln>
         </p:spPr>
         <p:txBody>
-          <a:bodyPr anchorCtr="0" anchor="ctr" bIns="91425" lIns="91425" spcFirstLastPara="1" rIns="91425" wrap="square" tIns="91425">
+          <a:bodyPr spcFirstLastPara="1" wrap="square" lIns="91425" tIns="91425" rIns="91425" bIns="91425" anchor="ctr" anchorCtr="0">
             <a:noAutofit/>
           </a:bodyPr>
           <a:lstStyle/>
           <a:p>
-            <a:pPr indent="0" lvl="0" marL="0" rtl="0" algn="l">
+            <a:pPr marL="0" lvl="0" indent="0" algn="l" rtl="0">
               <a:spcBef>
                 <a:spcPts val="0"/>
               </a:spcBef>
@@ -4259,9 +4413,6 @@
               </a:spcAft>
               <a:buNone/>
             </a:pPr>
-            <a:r>
-              <a:t/>
-            </a:r>
             <a:endParaRPr/>
           </a:p>
         </p:txBody>
@@ -4269,7 +4420,9 @@
       <p:sp>
         <p:nvSpPr>
           <p:cNvPr id="37" name="Google Shape;37;p9"/>
-          <p:cNvSpPr txBox="1"/>
+          <p:cNvSpPr txBox="1">
+            <a:spLocks noGrp="1"/>
+          </p:cNvSpPr>
           <p:nvPr>
             <p:ph type="title"/>
           </p:nvPr>
@@ -4284,7 +4437,7 @@
           </a:prstGeom>
         </p:spPr>
         <p:txBody>
-          <a:bodyPr anchorCtr="0" anchor="b" bIns="91425" lIns="91425" spcFirstLastPara="1" rIns="91425" wrap="square" tIns="91425">
+          <a:bodyPr spcFirstLastPara="1" wrap="square" lIns="91425" tIns="91425" rIns="91425" bIns="91425" anchor="b" anchorCtr="0">
             <a:normAutofit/>
           </a:bodyPr>
           <a:lstStyle>
@@ -4388,15 +4541,19 @@
               <a:defRPr sz="4200"/>
             </a:lvl9pPr>
           </a:lstStyle>
-          <a:p/>
+          <a:p>
+            <a:endParaRPr/>
+          </a:p>
         </p:txBody>
       </p:sp>
       <p:sp>
         <p:nvSpPr>
           <p:cNvPr id="38" name="Google Shape;38;p9"/>
-          <p:cNvSpPr txBox="1"/>
+          <p:cNvSpPr txBox="1">
+            <a:spLocks noGrp="1"/>
+          </p:cNvSpPr>
           <p:nvPr>
-            <p:ph idx="1" type="subTitle"/>
+            <p:ph type="subTitle" idx="1"/>
           </p:nvPr>
         </p:nvSpPr>
         <p:spPr>
@@ -4409,7 +4566,7 @@
           </a:prstGeom>
         </p:spPr>
         <p:txBody>
-          <a:bodyPr anchorCtr="0" anchor="t" bIns="91425" lIns="91425" spcFirstLastPara="1" rIns="91425" wrap="square" tIns="91425">
+          <a:bodyPr spcFirstLastPara="1" wrap="square" lIns="91425" tIns="91425" rIns="91425" bIns="91425" anchor="t" anchorCtr="0">
             <a:normAutofit/>
           </a:bodyPr>
           <a:lstStyle>
@@ -4540,15 +4697,19 @@
               <a:defRPr sz="2100"/>
             </a:lvl9pPr>
           </a:lstStyle>
-          <a:p/>
+          <a:p>
+            <a:endParaRPr/>
+          </a:p>
         </p:txBody>
       </p:sp>
       <p:sp>
         <p:nvSpPr>
           <p:cNvPr id="39" name="Google Shape;39;p9"/>
-          <p:cNvSpPr txBox="1"/>
+          <p:cNvSpPr txBox="1">
+            <a:spLocks noGrp="1"/>
+          </p:cNvSpPr>
           <p:nvPr>
-            <p:ph idx="2" type="body"/>
+            <p:ph type="body" idx="2"/>
           </p:nvPr>
         </p:nvSpPr>
         <p:spPr>
@@ -4561,11 +4722,11 @@
           </a:prstGeom>
         </p:spPr>
         <p:txBody>
-          <a:bodyPr anchorCtr="0" anchor="ctr" bIns="91425" lIns="91425" spcFirstLastPara="1" rIns="91425" wrap="square" tIns="91425">
+          <a:bodyPr spcFirstLastPara="1" wrap="square" lIns="91425" tIns="91425" rIns="91425" bIns="91425" anchor="ctr" anchorCtr="0">
             <a:normAutofit/>
           </a:bodyPr>
           <a:lstStyle>
-            <a:lvl1pPr indent="-342900" lvl="0" marL="457200">
+            <a:lvl1pPr marL="457200" lvl="0" indent="-342900">
               <a:spcBef>
                 <a:spcPts val="0"/>
               </a:spcBef>
@@ -4576,7 +4737,7 @@
               <a:buChar char="●"/>
               <a:defRPr/>
             </a:lvl1pPr>
-            <a:lvl2pPr indent="-317500" lvl="1" marL="914400">
+            <a:lvl2pPr marL="914400" lvl="1" indent="-317500">
               <a:spcBef>
                 <a:spcPts val="0"/>
               </a:spcBef>
@@ -4587,7 +4748,7 @@
               <a:buChar char="○"/>
               <a:defRPr/>
             </a:lvl2pPr>
-            <a:lvl3pPr indent="-317500" lvl="2" marL="1371600">
+            <a:lvl3pPr marL="1371600" lvl="2" indent="-317500">
               <a:spcBef>
                 <a:spcPts val="0"/>
               </a:spcBef>
@@ -4598,7 +4759,7 @@
               <a:buChar char="■"/>
               <a:defRPr/>
             </a:lvl3pPr>
-            <a:lvl4pPr indent="-317500" lvl="3" marL="1828800">
+            <a:lvl4pPr marL="1828800" lvl="3" indent="-317500">
               <a:spcBef>
                 <a:spcPts val="0"/>
               </a:spcBef>
@@ -4609,7 +4770,7 @@
               <a:buChar char="●"/>
               <a:defRPr/>
             </a:lvl4pPr>
-            <a:lvl5pPr indent="-317500" lvl="4" marL="2286000">
+            <a:lvl5pPr marL="2286000" lvl="4" indent="-317500">
               <a:spcBef>
                 <a:spcPts val="0"/>
               </a:spcBef>
@@ -4620,7 +4781,7 @@
               <a:buChar char="○"/>
               <a:defRPr/>
             </a:lvl5pPr>
-            <a:lvl6pPr indent="-317500" lvl="5" marL="2743200">
+            <a:lvl6pPr marL="2743200" lvl="5" indent="-317500">
               <a:spcBef>
                 <a:spcPts val="0"/>
               </a:spcBef>
@@ -4631,7 +4792,7 @@
               <a:buChar char="■"/>
               <a:defRPr/>
             </a:lvl6pPr>
-            <a:lvl7pPr indent="-317500" lvl="6" marL="3200400">
+            <a:lvl7pPr marL="3200400" lvl="6" indent="-317500">
               <a:spcBef>
                 <a:spcPts val="0"/>
               </a:spcBef>
@@ -4642,7 +4803,7 @@
               <a:buChar char="●"/>
               <a:defRPr/>
             </a:lvl7pPr>
-            <a:lvl8pPr indent="-317500" lvl="7" marL="3657600">
+            <a:lvl8pPr marL="3657600" lvl="7" indent="-317500">
               <a:spcBef>
                 <a:spcPts val="0"/>
               </a:spcBef>
@@ -4653,7 +4814,7 @@
               <a:buChar char="○"/>
               <a:defRPr/>
             </a:lvl8pPr>
-            <a:lvl9pPr indent="-317500" lvl="8" marL="4114800">
+            <a:lvl9pPr marL="4114800" lvl="8" indent="-317500">
               <a:spcBef>
                 <a:spcPts val="0"/>
               </a:spcBef>
@@ -4665,15 +4826,19 @@
               <a:defRPr/>
             </a:lvl9pPr>
           </a:lstStyle>
-          <a:p/>
+          <a:p>
+            <a:endParaRPr/>
+          </a:p>
         </p:txBody>
       </p:sp>
       <p:sp>
         <p:nvSpPr>
           <p:cNvPr id="40" name="Google Shape;40;p9"/>
-          <p:cNvSpPr txBox="1"/>
+          <p:cNvSpPr txBox="1">
+            <a:spLocks noGrp="1"/>
+          </p:cNvSpPr>
           <p:nvPr>
-            <p:ph idx="12" type="sldNum"/>
+            <p:ph type="sldNum" idx="12"/>
           </p:nvPr>
         </p:nvSpPr>
         <p:spPr>
@@ -4686,7 +4851,7 @@
           </a:prstGeom>
         </p:spPr>
         <p:txBody>
-          <a:bodyPr anchorCtr="0" anchor="ctr" bIns="91425" lIns="91425" spcFirstLastPara="1" rIns="91425" wrap="square" tIns="91425">
+          <a:bodyPr spcFirstLastPara="1" wrap="square" lIns="91425" tIns="91425" rIns="91425" bIns="91425" anchor="ctr" anchorCtr="0">
             <a:normAutofit/>
           </a:bodyPr>
           <a:lstStyle>
@@ -4728,7 +4893,7 @@
             </a:lvl9pPr>
           </a:lstStyle>
           <a:p>
-            <a:pPr indent="0" lvl="0" marL="0" rtl="0" algn="r">
+            <a:pPr marL="0" lvl="0" indent="0" algn="r" rtl="0">
               <a:spcBef>
                 <a:spcPts val="0"/>
               </a:spcBef>
@@ -4754,11 +4919,11 @@
 </file>
 
 <file path=ppt/slideLayouts/slideLayout9.xml><?xml version="1.0" encoding="utf-8"?>
-<p:sldLayout xmlns:a="http://schemas.openxmlformats.org/drawingml/2006/main" xmlns:r="http://schemas.openxmlformats.org/officeDocument/2006/relationships" xmlns:mc="http://schemas.openxmlformats.org/markup-compatibility/2006" xmlns:mv="urn:schemas-microsoft-com:mac:vml" xmlns:p="http://schemas.openxmlformats.org/presentationml/2006/main" xmlns:c="http://schemas.openxmlformats.org/drawingml/2006/chart" xmlns:dgm="http://schemas.openxmlformats.org/drawingml/2006/diagram" xmlns:o="urn:schemas-microsoft-com:office:office" xmlns:v="urn:schemas-microsoft-com:vml" xmlns:pvml="urn:schemas-microsoft-com:office:powerpoint" xmlns:com="http://schemas.openxmlformats.org/drawingml/2006/compatibility" xmlns:p14="http://schemas.microsoft.com/office/powerpoint/2010/main" xmlns:p15="http://schemas.microsoft.com/office/powerpoint/2012/main" xmlns:ahyp="http://schemas.microsoft.com/office/drawing/2018/hyperlinkcolor" matchingName="Caption">
+<p:sldLayout xmlns:a="http://schemas.openxmlformats.org/drawingml/2006/main" xmlns:r="http://schemas.openxmlformats.org/officeDocument/2006/relationships" xmlns:p="http://schemas.openxmlformats.org/presentationml/2006/main" matchingName="Caption">
   <p:cSld name="CAPTION_ONLY">
     <p:spTree>
       <p:nvGrpSpPr>
-        <p:cNvPr id="41" name="Shape 41"/>
+        <p:cNvPr id="1" name="Shape 41"/>
         <p:cNvGrpSpPr/>
         <p:nvPr/>
       </p:nvGrpSpPr>
@@ -4773,9 +4938,11 @@
       <p:sp>
         <p:nvSpPr>
           <p:cNvPr id="42" name="Google Shape;42;p10"/>
-          <p:cNvSpPr txBox="1"/>
+          <p:cNvSpPr txBox="1">
+            <a:spLocks noGrp="1"/>
+          </p:cNvSpPr>
           <p:nvPr>
-            <p:ph idx="1" type="body"/>
+            <p:ph type="body" idx="1"/>
           </p:nvPr>
         </p:nvSpPr>
         <p:spPr>
@@ -4788,11 +4955,11 @@
           </a:prstGeom>
         </p:spPr>
         <p:txBody>
-          <a:bodyPr anchorCtr="0" anchor="ctr" bIns="91425" lIns="91425" spcFirstLastPara="1" rIns="91425" wrap="square" tIns="91425">
+          <a:bodyPr spcFirstLastPara="1" wrap="square" lIns="91425" tIns="91425" rIns="91425" bIns="91425" anchor="ctr" anchorCtr="0">
             <a:normAutofit/>
           </a:bodyPr>
           <a:lstStyle>
-            <a:lvl1pPr indent="-228600" lvl="0" marL="457200">
+            <a:lvl1pPr marL="457200" lvl="0" indent="-228600">
               <a:lnSpc>
                 <a:spcPct val="100000"/>
               </a:lnSpc>
@@ -4807,15 +4974,19 @@
               <a:defRPr/>
             </a:lvl1pPr>
           </a:lstStyle>
-          <a:p/>
+          <a:p>
+            <a:endParaRPr/>
+          </a:p>
         </p:txBody>
       </p:sp>
       <p:sp>
         <p:nvSpPr>
           <p:cNvPr id="43" name="Google Shape;43;p10"/>
-          <p:cNvSpPr txBox="1"/>
+          <p:cNvSpPr txBox="1">
+            <a:spLocks noGrp="1"/>
+          </p:cNvSpPr>
           <p:nvPr>
-            <p:ph idx="12" type="sldNum"/>
+            <p:ph type="sldNum" idx="12"/>
           </p:nvPr>
         </p:nvSpPr>
         <p:spPr>
@@ -4828,7 +4999,7 @@
           </a:prstGeom>
         </p:spPr>
         <p:txBody>
-          <a:bodyPr anchorCtr="0" anchor="ctr" bIns="91425" lIns="91425" spcFirstLastPara="1" rIns="91425" wrap="square" tIns="91425">
+          <a:bodyPr spcFirstLastPara="1" wrap="square" lIns="91425" tIns="91425" rIns="91425" bIns="91425" anchor="ctr" anchorCtr="0">
             <a:normAutofit/>
           </a:bodyPr>
           <a:lstStyle>
@@ -4870,7 +5041,7 @@
             </a:lvl9pPr>
           </a:lstStyle>
           <a:p>
-            <a:pPr indent="0" lvl="0" marL="0" rtl="0" algn="r">
+            <a:pPr marL="0" lvl="0" indent="0" algn="r" rtl="0">
               <a:spcBef>
                 <a:spcPts val="0"/>
               </a:spcBef>
@@ -4896,23 +5067,24 @@
 </file>
 
 <file path=ppt/slideMasters/slideMaster1.xml><?xml version="1.0" encoding="utf-8"?>
-<p:sldMaster xmlns:a="http://schemas.openxmlformats.org/drawingml/2006/main" xmlns:r="http://schemas.openxmlformats.org/officeDocument/2006/relationships" xmlns:mc="http://schemas.openxmlformats.org/markup-compatibility/2006" xmlns:mv="urn:schemas-microsoft-com:mac:vml" xmlns:p="http://schemas.openxmlformats.org/presentationml/2006/main" xmlns:c="http://schemas.openxmlformats.org/drawingml/2006/chart" xmlns:dgm="http://schemas.openxmlformats.org/drawingml/2006/diagram" xmlns:o="urn:schemas-microsoft-com:office:office" xmlns:v="urn:schemas-microsoft-com:vml" xmlns:pvml="urn:schemas-microsoft-com:office:powerpoint" xmlns:com="http://schemas.openxmlformats.org/drawingml/2006/compatibility" xmlns:p14="http://schemas.microsoft.com/office/powerpoint/2010/main" xmlns:p15="http://schemas.microsoft.com/office/powerpoint/2012/main" xmlns:ahyp="http://schemas.microsoft.com/office/drawing/2018/hyperlinkcolor">
+<p:sldMaster xmlns:a="http://schemas.openxmlformats.org/drawingml/2006/main" xmlns:r="http://schemas.openxmlformats.org/officeDocument/2006/relationships" xmlns:p="http://schemas.openxmlformats.org/presentationml/2006/main">
   <p:cSld name="simple-light-2">
     <p:bg>
       <p:bgPr>
         <a:blipFill>
-          <a:blip r:embed="rId1">
+          <a:blip r:embed="rId13">
             <a:alphaModFix/>
           </a:blip>
           <a:stretch>
             <a:fillRect/>
           </a:stretch>
         </a:blipFill>
+        <a:effectLst/>
       </p:bgPr>
     </p:bg>
     <p:spTree>
       <p:nvGrpSpPr>
-        <p:cNvPr id="5" name="Shape 5"/>
+        <p:cNvPr id="1" name="Shape 5"/>
         <p:cNvGrpSpPr/>
         <p:nvPr/>
       </p:nvGrpSpPr>
@@ -4927,7 +5099,9 @@
       <p:sp>
         <p:nvSpPr>
           <p:cNvPr id="6" name="Google Shape;6;p1"/>
-          <p:cNvSpPr txBox="1"/>
+          <p:cNvSpPr txBox="1">
+            <a:spLocks noGrp="1"/>
+          </p:cNvSpPr>
           <p:nvPr>
             <p:ph type="title"/>
           </p:nvPr>
@@ -4946,7 +5120,7 @@
           </a:ln>
         </p:spPr>
         <p:txBody>
-          <a:bodyPr anchorCtr="0" anchor="t" bIns="91425" lIns="91425" spcFirstLastPara="1" rIns="91425" wrap="square" tIns="91425">
+          <a:bodyPr spcFirstLastPara="1" wrap="square" lIns="91425" tIns="91425" rIns="91425" bIns="91425" anchor="t" anchorCtr="0">
             <a:normAutofit/>
           </a:bodyPr>
           <a:lstStyle>
@@ -5113,15 +5287,19 @@
               </a:defRPr>
             </a:lvl9pPr>
           </a:lstStyle>
-          <a:p/>
+          <a:p>
+            <a:endParaRPr/>
+          </a:p>
         </p:txBody>
       </p:sp>
       <p:sp>
         <p:nvSpPr>
           <p:cNvPr id="7" name="Google Shape;7;p1"/>
-          <p:cNvSpPr txBox="1"/>
+          <p:cNvSpPr txBox="1">
+            <a:spLocks noGrp="1"/>
+          </p:cNvSpPr>
           <p:nvPr>
-            <p:ph idx="1" type="body"/>
+            <p:ph type="body" idx="1"/>
           </p:nvPr>
         </p:nvSpPr>
         <p:spPr>
@@ -5138,11 +5316,11 @@
           </a:ln>
         </p:spPr>
         <p:txBody>
-          <a:bodyPr anchorCtr="0" anchor="t" bIns="91425" lIns="91425" spcFirstLastPara="1" rIns="91425" wrap="square" tIns="91425">
+          <a:bodyPr spcFirstLastPara="1" wrap="square" lIns="91425" tIns="91425" rIns="91425" bIns="91425" anchor="t" anchorCtr="0">
             <a:normAutofit/>
           </a:bodyPr>
           <a:lstStyle>
-            <a:lvl1pPr indent="-342900" lvl="0" marL="457200">
+            <a:lvl1pPr marL="457200" lvl="0" indent="-342900">
               <a:lnSpc>
                 <a:spcPct val="115000"/>
               </a:lnSpc>
@@ -5163,7 +5341,7 @@
                 </a:solidFill>
               </a:defRPr>
             </a:lvl1pPr>
-            <a:lvl2pPr indent="-317500" lvl="1" marL="914400">
+            <a:lvl2pPr marL="914400" lvl="1" indent="-317500">
               <a:lnSpc>
                 <a:spcPct val="115000"/>
               </a:lnSpc>
@@ -5184,7 +5362,7 @@
                 </a:solidFill>
               </a:defRPr>
             </a:lvl2pPr>
-            <a:lvl3pPr indent="-317500" lvl="2" marL="1371600">
+            <a:lvl3pPr marL="1371600" lvl="2" indent="-317500">
               <a:lnSpc>
                 <a:spcPct val="115000"/>
               </a:lnSpc>
@@ -5205,7 +5383,7 @@
                 </a:solidFill>
               </a:defRPr>
             </a:lvl3pPr>
-            <a:lvl4pPr indent="-317500" lvl="3" marL="1828800">
+            <a:lvl4pPr marL="1828800" lvl="3" indent="-317500">
               <a:lnSpc>
                 <a:spcPct val="115000"/>
               </a:lnSpc>
@@ -5226,7 +5404,7 @@
                 </a:solidFill>
               </a:defRPr>
             </a:lvl4pPr>
-            <a:lvl5pPr indent="-317500" lvl="4" marL="2286000">
+            <a:lvl5pPr marL="2286000" lvl="4" indent="-317500">
               <a:lnSpc>
                 <a:spcPct val="115000"/>
               </a:lnSpc>
@@ -5247,7 +5425,7 @@
                 </a:solidFill>
               </a:defRPr>
             </a:lvl5pPr>
-            <a:lvl6pPr indent="-317500" lvl="5" marL="2743200">
+            <a:lvl6pPr marL="2743200" lvl="5" indent="-317500">
               <a:lnSpc>
                 <a:spcPct val="115000"/>
               </a:lnSpc>
@@ -5268,7 +5446,7 @@
                 </a:solidFill>
               </a:defRPr>
             </a:lvl6pPr>
-            <a:lvl7pPr indent="-317500" lvl="6" marL="3200400">
+            <a:lvl7pPr marL="3200400" lvl="6" indent="-317500">
               <a:lnSpc>
                 <a:spcPct val="115000"/>
               </a:lnSpc>
@@ -5289,7 +5467,7 @@
                 </a:solidFill>
               </a:defRPr>
             </a:lvl7pPr>
-            <a:lvl8pPr indent="-317500" lvl="7" marL="3657600">
+            <a:lvl8pPr marL="3657600" lvl="7" indent="-317500">
               <a:lnSpc>
                 <a:spcPct val="115000"/>
               </a:lnSpc>
@@ -5310,7 +5488,7 @@
                 </a:solidFill>
               </a:defRPr>
             </a:lvl8pPr>
-            <a:lvl9pPr indent="-317500" lvl="8" marL="4114800">
+            <a:lvl9pPr marL="4114800" lvl="8" indent="-317500">
               <a:lnSpc>
                 <a:spcPct val="115000"/>
               </a:lnSpc>
@@ -5332,15 +5510,19 @@
               </a:defRPr>
             </a:lvl9pPr>
           </a:lstStyle>
-          <a:p/>
+          <a:p>
+            <a:endParaRPr/>
+          </a:p>
         </p:txBody>
       </p:sp>
       <p:sp>
         <p:nvSpPr>
           <p:cNvPr id="8" name="Google Shape;8;p1"/>
-          <p:cNvSpPr txBox="1"/>
+          <p:cNvSpPr txBox="1">
+            <a:spLocks noGrp="1"/>
+          </p:cNvSpPr>
           <p:nvPr>
-            <p:ph idx="12" type="sldNum"/>
+            <p:ph type="sldNum" idx="12"/>
           </p:nvPr>
         </p:nvSpPr>
         <p:spPr>
@@ -5357,7 +5539,7 @@
           </a:ln>
         </p:spPr>
         <p:txBody>
-          <a:bodyPr anchorCtr="0" anchor="ctr" bIns="91425" lIns="91425" spcFirstLastPara="1" rIns="91425" wrap="square" tIns="91425">
+          <a:bodyPr spcFirstLastPara="1" wrap="square" lIns="91425" tIns="91425" rIns="91425" bIns="91425" anchor="ctr" anchorCtr="0">
             <a:normAutofit/>
           </a:bodyPr>
           <a:lstStyle>
@@ -5435,7 +5617,7 @@
             </a:lvl9pPr>
           </a:lstStyle>
           <a:p>
-            <a:pPr indent="0" lvl="0" marL="0" rtl="0" algn="r">
+            <a:pPr marL="0" lvl="0" indent="0" algn="r" rtl="0">
               <a:spcBef>
                 <a:spcPts val="0"/>
               </a:spcBef>
@@ -5454,24 +5636,24 @@
       </p:sp>
     </p:spTree>
   </p:cSld>
-  <p:clrMap accent1="accent1" accent2="accent2" accent3="accent3" accent4="accent4" accent5="accent5" accent6="accent6" bg1="lt1" bg2="dk2" tx1="dk1" tx2="lt2" folHlink="folHlink" hlink="hlink"/>
+  <p:clrMap bg1="lt1" tx1="dk1" bg2="dk2" tx2="lt2" accent1="accent1" accent2="accent2" accent3="accent3" accent4="accent4" accent5="accent5" accent6="accent6" hlink="hlink" folHlink="folHlink"/>
   <p:sldLayoutIdLst>
-    <p:sldLayoutId id="2147483648" r:id="rId2"/>
-    <p:sldLayoutId id="2147483649" r:id="rId3"/>
-    <p:sldLayoutId id="2147483650" r:id="rId4"/>
-    <p:sldLayoutId id="2147483651" r:id="rId5"/>
-    <p:sldLayoutId id="2147483652" r:id="rId6"/>
-    <p:sldLayoutId id="2147483653" r:id="rId7"/>
-    <p:sldLayoutId id="2147483654" r:id="rId8"/>
-    <p:sldLayoutId id="2147483655" r:id="rId9"/>
-    <p:sldLayoutId id="2147483656" r:id="rId10"/>
-    <p:sldLayoutId id="2147483657" r:id="rId11"/>
-    <p:sldLayoutId id="2147483658" r:id="rId12"/>
+    <p:sldLayoutId id="2147483648" r:id="rId1"/>
+    <p:sldLayoutId id="2147483649" r:id="rId2"/>
+    <p:sldLayoutId id="2147483650" r:id="rId3"/>
+    <p:sldLayoutId id="2147483651" r:id="rId4"/>
+    <p:sldLayoutId id="2147483652" r:id="rId5"/>
+    <p:sldLayoutId id="2147483653" r:id="rId6"/>
+    <p:sldLayoutId id="2147483654" r:id="rId7"/>
+    <p:sldLayoutId id="2147483655" r:id="rId8"/>
+    <p:sldLayoutId id="2147483656" r:id="rId9"/>
+    <p:sldLayoutId id="2147483657" r:id="rId10"/>
+    <p:sldLayoutId id="2147483658" r:id="rId11"/>
   </p:sldLayoutIdLst>
-  <p:hf dt="0" ftr="0" hdr="0" sldNum="0"/>
+  <p:hf sldNum="0" hdr="0" ftr="0" dt="0"/>
   <p:txStyles>
     <p:titleStyle>
-      <a:defPPr lvl="0" marR="0" rtl="0" algn="l">
+      <a:defPPr marR="0" lvl="0" algn="l" rtl="0">
         <a:lnSpc>
           <a:spcPct val="100000"/>
         </a:lnSpc>
@@ -5482,7 +5664,7 @@
           <a:spcPts val="0"/>
         </a:spcAft>
       </a:defPPr>
-      <a:lvl1pPr lvl="0" marR="0" rtl="0" algn="l">
+      <a:lvl1pPr marR="0" lvl="0" algn="l" rtl="0">
         <a:lnSpc>
           <a:spcPct val="100000"/>
         </a:lnSpc>
@@ -5496,7 +5678,7 @@
           <a:srgbClr val="000000"/>
         </a:buClr>
         <a:buFont typeface="Arial"/>
-        <a:defRPr b="0" i="0" sz="1400" u="none" cap="none" strike="noStrike">
+        <a:defRPr sz="1400" b="0" i="0" u="none" strike="noStrike" cap="none">
           <a:solidFill>
             <a:srgbClr val="000000"/>
           </a:solidFill>
@@ -5506,7 +5688,7 @@
           <a:sym typeface="Arial"/>
         </a:defRPr>
       </a:lvl1pPr>
-      <a:lvl2pPr lvl="1" marR="0" rtl="0" algn="l">
+      <a:lvl2pPr marR="0" lvl="1" algn="l" rtl="0">
         <a:lnSpc>
           <a:spcPct val="100000"/>
         </a:lnSpc>
@@ -5520,7 +5702,7 @@
           <a:srgbClr val="000000"/>
         </a:buClr>
         <a:buFont typeface="Arial"/>
-        <a:defRPr b="0" i="0" sz="1400" u="none" cap="none" strike="noStrike">
+        <a:defRPr sz="1400" b="0" i="0" u="none" strike="noStrike" cap="none">
           <a:solidFill>
             <a:srgbClr val="000000"/>
           </a:solidFill>
@@ -5530,7 +5712,7 @@
           <a:sym typeface="Arial"/>
         </a:defRPr>
       </a:lvl2pPr>
-      <a:lvl3pPr lvl="2" marR="0" rtl="0" algn="l">
+      <a:lvl3pPr marR="0" lvl="2" algn="l" rtl="0">
         <a:lnSpc>
           <a:spcPct val="100000"/>
         </a:lnSpc>
@@ -5544,7 +5726,7 @@
           <a:srgbClr val="000000"/>
         </a:buClr>
         <a:buFont typeface="Arial"/>
-        <a:defRPr b="0" i="0" sz="1400" u="none" cap="none" strike="noStrike">
+        <a:defRPr sz="1400" b="0" i="0" u="none" strike="noStrike" cap="none">
           <a:solidFill>
             <a:srgbClr val="000000"/>
           </a:solidFill>
@@ -5554,7 +5736,7 @@
           <a:sym typeface="Arial"/>
         </a:defRPr>
       </a:lvl3pPr>
-      <a:lvl4pPr lvl="3" marR="0" rtl="0" algn="l">
+      <a:lvl4pPr marR="0" lvl="3" algn="l" rtl="0">
         <a:lnSpc>
           <a:spcPct val="100000"/>
         </a:lnSpc>
@@ -5568,7 +5750,7 @@
           <a:srgbClr val="000000"/>
         </a:buClr>
         <a:buFont typeface="Arial"/>
-        <a:defRPr b="0" i="0" sz="1400" u="none" cap="none" strike="noStrike">
+        <a:defRPr sz="1400" b="0" i="0" u="none" strike="noStrike" cap="none">
           <a:solidFill>
             <a:srgbClr val="000000"/>
           </a:solidFill>
@@ -5578,7 +5760,7 @@
           <a:sym typeface="Arial"/>
         </a:defRPr>
       </a:lvl4pPr>
-      <a:lvl5pPr lvl="4" marR="0" rtl="0" algn="l">
+      <a:lvl5pPr marR="0" lvl="4" algn="l" rtl="0">
         <a:lnSpc>
           <a:spcPct val="100000"/>
         </a:lnSpc>
@@ -5592,7 +5774,7 @@
           <a:srgbClr val="000000"/>
         </a:buClr>
         <a:buFont typeface="Arial"/>
-        <a:defRPr b="0" i="0" sz="1400" u="none" cap="none" strike="noStrike">
+        <a:defRPr sz="1400" b="0" i="0" u="none" strike="noStrike" cap="none">
           <a:solidFill>
             <a:srgbClr val="000000"/>
           </a:solidFill>
@@ -5602,7 +5784,7 @@
           <a:sym typeface="Arial"/>
         </a:defRPr>
       </a:lvl5pPr>
-      <a:lvl6pPr lvl="5" marR="0" rtl="0" algn="l">
+      <a:lvl6pPr marR="0" lvl="5" algn="l" rtl="0">
         <a:lnSpc>
           <a:spcPct val="100000"/>
         </a:lnSpc>
@@ -5616,7 +5798,7 @@
           <a:srgbClr val="000000"/>
         </a:buClr>
         <a:buFont typeface="Arial"/>
-        <a:defRPr b="0" i="0" sz="1400" u="none" cap="none" strike="noStrike">
+        <a:defRPr sz="1400" b="0" i="0" u="none" strike="noStrike" cap="none">
           <a:solidFill>
             <a:srgbClr val="000000"/>
           </a:solidFill>
@@ -5626,7 +5808,7 @@
           <a:sym typeface="Arial"/>
         </a:defRPr>
       </a:lvl6pPr>
-      <a:lvl7pPr lvl="6" marR="0" rtl="0" algn="l">
+      <a:lvl7pPr marR="0" lvl="6" algn="l" rtl="0">
         <a:lnSpc>
           <a:spcPct val="100000"/>
         </a:lnSpc>
@@ -5640,7 +5822,7 @@
           <a:srgbClr val="000000"/>
         </a:buClr>
         <a:buFont typeface="Arial"/>
-        <a:defRPr b="0" i="0" sz="1400" u="none" cap="none" strike="noStrike">
+        <a:defRPr sz="1400" b="0" i="0" u="none" strike="noStrike" cap="none">
           <a:solidFill>
             <a:srgbClr val="000000"/>
           </a:solidFill>
@@ -5650,7 +5832,7 @@
           <a:sym typeface="Arial"/>
         </a:defRPr>
       </a:lvl7pPr>
-      <a:lvl8pPr lvl="7" marR="0" rtl="0" algn="l">
+      <a:lvl8pPr marR="0" lvl="7" algn="l" rtl="0">
         <a:lnSpc>
           <a:spcPct val="100000"/>
         </a:lnSpc>
@@ -5664,7 +5846,7 @@
           <a:srgbClr val="000000"/>
         </a:buClr>
         <a:buFont typeface="Arial"/>
-        <a:defRPr b="0" i="0" sz="1400" u="none" cap="none" strike="noStrike">
+        <a:defRPr sz="1400" b="0" i="0" u="none" strike="noStrike" cap="none">
           <a:solidFill>
             <a:srgbClr val="000000"/>
           </a:solidFill>
@@ -5674,7 +5856,7 @@
           <a:sym typeface="Arial"/>
         </a:defRPr>
       </a:lvl8pPr>
-      <a:lvl9pPr lvl="8" marR="0" rtl="0" algn="l">
+      <a:lvl9pPr marR="0" lvl="8" algn="l" rtl="0">
         <a:lnSpc>
           <a:spcPct val="100000"/>
         </a:lnSpc>
@@ -5688,7 +5870,7 @@
           <a:srgbClr val="000000"/>
         </a:buClr>
         <a:buFont typeface="Arial"/>
-        <a:defRPr b="0" i="0" sz="1400" u="none" cap="none" strike="noStrike">
+        <a:defRPr sz="1400" b="0" i="0" u="none" strike="noStrike" cap="none">
           <a:solidFill>
             <a:srgbClr val="000000"/>
           </a:solidFill>
@@ -5700,7 +5882,7 @@
       </a:lvl9pPr>
     </p:titleStyle>
     <p:bodyStyle>
-      <a:defPPr lvl="0" marR="0" rtl="0" algn="l">
+      <a:defPPr marR="0" lvl="0" algn="l" rtl="0">
         <a:lnSpc>
           <a:spcPct val="100000"/>
         </a:lnSpc>
@@ -5711,7 +5893,7 @@
           <a:spcPts val="0"/>
         </a:spcAft>
       </a:defPPr>
-      <a:lvl1pPr lvl="0" marR="0" rtl="0" algn="l">
+      <a:lvl1pPr marR="0" lvl="0" algn="l" rtl="0">
         <a:lnSpc>
           <a:spcPct val="100000"/>
         </a:lnSpc>
@@ -5725,7 +5907,7 @@
           <a:srgbClr val="000000"/>
         </a:buClr>
         <a:buFont typeface="Arial"/>
-        <a:defRPr b="0" i="0" sz="1400" u="none" cap="none" strike="noStrike">
+        <a:defRPr sz="1400" b="0" i="0" u="none" strike="noStrike" cap="none">
           <a:solidFill>
             <a:srgbClr val="000000"/>
           </a:solidFill>
@@ -5735,7 +5917,7 @@
           <a:sym typeface="Arial"/>
         </a:defRPr>
       </a:lvl1pPr>
-      <a:lvl2pPr lvl="1" marR="0" rtl="0" algn="l">
+      <a:lvl2pPr marR="0" lvl="1" algn="l" rtl="0">
         <a:lnSpc>
           <a:spcPct val="100000"/>
         </a:lnSpc>
@@ -5749,7 +5931,7 @@
           <a:srgbClr val="000000"/>
         </a:buClr>
         <a:buFont typeface="Arial"/>
-        <a:defRPr b="0" i="0" sz="1400" u="none" cap="none" strike="noStrike">
+        <a:defRPr sz="1400" b="0" i="0" u="none" strike="noStrike" cap="none">
           <a:solidFill>
             <a:srgbClr val="000000"/>
           </a:solidFill>
@@ -5759,7 +5941,7 @@
           <a:sym typeface="Arial"/>
         </a:defRPr>
       </a:lvl2pPr>
-      <a:lvl3pPr lvl="2" marR="0" rtl="0" algn="l">
+      <a:lvl3pPr marR="0" lvl="2" algn="l" rtl="0">
         <a:lnSpc>
           <a:spcPct val="100000"/>
         </a:lnSpc>
@@ -5773,7 +5955,7 @@
           <a:srgbClr val="000000"/>
         </a:buClr>
         <a:buFont typeface="Arial"/>
-        <a:defRPr b="0" i="0" sz="1400" u="none" cap="none" strike="noStrike">
+        <a:defRPr sz="1400" b="0" i="0" u="none" strike="noStrike" cap="none">
           <a:solidFill>
             <a:srgbClr val="000000"/>
           </a:solidFill>
@@ -5783,7 +5965,7 @@
           <a:sym typeface="Arial"/>
         </a:defRPr>
       </a:lvl3pPr>
-      <a:lvl4pPr lvl="3" marR="0" rtl="0" algn="l">
+      <a:lvl4pPr marR="0" lvl="3" algn="l" rtl="0">
         <a:lnSpc>
           <a:spcPct val="100000"/>
         </a:lnSpc>
@@ -5797,7 +5979,7 @@
           <a:srgbClr val="000000"/>
         </a:buClr>
         <a:buFont typeface="Arial"/>
-        <a:defRPr b="0" i="0" sz="1400" u="none" cap="none" strike="noStrike">
+        <a:defRPr sz="1400" b="0" i="0" u="none" strike="noStrike" cap="none">
           <a:solidFill>
             <a:srgbClr val="000000"/>
           </a:solidFill>
@@ -5807,7 +5989,7 @@
           <a:sym typeface="Arial"/>
         </a:defRPr>
       </a:lvl4pPr>
-      <a:lvl5pPr lvl="4" marR="0" rtl="0" algn="l">
+      <a:lvl5pPr marR="0" lvl="4" algn="l" rtl="0">
         <a:lnSpc>
           <a:spcPct val="100000"/>
         </a:lnSpc>
@@ -5821,7 +6003,7 @@
           <a:srgbClr val="000000"/>
         </a:buClr>
         <a:buFont typeface="Arial"/>
-        <a:defRPr b="0" i="0" sz="1400" u="none" cap="none" strike="noStrike">
+        <a:defRPr sz="1400" b="0" i="0" u="none" strike="noStrike" cap="none">
           <a:solidFill>
             <a:srgbClr val="000000"/>
           </a:solidFill>
@@ -5831,7 +6013,7 @@
           <a:sym typeface="Arial"/>
         </a:defRPr>
       </a:lvl5pPr>
-      <a:lvl6pPr lvl="5" marR="0" rtl="0" algn="l">
+      <a:lvl6pPr marR="0" lvl="5" algn="l" rtl="0">
         <a:lnSpc>
           <a:spcPct val="100000"/>
         </a:lnSpc>
@@ -5845,7 +6027,7 @@
           <a:srgbClr val="000000"/>
         </a:buClr>
         <a:buFont typeface="Arial"/>
-        <a:defRPr b="0" i="0" sz="1400" u="none" cap="none" strike="noStrike">
+        <a:defRPr sz="1400" b="0" i="0" u="none" strike="noStrike" cap="none">
           <a:solidFill>
             <a:srgbClr val="000000"/>
           </a:solidFill>
@@ -5855,7 +6037,7 @@
           <a:sym typeface="Arial"/>
         </a:defRPr>
       </a:lvl6pPr>
-      <a:lvl7pPr lvl="6" marR="0" rtl="0" algn="l">
+      <a:lvl7pPr marR="0" lvl="6" algn="l" rtl="0">
         <a:lnSpc>
           <a:spcPct val="100000"/>
         </a:lnSpc>
@@ -5869,7 +6051,7 @@
           <a:srgbClr val="000000"/>
         </a:buClr>
         <a:buFont typeface="Arial"/>
-        <a:defRPr b="0" i="0" sz="1400" u="none" cap="none" strike="noStrike">
+        <a:defRPr sz="1400" b="0" i="0" u="none" strike="noStrike" cap="none">
           <a:solidFill>
             <a:srgbClr val="000000"/>
           </a:solidFill>
@@ -5879,7 +6061,7 @@
           <a:sym typeface="Arial"/>
         </a:defRPr>
       </a:lvl7pPr>
-      <a:lvl8pPr lvl="7" marR="0" rtl="0" algn="l">
+      <a:lvl8pPr marR="0" lvl="7" algn="l" rtl="0">
         <a:lnSpc>
           <a:spcPct val="100000"/>
         </a:lnSpc>
@@ -5893,7 +6075,7 @@
           <a:srgbClr val="000000"/>
         </a:buClr>
         <a:buFont typeface="Arial"/>
-        <a:defRPr b="0" i="0" sz="1400" u="none" cap="none" strike="noStrike">
+        <a:defRPr sz="1400" b="0" i="0" u="none" strike="noStrike" cap="none">
           <a:solidFill>
             <a:srgbClr val="000000"/>
           </a:solidFill>
@@ -5903,7 +6085,7 @@
           <a:sym typeface="Arial"/>
         </a:defRPr>
       </a:lvl8pPr>
-      <a:lvl9pPr lvl="8" marR="0" rtl="0" algn="l">
+      <a:lvl9pPr marR="0" lvl="8" algn="l" rtl="0">
         <a:lnSpc>
           <a:spcPct val="100000"/>
         </a:lnSpc>
@@ -5917,7 +6099,7 @@
           <a:srgbClr val="000000"/>
         </a:buClr>
         <a:buFont typeface="Arial"/>
-        <a:defRPr b="0" i="0" sz="1400" u="none" cap="none" strike="noStrike">
+        <a:defRPr sz="1400" b="0" i="0" u="none" strike="noStrike" cap="none">
           <a:solidFill>
             <a:srgbClr val="000000"/>
           </a:solidFill>
@@ -5929,7 +6111,7 @@
       </a:lvl9pPr>
     </p:bodyStyle>
     <p:otherStyle>
-      <a:defPPr lvl="0" marR="0" rtl="0" algn="l">
+      <a:defPPr marR="0" lvl="0" algn="l" rtl="0">
         <a:lnSpc>
           <a:spcPct val="100000"/>
         </a:lnSpc>
@@ -5940,7 +6122,7 @@
           <a:spcPts val="0"/>
         </a:spcAft>
       </a:defPPr>
-      <a:lvl1pPr lvl="0" marR="0" rtl="0" algn="l">
+      <a:lvl1pPr marR="0" lvl="0" algn="l" rtl="0">
         <a:lnSpc>
           <a:spcPct val="100000"/>
         </a:lnSpc>
@@ -5954,7 +6136,7 @@
           <a:srgbClr val="000000"/>
         </a:buClr>
         <a:buFont typeface="Arial"/>
-        <a:defRPr b="0" i="0" sz="1400" u="none" cap="none" strike="noStrike">
+        <a:defRPr sz="1400" b="0" i="0" u="none" strike="noStrike" cap="none">
           <a:solidFill>
             <a:srgbClr val="000000"/>
           </a:solidFill>
@@ -5964,7 +6146,7 @@
           <a:sym typeface="Arial"/>
         </a:defRPr>
       </a:lvl1pPr>
-      <a:lvl2pPr lvl="1" marR="0" rtl="0" algn="l">
+      <a:lvl2pPr marR="0" lvl="1" algn="l" rtl="0">
         <a:lnSpc>
           <a:spcPct val="100000"/>
         </a:lnSpc>
@@ -5978,7 +6160,7 @@
           <a:srgbClr val="000000"/>
         </a:buClr>
         <a:buFont typeface="Arial"/>
-        <a:defRPr b="0" i="0" sz="1400" u="none" cap="none" strike="noStrike">
+        <a:defRPr sz="1400" b="0" i="0" u="none" strike="noStrike" cap="none">
           <a:solidFill>
             <a:srgbClr val="000000"/>
           </a:solidFill>
@@ -5988,7 +6170,7 @@
           <a:sym typeface="Arial"/>
         </a:defRPr>
       </a:lvl2pPr>
-      <a:lvl3pPr lvl="2" marR="0" rtl="0" algn="l">
+      <a:lvl3pPr marR="0" lvl="2" algn="l" rtl="0">
         <a:lnSpc>
           <a:spcPct val="100000"/>
         </a:lnSpc>
@@ -6002,7 +6184,7 @@
           <a:srgbClr val="000000"/>
         </a:buClr>
         <a:buFont typeface="Arial"/>
-        <a:defRPr b="0" i="0" sz="1400" u="none" cap="none" strike="noStrike">
+        <a:defRPr sz="1400" b="0" i="0" u="none" strike="noStrike" cap="none">
           <a:solidFill>
             <a:srgbClr val="000000"/>
           </a:solidFill>
@@ -6012,7 +6194,7 @@
           <a:sym typeface="Arial"/>
         </a:defRPr>
       </a:lvl3pPr>
-      <a:lvl4pPr lvl="3" marR="0" rtl="0" algn="l">
+      <a:lvl4pPr marR="0" lvl="3" algn="l" rtl="0">
         <a:lnSpc>
           <a:spcPct val="100000"/>
         </a:lnSpc>
@@ -6026,7 +6208,7 @@
           <a:srgbClr val="000000"/>
         </a:buClr>
         <a:buFont typeface="Arial"/>
-        <a:defRPr b="0" i="0" sz="1400" u="none" cap="none" strike="noStrike">
+        <a:defRPr sz="1400" b="0" i="0" u="none" strike="noStrike" cap="none">
           <a:solidFill>
             <a:srgbClr val="000000"/>
           </a:solidFill>
@@ -6036,7 +6218,7 @@
           <a:sym typeface="Arial"/>
         </a:defRPr>
       </a:lvl4pPr>
-      <a:lvl5pPr lvl="4" marR="0" rtl="0" algn="l">
+      <a:lvl5pPr marR="0" lvl="4" algn="l" rtl="0">
         <a:lnSpc>
           <a:spcPct val="100000"/>
         </a:lnSpc>
@@ -6050,7 +6232,7 @@
           <a:srgbClr val="000000"/>
         </a:buClr>
         <a:buFont typeface="Arial"/>
-        <a:defRPr b="0" i="0" sz="1400" u="none" cap="none" strike="noStrike">
+        <a:defRPr sz="1400" b="0" i="0" u="none" strike="noStrike" cap="none">
           <a:solidFill>
             <a:srgbClr val="000000"/>
           </a:solidFill>
@@ -6060,7 +6242,7 @@
           <a:sym typeface="Arial"/>
         </a:defRPr>
       </a:lvl5pPr>
-      <a:lvl6pPr lvl="5" marR="0" rtl="0" algn="l">
+      <a:lvl6pPr marR="0" lvl="5" algn="l" rtl="0">
         <a:lnSpc>
           <a:spcPct val="100000"/>
         </a:lnSpc>
@@ -6074,7 +6256,7 @@
           <a:srgbClr val="000000"/>
         </a:buClr>
         <a:buFont typeface="Arial"/>
-        <a:defRPr b="0" i="0" sz="1400" u="none" cap="none" strike="noStrike">
+        <a:defRPr sz="1400" b="0" i="0" u="none" strike="noStrike" cap="none">
           <a:solidFill>
             <a:srgbClr val="000000"/>
           </a:solidFill>
@@ -6084,7 +6266,7 @@
           <a:sym typeface="Arial"/>
         </a:defRPr>
       </a:lvl6pPr>
-      <a:lvl7pPr lvl="6" marR="0" rtl="0" algn="l">
+      <a:lvl7pPr marR="0" lvl="6" algn="l" rtl="0">
         <a:lnSpc>
           <a:spcPct val="100000"/>
         </a:lnSpc>
@@ -6098,7 +6280,7 @@
           <a:srgbClr val="000000"/>
         </a:buClr>
         <a:buFont typeface="Arial"/>
-        <a:defRPr b="0" i="0" sz="1400" u="none" cap="none" strike="noStrike">
+        <a:defRPr sz="1400" b="0" i="0" u="none" strike="noStrike" cap="none">
           <a:solidFill>
             <a:srgbClr val="000000"/>
           </a:solidFill>
@@ -6108,7 +6290,7 @@
           <a:sym typeface="Arial"/>
         </a:defRPr>
       </a:lvl7pPr>
-      <a:lvl8pPr lvl="7" marR="0" rtl="0" algn="l">
+      <a:lvl8pPr marR="0" lvl="7" algn="l" rtl="0">
         <a:lnSpc>
           <a:spcPct val="100000"/>
         </a:lnSpc>
@@ -6122,7 +6304,7 @@
           <a:srgbClr val="000000"/>
         </a:buClr>
         <a:buFont typeface="Arial"/>
-        <a:defRPr b="0" i="0" sz="1400" u="none" cap="none" strike="noStrike">
+        <a:defRPr sz="1400" b="0" i="0" u="none" strike="noStrike" cap="none">
           <a:solidFill>
             <a:srgbClr val="000000"/>
           </a:solidFill>
@@ -6132,7 +6314,7 @@
           <a:sym typeface="Arial"/>
         </a:defRPr>
       </a:lvl8pPr>
-      <a:lvl9pPr lvl="8" marR="0" rtl="0" algn="l">
+      <a:lvl9pPr marR="0" lvl="8" algn="l" rtl="0">
         <a:lnSpc>
           <a:spcPct val="100000"/>
         </a:lnSpc>
@@ -6146,7 +6328,7 @@
           <a:srgbClr val="000000"/>
         </a:buClr>
         <a:buFont typeface="Arial"/>
-        <a:defRPr b="0" i="0" sz="1400" u="none" cap="none" strike="noStrike">
+        <a:defRPr sz="1400" b="0" i="0" u="none" strike="noStrike" cap="none">
           <a:solidFill>
             <a:srgbClr val="000000"/>
           </a:solidFill>
@@ -6162,11 +6344,11 @@
 </file>
 
 <file path=ppt/slides/slide1.xml><?xml version="1.0" encoding="utf-8"?>
-<p:sld xmlns:a="http://schemas.openxmlformats.org/drawingml/2006/main" xmlns:r="http://schemas.openxmlformats.org/officeDocument/2006/relationships" xmlns:mc="http://schemas.openxmlformats.org/markup-compatibility/2006" xmlns:mv="urn:schemas-microsoft-com:mac:vml" xmlns:p="http://schemas.openxmlformats.org/presentationml/2006/main" xmlns:c="http://schemas.openxmlformats.org/drawingml/2006/chart" xmlns:dgm="http://schemas.openxmlformats.org/drawingml/2006/diagram" xmlns:o="urn:schemas-microsoft-com:office:office" xmlns:v="urn:schemas-microsoft-com:vml" xmlns:pvml="urn:schemas-microsoft-com:office:powerpoint" xmlns:com="http://schemas.openxmlformats.org/drawingml/2006/compatibility" xmlns:p14="http://schemas.microsoft.com/office/powerpoint/2010/main" xmlns:p15="http://schemas.microsoft.com/office/powerpoint/2012/main" xmlns:ahyp="http://schemas.microsoft.com/office/drawing/2018/hyperlinkcolor">
+<p:sld xmlns:a="http://schemas.openxmlformats.org/drawingml/2006/main" xmlns:r="http://schemas.openxmlformats.org/officeDocument/2006/relationships" xmlns:p="http://schemas.openxmlformats.org/presentationml/2006/main">
   <p:cSld>
     <p:spTree>
       <p:nvGrpSpPr>
-        <p:cNvPr id="53" name="Shape 53"/>
+        <p:cNvPr id="1" name="Shape 53"/>
         <p:cNvGrpSpPr/>
         <p:nvPr/>
       </p:nvGrpSpPr>
@@ -6181,7 +6363,9 @@
       <p:sp>
         <p:nvSpPr>
           <p:cNvPr id="54" name="Google Shape;54;p13"/>
-          <p:cNvSpPr txBox="1"/>
+          <p:cNvSpPr txBox="1">
+            <a:spLocks noGrp="1"/>
+          </p:cNvSpPr>
           <p:nvPr>
             <p:ph type="title"/>
           </p:nvPr>
@@ -6196,12 +6380,12 @@
           </a:prstGeom>
         </p:spPr>
         <p:txBody>
-          <a:bodyPr anchorCtr="0" anchor="t" bIns="91425" lIns="91425" spcFirstLastPara="1" rIns="91425" wrap="square" tIns="91425">
+          <a:bodyPr spcFirstLastPara="1" wrap="square" lIns="91425" tIns="91425" rIns="91425" bIns="91425" anchor="t" anchorCtr="0">
             <a:noAutofit/>
           </a:bodyPr>
           <a:lstStyle/>
           <a:p>
-            <a:pPr indent="0" lvl="0" marL="0" rtl="0" algn="ctr">
+            <a:pPr marL="0" lvl="0" indent="0" algn="ctr" rtl="0">
               <a:spcBef>
                 <a:spcPts val="0"/>
               </a:spcBef>
@@ -6216,7 +6400,7 @@
               <a:buNone/>
             </a:pPr>
             <a:r>
-              <a:rPr b="1" lang="en" sz="1798">
+              <a:rPr lang="en" sz="1798" b="1">
                 <a:latin typeface="Roboto"/>
                 <a:ea typeface="Roboto"/>
                 <a:cs typeface="Roboto"/>
@@ -6224,7 +6408,7 @@
               </a:rPr>
               <a:t>Build an Automated Resignation Behavior Prediction using Machine Learning</a:t>
             </a:r>
-            <a:endParaRPr b="1" sz="1798">
+            <a:endParaRPr sz="1798" b="1">
               <a:latin typeface="Roboto"/>
               <a:ea typeface="Roboto"/>
               <a:cs typeface="Roboto"/>
@@ -6232,7 +6416,7 @@
             </a:endParaRPr>
           </a:p>
           <a:p>
-            <a:pPr indent="0" lvl="0" marL="0" rtl="0" algn="ctr">
+            <a:pPr marL="0" lvl="0" indent="0" algn="ctr" rtl="0">
               <a:spcBef>
                 <a:spcPts val="0"/>
               </a:spcBef>
@@ -6242,10 +6426,7 @@
               <a:buSzPts val="990"/>
               <a:buNone/>
             </a:pPr>
-            <a:r>
-              <a:t/>
-            </a:r>
-            <a:endParaRPr b="1" sz="1798">
+            <a:endParaRPr sz="1798" b="1">
               <a:latin typeface="Roboto"/>
               <a:ea typeface="Roboto"/>
               <a:cs typeface="Roboto"/>
@@ -6254,34 +6435,6 @@
           </a:p>
         </p:txBody>
       </p:sp>
-      <p:pic>
-        <p:nvPicPr>
-          <p:cNvPr id="55" name="Google Shape;55;p13"/>
-          <p:cNvPicPr preferRelativeResize="0"/>
-          <p:nvPr/>
-        </p:nvPicPr>
-        <p:blipFill>
-          <a:blip r:embed="rId3">
-            <a:alphaModFix/>
-          </a:blip>
-          <a:stretch>
-            <a:fillRect/>
-          </a:stretch>
-        </p:blipFill>
-        <p:spPr>
-          <a:xfrm>
-            <a:off x="152400" y="646125"/>
-            <a:ext cx="8839198" cy="2231089"/>
-          </a:xfrm>
-          <a:prstGeom prst="rect">
-            <a:avLst/>
-          </a:prstGeom>
-          <a:noFill/>
-          <a:ln>
-            <a:noFill/>
-          </a:ln>
-        </p:spPr>
-      </p:pic>
       <p:sp>
         <p:nvSpPr>
           <p:cNvPr id="56" name="Google Shape;56;p13"/>
@@ -6290,7 +6443,7 @@
         </p:nvSpPr>
         <p:spPr>
           <a:xfrm>
-            <a:off x="503425" y="3049050"/>
+            <a:off x="540296" y="3750122"/>
             <a:ext cx="8349300" cy="1015800"/>
           </a:xfrm>
           <a:prstGeom prst="rect">
@@ -6302,12 +6455,12 @@
           </a:ln>
         </p:spPr>
         <p:txBody>
-          <a:bodyPr anchorCtr="0" anchor="t" bIns="91425" lIns="91425" spcFirstLastPara="1" rIns="91425" wrap="square" tIns="91425">
+          <a:bodyPr spcFirstLastPara="1" wrap="square" lIns="91425" tIns="91425" rIns="91425" bIns="91425" anchor="t" anchorCtr="0">
             <a:spAutoFit/>
           </a:bodyPr>
           <a:lstStyle/>
           <a:p>
-            <a:pPr indent="0" lvl="0" marL="0" rtl="0" algn="just">
+            <a:pPr marL="0" lvl="0" indent="0" algn="just" rtl="0">
               <a:spcBef>
                 <a:spcPts val="0"/>
               </a:spcBef>
@@ -6317,11 +6470,11 @@
               <a:buNone/>
             </a:pPr>
             <a:r>
-              <a:rPr lang="en" sz="1800"/>
+              <a:rPr lang="en" sz="1800" dirty="0"/>
               <a:t>The encoding feature on the </a:t>
             </a:r>
             <a:r>
-              <a:rPr lang="en" sz="1800">
+              <a:rPr lang="en" sz="1800" dirty="0">
                 <a:solidFill>
                   <a:schemeClr val="accent5"/>
                 </a:solidFill>
@@ -6329,11 +6482,11 @@
               <a:t>JenjangKarir</a:t>
             </a:r>
             <a:r>
-              <a:rPr lang="en" sz="1800"/>
+              <a:rPr lang="en" sz="1800" dirty="0"/>
               <a:t>, </a:t>
             </a:r>
             <a:r>
-              <a:rPr lang="en" sz="1800">
+              <a:rPr lang="en" sz="1800" dirty="0">
                 <a:solidFill>
                   <a:schemeClr val="accent5"/>
                 </a:solidFill>
@@ -6341,11 +6494,11 @@
               <a:t>PerformancePegawai </a:t>
             </a:r>
             <a:r>
-              <a:rPr lang="en" sz="1800"/>
+              <a:rPr lang="en" sz="1800" dirty="0"/>
               <a:t>and </a:t>
             </a:r>
             <a:r>
-              <a:rPr lang="en" sz="1800">
+              <a:rPr lang="en" sz="1800" dirty="0">
                 <a:solidFill>
                   <a:schemeClr val="accent5"/>
                 </a:solidFill>
@@ -6353,11 +6506,11 @@
               <a:t>TingkatPendidikan </a:t>
             </a:r>
             <a:r>
-              <a:rPr lang="en" sz="1800"/>
+              <a:rPr lang="en" sz="1800" dirty="0"/>
               <a:t>columns is done using the </a:t>
             </a:r>
             <a:r>
-              <a:rPr lang="en" sz="1800">
+              <a:rPr lang="en" sz="1800" dirty="0">
                 <a:solidFill>
                   <a:schemeClr val="accent5"/>
                 </a:solidFill>
@@ -6365,11 +6518,11 @@
               <a:t>label encoder method</a:t>
             </a:r>
             <a:r>
-              <a:rPr lang="en" sz="1800"/>
+              <a:rPr lang="en" sz="1800" dirty="0"/>
               <a:t> because all of these columns contain </a:t>
             </a:r>
             <a:r>
-              <a:rPr lang="en" sz="1800">
+              <a:rPr lang="en" sz="1800" dirty="0">
                 <a:solidFill>
                   <a:schemeClr val="accent5"/>
                 </a:solidFill>
@@ -6377,13 +6530,37 @@
               <a:t>ordinal values </a:t>
             </a:r>
             <a:r>
-              <a:rPr lang="en" sz="1800"/>
+              <a:rPr lang="en" sz="1800" dirty="0"/>
               <a:t>(have an order).</a:t>
             </a:r>
-            <a:endParaRPr sz="1800"/>
+            <a:endParaRPr sz="1800" dirty="0"/>
           </a:p>
         </p:txBody>
       </p:sp>
+      <p:pic>
+        <p:nvPicPr>
+          <p:cNvPr id="2" name="Picture 1"/>
+          <p:cNvPicPr>
+            <a:picLocks noChangeAspect="1"/>
+          </p:cNvPicPr>
+          <p:nvPr/>
+        </p:nvPicPr>
+        <p:blipFill>
+          <a:blip r:embed="rId3"/>
+          <a:stretch>
+            <a:fillRect/>
+          </a:stretch>
+        </p:blipFill>
+        <p:spPr>
+          <a:xfrm>
+            <a:off x="864226" y="572444"/>
+            <a:ext cx="7518786" cy="3098959"/>
+          </a:xfrm>
+          <a:prstGeom prst="rect">
+            <a:avLst/>
+          </a:prstGeom>
+        </p:spPr>
+      </p:pic>
     </p:spTree>
   </p:cSld>
   <p:clrMapOvr>
@@ -6393,11 +6570,11 @@
 </file>
 
 <file path=ppt/slides/slide2.xml><?xml version="1.0" encoding="utf-8"?>
-<p:sld xmlns:a="http://schemas.openxmlformats.org/drawingml/2006/main" xmlns:r="http://schemas.openxmlformats.org/officeDocument/2006/relationships" xmlns:mc="http://schemas.openxmlformats.org/markup-compatibility/2006" xmlns:mv="urn:schemas-microsoft-com:mac:vml" xmlns:p="http://schemas.openxmlformats.org/presentationml/2006/main" xmlns:c="http://schemas.openxmlformats.org/drawingml/2006/chart" xmlns:dgm="http://schemas.openxmlformats.org/drawingml/2006/diagram" xmlns:o="urn:schemas-microsoft-com:office:office" xmlns:v="urn:schemas-microsoft-com:vml" xmlns:pvml="urn:schemas-microsoft-com:office:powerpoint" xmlns:com="http://schemas.openxmlformats.org/drawingml/2006/compatibility" xmlns:p14="http://schemas.microsoft.com/office/powerpoint/2010/main" xmlns:p15="http://schemas.microsoft.com/office/powerpoint/2012/main" xmlns:ahyp="http://schemas.microsoft.com/office/drawing/2018/hyperlinkcolor">
+<p:sld xmlns:a="http://schemas.openxmlformats.org/drawingml/2006/main" xmlns:r="http://schemas.openxmlformats.org/officeDocument/2006/relationships" xmlns:p="http://schemas.openxmlformats.org/presentationml/2006/main">
   <p:cSld>
     <p:spTree>
       <p:nvGrpSpPr>
-        <p:cNvPr id="60" name="Shape 60"/>
+        <p:cNvPr id="1" name="Shape 60"/>
         <p:cNvGrpSpPr/>
         <p:nvPr/>
       </p:nvGrpSpPr>
@@ -6412,7 +6589,9 @@
       <p:sp>
         <p:nvSpPr>
           <p:cNvPr id="61" name="Google Shape;61;p14"/>
-          <p:cNvSpPr txBox="1"/>
+          <p:cNvSpPr txBox="1">
+            <a:spLocks noGrp="1"/>
+          </p:cNvSpPr>
           <p:nvPr>
             <p:ph type="title"/>
           </p:nvPr>
@@ -6427,12 +6606,12 @@
           </a:prstGeom>
         </p:spPr>
         <p:txBody>
-          <a:bodyPr anchorCtr="0" anchor="t" bIns="91425" lIns="91425" spcFirstLastPara="1" rIns="91425" wrap="square" tIns="91425">
+          <a:bodyPr spcFirstLastPara="1" wrap="square" lIns="91425" tIns="91425" rIns="91425" bIns="91425" anchor="t" anchorCtr="0">
             <a:noAutofit/>
           </a:bodyPr>
           <a:lstStyle/>
           <a:p>
-            <a:pPr indent="0" lvl="0" marL="0" rtl="0" algn="ctr">
+            <a:pPr marL="0" lvl="0" indent="0" algn="ctr" rtl="0">
               <a:spcBef>
                 <a:spcPts val="0"/>
               </a:spcBef>
@@ -6447,7 +6626,7 @@
               <a:buNone/>
             </a:pPr>
             <a:r>
-              <a:rPr b="1" lang="en" sz="1798">
+              <a:rPr lang="en" sz="1798" b="1">
                 <a:latin typeface="Roboto"/>
                 <a:ea typeface="Roboto"/>
                 <a:cs typeface="Roboto"/>
@@ -6455,7 +6634,7 @@
               </a:rPr>
               <a:t>Build an Automated Resignation Behavior Prediction using Machine Learning</a:t>
             </a:r>
-            <a:endParaRPr b="1" sz="1798">
+            <a:endParaRPr sz="1798" b="1">
               <a:latin typeface="Roboto"/>
               <a:ea typeface="Roboto"/>
               <a:cs typeface="Roboto"/>
@@ -6463,7 +6642,7 @@
             </a:endParaRPr>
           </a:p>
           <a:p>
-            <a:pPr indent="0" lvl="0" marL="0" rtl="0" algn="ctr">
+            <a:pPr marL="0" lvl="0" indent="0" algn="ctr" rtl="0">
               <a:spcBef>
                 <a:spcPts val="0"/>
               </a:spcBef>
@@ -6473,10 +6652,7 @@
               <a:buSzPts val="990"/>
               <a:buNone/>
             </a:pPr>
-            <a:r>
-              <a:t/>
-            </a:r>
-            <a:endParaRPr b="1" sz="1798">
+            <a:endParaRPr sz="1798" b="1">
               <a:latin typeface="Roboto"/>
               <a:ea typeface="Roboto"/>
               <a:cs typeface="Roboto"/>
@@ -6505,12 +6681,12 @@
           </a:ln>
         </p:spPr>
         <p:txBody>
-          <a:bodyPr anchorCtr="0" anchor="t" bIns="91425" lIns="91425" spcFirstLastPara="1" rIns="91425" wrap="square" tIns="91425">
+          <a:bodyPr spcFirstLastPara="1" wrap="square" lIns="91425" tIns="91425" rIns="91425" bIns="91425" anchor="t" anchorCtr="0">
             <a:spAutoFit/>
           </a:bodyPr>
           <a:lstStyle/>
           <a:p>
-            <a:pPr indent="0" lvl="0" marL="0" rtl="0" algn="just">
+            <a:pPr marL="0" lvl="0" indent="0" algn="just" rtl="0">
               <a:spcBef>
                 <a:spcPts val="0"/>
               </a:spcBef>
@@ -6520,35 +6696,23 @@
               <a:buNone/>
             </a:pPr>
             <a:r>
-              <a:rPr lang="en" sz="1800"/>
+              <a:rPr lang="en" sz="1800" dirty="0"/>
               <a:t>While for the </a:t>
             </a:r>
             <a:r>
-              <a:rPr lang="en" sz="1800">
+              <a:rPr lang="en" sz="1800" dirty="0" smtClean="0">
                 <a:solidFill>
                   <a:schemeClr val="accent5"/>
                 </a:solidFill>
               </a:rPr>
-              <a:t>Pekerjaan </a:t>
+              <a:t>Pekerjaan, AsalDaerah, StatusKepegawaian, StatusPernikahan, HiringPlatform </a:t>
             </a:r>
             <a:r>
-              <a:rPr lang="en" sz="1800"/>
-              <a:t>and </a:t>
-            </a:r>
-            <a:r>
-              <a:rPr lang="en" sz="1800">
-                <a:solidFill>
-                  <a:schemeClr val="accent5"/>
-                </a:solidFill>
-              </a:rPr>
-              <a:t>AlasanResign </a:t>
-            </a:r>
-            <a:r>
-              <a:rPr lang="en" sz="1800"/>
+              <a:rPr lang="en" sz="1800" dirty="0"/>
               <a:t>columns, encoding is done using the </a:t>
             </a:r>
             <a:r>
-              <a:rPr lang="en" sz="1800">
+              <a:rPr lang="en" sz="1800" dirty="0">
                 <a:solidFill>
                   <a:schemeClr val="accent5"/>
                 </a:solidFill>
@@ -6556,11 +6720,11 @@
               <a:t>one hot encoding </a:t>
             </a:r>
             <a:r>
-              <a:rPr lang="en" sz="1800"/>
+              <a:rPr lang="en" sz="1800" dirty="0"/>
               <a:t>method so that each value of the column has the </a:t>
             </a:r>
             <a:r>
-              <a:rPr lang="en" sz="1800">
+              <a:rPr lang="en" sz="1800" dirty="0">
                 <a:solidFill>
                   <a:schemeClr val="accent5"/>
                 </a:solidFill>
@@ -6568,39 +6732,35 @@
               <a:t>same value </a:t>
             </a:r>
             <a:r>
-              <a:rPr lang="en" sz="1800"/>
+              <a:rPr lang="en" sz="1800" dirty="0"/>
               <a:t>when training the model.</a:t>
             </a:r>
-            <a:endParaRPr sz="1800"/>
+            <a:endParaRPr sz="1800" dirty="0"/>
           </a:p>
         </p:txBody>
       </p:sp>
       <p:pic>
         <p:nvPicPr>
-          <p:cNvPr id="63" name="Google Shape;63;p14"/>
-          <p:cNvPicPr preferRelativeResize="0"/>
+          <p:cNvPr id="2" name="Picture 1"/>
+          <p:cNvPicPr>
+            <a:picLocks noChangeAspect="1"/>
+          </p:cNvPicPr>
           <p:nvPr/>
         </p:nvPicPr>
         <p:blipFill>
-          <a:blip r:embed="rId3">
-            <a:alphaModFix/>
-          </a:blip>
+          <a:blip r:embed="rId3"/>
           <a:stretch>
             <a:fillRect/>
           </a:stretch>
         </p:blipFill>
         <p:spPr>
           <a:xfrm>
-            <a:off x="1353850" y="628375"/>
-            <a:ext cx="6648450" cy="2286000"/>
+            <a:off x="801137" y="828632"/>
+            <a:ext cx="7467984" cy="1657435"/>
           </a:xfrm>
           <a:prstGeom prst="rect">
             <a:avLst/>
           </a:prstGeom>
-          <a:noFill/>
-          <a:ln>
-            <a:noFill/>
-          </a:ln>
         </p:spPr>
       </p:pic>
     </p:spTree>
@@ -6612,11 +6772,11 @@
 </file>
 
 <file path=ppt/slides/slide3.xml><?xml version="1.0" encoding="utf-8"?>
-<p:sld xmlns:a="http://schemas.openxmlformats.org/drawingml/2006/main" xmlns:r="http://schemas.openxmlformats.org/officeDocument/2006/relationships" xmlns:mc="http://schemas.openxmlformats.org/markup-compatibility/2006" xmlns:mv="urn:schemas-microsoft-com:mac:vml" xmlns:p="http://schemas.openxmlformats.org/presentationml/2006/main" xmlns:c="http://schemas.openxmlformats.org/drawingml/2006/chart" xmlns:dgm="http://schemas.openxmlformats.org/drawingml/2006/diagram" xmlns:o="urn:schemas-microsoft-com:office:office" xmlns:v="urn:schemas-microsoft-com:vml" xmlns:pvml="urn:schemas-microsoft-com:office:powerpoint" xmlns:com="http://schemas.openxmlformats.org/drawingml/2006/compatibility" xmlns:p14="http://schemas.microsoft.com/office/powerpoint/2010/main" xmlns:p15="http://schemas.microsoft.com/office/powerpoint/2012/main" xmlns:ahyp="http://schemas.microsoft.com/office/drawing/2018/hyperlinkcolor">
+<p:sld xmlns:a="http://schemas.openxmlformats.org/drawingml/2006/main" xmlns:r="http://schemas.openxmlformats.org/officeDocument/2006/relationships" xmlns:p="http://schemas.openxmlformats.org/presentationml/2006/main">
   <p:cSld>
     <p:spTree>
       <p:nvGrpSpPr>
-        <p:cNvPr id="67" name="Shape 67"/>
+        <p:cNvPr id="1" name="Shape 67"/>
         <p:cNvGrpSpPr/>
         <p:nvPr/>
       </p:nvGrpSpPr>
@@ -6631,7 +6791,9 @@
       <p:sp>
         <p:nvSpPr>
           <p:cNvPr id="68" name="Google Shape;68;p15"/>
-          <p:cNvSpPr txBox="1"/>
+          <p:cNvSpPr txBox="1">
+            <a:spLocks noGrp="1"/>
+          </p:cNvSpPr>
           <p:nvPr>
             <p:ph type="title"/>
           </p:nvPr>
@@ -6646,12 +6808,12 @@
           </a:prstGeom>
         </p:spPr>
         <p:txBody>
-          <a:bodyPr anchorCtr="0" anchor="t" bIns="91425" lIns="91425" spcFirstLastPara="1" rIns="91425" wrap="square" tIns="91425">
+          <a:bodyPr spcFirstLastPara="1" wrap="square" lIns="91425" tIns="91425" rIns="91425" bIns="91425" anchor="t" anchorCtr="0">
             <a:noAutofit/>
           </a:bodyPr>
           <a:lstStyle/>
           <a:p>
-            <a:pPr indent="0" lvl="0" marL="0" rtl="0" algn="ctr">
+            <a:pPr marL="0" lvl="0" indent="0" algn="ctr" rtl="0">
               <a:spcBef>
                 <a:spcPts val="0"/>
               </a:spcBef>
@@ -6666,7 +6828,7 @@
               <a:buNone/>
             </a:pPr>
             <a:r>
-              <a:rPr b="1" lang="en" sz="1798">
+              <a:rPr lang="en" sz="1798" b="1">
                 <a:latin typeface="Roboto"/>
                 <a:ea typeface="Roboto"/>
                 <a:cs typeface="Roboto"/>
@@ -6674,7 +6836,7 @@
               </a:rPr>
               <a:t>Build an Automated Resignation Behavior Prediction using Machine Learning</a:t>
             </a:r>
-            <a:endParaRPr b="1" sz="1798">
+            <a:endParaRPr sz="1798" b="1">
               <a:latin typeface="Roboto"/>
               <a:ea typeface="Roboto"/>
               <a:cs typeface="Roboto"/>
@@ -6682,7 +6844,7 @@
             </a:endParaRPr>
           </a:p>
           <a:p>
-            <a:pPr indent="0" lvl="0" marL="0" rtl="0" algn="ctr">
+            <a:pPr marL="0" lvl="0" indent="0" algn="ctr" rtl="0">
               <a:spcBef>
                 <a:spcPts val="0"/>
               </a:spcBef>
@@ -6692,10 +6854,7 @@
               <a:buSzPts val="990"/>
               <a:buNone/>
             </a:pPr>
-            <a:r>
-              <a:t/>
-            </a:r>
-            <a:endParaRPr b="1" sz="1798">
+            <a:endParaRPr sz="1798" b="1">
               <a:latin typeface="Roboto"/>
               <a:ea typeface="Roboto"/>
               <a:cs typeface="Roboto"/>
@@ -6752,12 +6911,12 @@
           </a:ln>
         </p:spPr>
         <p:txBody>
-          <a:bodyPr anchorCtr="0" anchor="t" bIns="91425" lIns="91425" spcFirstLastPara="1" rIns="91425" wrap="square" tIns="91425">
+          <a:bodyPr spcFirstLastPara="1" wrap="square" lIns="91425" tIns="91425" rIns="91425" bIns="91425" anchor="t" anchorCtr="0">
             <a:spAutoFit/>
           </a:bodyPr>
           <a:lstStyle/>
           <a:p>
-            <a:pPr indent="0" lvl="0" marL="0" rtl="0" algn="just">
+            <a:pPr marL="0" lvl="0" indent="0" algn="just" rtl="0">
               <a:spcBef>
                 <a:spcPts val="0"/>
               </a:spcBef>
@@ -6879,11 +7038,11 @@
 </file>
 
 <file path=ppt/slides/slide4.xml><?xml version="1.0" encoding="utf-8"?>
-<p:sld xmlns:a="http://schemas.openxmlformats.org/drawingml/2006/main" xmlns:r="http://schemas.openxmlformats.org/officeDocument/2006/relationships" xmlns:mc="http://schemas.openxmlformats.org/markup-compatibility/2006" xmlns:mv="urn:schemas-microsoft-com:mac:vml" xmlns:p="http://schemas.openxmlformats.org/presentationml/2006/main" xmlns:c="http://schemas.openxmlformats.org/drawingml/2006/chart" xmlns:dgm="http://schemas.openxmlformats.org/drawingml/2006/diagram" xmlns:o="urn:schemas-microsoft-com:office:office" xmlns:v="urn:schemas-microsoft-com:vml" xmlns:pvml="urn:schemas-microsoft-com:office:powerpoint" xmlns:com="http://schemas.openxmlformats.org/drawingml/2006/compatibility" xmlns:p14="http://schemas.microsoft.com/office/powerpoint/2010/main" xmlns:p15="http://schemas.microsoft.com/office/powerpoint/2012/main" xmlns:ahyp="http://schemas.microsoft.com/office/drawing/2018/hyperlinkcolor">
+<p:sld xmlns:a="http://schemas.openxmlformats.org/drawingml/2006/main" xmlns:r="http://schemas.openxmlformats.org/officeDocument/2006/relationships" xmlns:p="http://schemas.openxmlformats.org/presentationml/2006/main">
   <p:cSld>
     <p:spTree>
       <p:nvGrpSpPr>
-        <p:cNvPr id="74" name="Shape 74"/>
+        <p:cNvPr id="1" name="Shape 74"/>
         <p:cNvGrpSpPr/>
         <p:nvPr/>
       </p:nvGrpSpPr>
@@ -6926,7 +7085,9 @@
       <p:sp>
         <p:nvSpPr>
           <p:cNvPr id="76" name="Google Shape;76;p16"/>
-          <p:cNvSpPr txBox="1"/>
+          <p:cNvSpPr txBox="1">
+            <a:spLocks noGrp="1"/>
+          </p:cNvSpPr>
           <p:nvPr>
             <p:ph type="title"/>
           </p:nvPr>
@@ -6941,12 +7102,12 @@
           </a:prstGeom>
         </p:spPr>
         <p:txBody>
-          <a:bodyPr anchorCtr="0" anchor="t" bIns="91425" lIns="91425" spcFirstLastPara="1" rIns="91425" wrap="square" tIns="91425">
+          <a:bodyPr spcFirstLastPara="1" wrap="square" lIns="91425" tIns="91425" rIns="91425" bIns="91425" anchor="t" anchorCtr="0">
             <a:noAutofit/>
           </a:bodyPr>
           <a:lstStyle/>
           <a:p>
-            <a:pPr indent="0" lvl="0" marL="0" rtl="0" algn="ctr">
+            <a:pPr marL="0" lvl="0" indent="0" algn="ctr" rtl="0">
               <a:spcBef>
                 <a:spcPts val="0"/>
               </a:spcBef>
@@ -6961,7 +7122,7 @@
               <a:buNone/>
             </a:pPr>
             <a:r>
-              <a:rPr b="1" lang="en" sz="1798">
+              <a:rPr lang="en" sz="1798" b="1">
                 <a:latin typeface="Roboto"/>
                 <a:ea typeface="Roboto"/>
                 <a:cs typeface="Roboto"/>
@@ -6969,7 +7130,7 @@
               </a:rPr>
               <a:t>Build an Automated Resignation Behavior Prediction using Machine Learning</a:t>
             </a:r>
-            <a:endParaRPr b="1" sz="1798">
+            <a:endParaRPr sz="1798" b="1">
               <a:latin typeface="Roboto"/>
               <a:ea typeface="Roboto"/>
               <a:cs typeface="Roboto"/>
@@ -6977,7 +7138,7 @@
             </a:endParaRPr>
           </a:p>
           <a:p>
-            <a:pPr indent="0" lvl="0" marL="0" rtl="0" algn="ctr">
+            <a:pPr marL="0" lvl="0" indent="0" algn="ctr" rtl="0">
               <a:spcBef>
                 <a:spcPts val="0"/>
               </a:spcBef>
@@ -6987,10 +7148,7 @@
               <a:buSzPts val="990"/>
               <a:buNone/>
             </a:pPr>
-            <a:r>
-              <a:t/>
-            </a:r>
-            <a:endParaRPr b="1" sz="1798">
+            <a:endParaRPr sz="1798" b="1">
               <a:latin typeface="Roboto"/>
               <a:ea typeface="Roboto"/>
               <a:cs typeface="Roboto"/>
@@ -7019,12 +7177,12 @@
           </a:ln>
         </p:spPr>
         <p:txBody>
-          <a:bodyPr anchorCtr="0" anchor="t" bIns="91425" lIns="91425" spcFirstLastPara="1" rIns="91425" wrap="square" tIns="91425">
+          <a:bodyPr spcFirstLastPara="1" wrap="square" lIns="91425" tIns="91425" rIns="91425" bIns="91425" anchor="t" anchorCtr="0">
             <a:spAutoFit/>
           </a:bodyPr>
           <a:lstStyle/>
           <a:p>
-            <a:pPr indent="0" lvl="0" marL="0" rtl="0" algn="just">
+            <a:pPr marL="0" lvl="0" indent="0" algn="just" rtl="0">
               <a:spcBef>
                 <a:spcPts val="0"/>
               </a:spcBef>
@@ -7110,11 +7268,11 @@
 </file>
 
 <file path=ppt/slides/slide5.xml><?xml version="1.0" encoding="utf-8"?>
-<p:sld xmlns:a="http://schemas.openxmlformats.org/drawingml/2006/main" xmlns:r="http://schemas.openxmlformats.org/officeDocument/2006/relationships" xmlns:mc="http://schemas.openxmlformats.org/markup-compatibility/2006" xmlns:mv="urn:schemas-microsoft-com:mac:vml" xmlns:p="http://schemas.openxmlformats.org/presentationml/2006/main" xmlns:c="http://schemas.openxmlformats.org/drawingml/2006/chart" xmlns:dgm="http://schemas.openxmlformats.org/drawingml/2006/diagram" xmlns:o="urn:schemas-microsoft-com:office:office" xmlns:v="urn:schemas-microsoft-com:vml" xmlns:pvml="urn:schemas-microsoft-com:office:powerpoint" xmlns:com="http://schemas.openxmlformats.org/drawingml/2006/compatibility" xmlns:p14="http://schemas.microsoft.com/office/powerpoint/2010/main" xmlns:p15="http://schemas.microsoft.com/office/powerpoint/2012/main" xmlns:ahyp="http://schemas.microsoft.com/office/drawing/2018/hyperlinkcolor">
+<p:sld xmlns:a="http://schemas.openxmlformats.org/drawingml/2006/main" xmlns:r="http://schemas.openxmlformats.org/officeDocument/2006/relationships" xmlns:p="http://schemas.openxmlformats.org/presentationml/2006/main">
   <p:cSld>
     <p:spTree>
       <p:nvGrpSpPr>
-        <p:cNvPr id="81" name="Shape 81"/>
+        <p:cNvPr id="1" name="Shape 81"/>
         <p:cNvGrpSpPr/>
         <p:nvPr/>
       </p:nvGrpSpPr>
@@ -7129,7 +7287,9 @@
       <p:sp>
         <p:nvSpPr>
           <p:cNvPr id="82" name="Google Shape;82;p17"/>
-          <p:cNvSpPr txBox="1"/>
+          <p:cNvSpPr txBox="1">
+            <a:spLocks noGrp="1"/>
+          </p:cNvSpPr>
           <p:nvPr>
             <p:ph type="title"/>
           </p:nvPr>
@@ -7144,12 +7304,12 @@
           </a:prstGeom>
         </p:spPr>
         <p:txBody>
-          <a:bodyPr anchorCtr="0" anchor="t" bIns="91425" lIns="91425" spcFirstLastPara="1" rIns="91425" wrap="square" tIns="91425">
+          <a:bodyPr spcFirstLastPara="1" wrap="square" lIns="91425" tIns="91425" rIns="91425" bIns="91425" anchor="t" anchorCtr="0">
             <a:noAutofit/>
           </a:bodyPr>
           <a:lstStyle/>
           <a:p>
-            <a:pPr indent="0" lvl="0" marL="0" rtl="0" algn="ctr">
+            <a:pPr marL="0" lvl="0" indent="0" algn="ctr" rtl="0">
               <a:spcBef>
                 <a:spcPts val="0"/>
               </a:spcBef>
@@ -7164,7 +7324,7 @@
               <a:buNone/>
             </a:pPr>
             <a:r>
-              <a:rPr b="1" lang="en" sz="1798">
+              <a:rPr lang="en" sz="1798" b="1">
                 <a:latin typeface="Roboto"/>
                 <a:ea typeface="Roboto"/>
                 <a:cs typeface="Roboto"/>
@@ -7172,7 +7332,7 @@
               </a:rPr>
               <a:t>Build an Automated Resignation Behavior Prediction using Machine Learning</a:t>
             </a:r>
-            <a:endParaRPr b="1" sz="1798">
+            <a:endParaRPr sz="1798" b="1">
               <a:latin typeface="Roboto"/>
               <a:ea typeface="Roboto"/>
               <a:cs typeface="Roboto"/>
@@ -7180,7 +7340,7 @@
             </a:endParaRPr>
           </a:p>
           <a:p>
-            <a:pPr indent="0" lvl="0" marL="0" rtl="0" algn="ctr">
+            <a:pPr marL="0" lvl="0" indent="0" algn="ctr" rtl="0">
               <a:spcBef>
                 <a:spcPts val="0"/>
               </a:spcBef>
@@ -7190,10 +7350,7 @@
               <a:buSzPts val="990"/>
               <a:buNone/>
             </a:pPr>
-            <a:r>
-              <a:t/>
-            </a:r>
-            <a:endParaRPr b="1" sz="1798">
+            <a:endParaRPr sz="1798" b="1">
               <a:latin typeface="Roboto"/>
               <a:ea typeface="Roboto"/>
               <a:cs typeface="Roboto"/>
@@ -7222,12 +7379,12 @@
           </a:ln>
         </p:spPr>
         <p:txBody>
-          <a:bodyPr anchorCtr="0" anchor="t" bIns="91425" lIns="91425" spcFirstLastPara="1" rIns="91425" wrap="square" tIns="91425">
+          <a:bodyPr spcFirstLastPara="1" wrap="square" lIns="91425" tIns="91425" rIns="91425" bIns="91425" anchor="t" anchorCtr="0">
             <a:spAutoFit/>
           </a:bodyPr>
           <a:lstStyle/>
           <a:p>
-            <a:pPr indent="0" lvl="0" marL="0" rtl="0" algn="just">
+            <a:pPr marL="0" lvl="0" indent="0" algn="just" rtl="0">
               <a:spcBef>
                 <a:spcPts val="0"/>
               </a:spcBef>
@@ -7237,11 +7394,11 @@
               <a:buNone/>
             </a:pPr>
             <a:r>
-              <a:rPr lang="en" sz="1800"/>
+              <a:rPr lang="en" sz="1800" dirty="0"/>
               <a:t>The model was trained using </a:t>
             </a:r>
             <a:r>
-              <a:rPr lang="en" sz="1800">
+              <a:rPr lang="en" sz="1800" dirty="0">
                 <a:solidFill>
                   <a:schemeClr val="accent5"/>
                 </a:solidFill>
@@ -7249,23 +7406,23 @@
               <a:t>several algorithms </a:t>
             </a:r>
             <a:r>
-              <a:rPr lang="en" sz="1800"/>
+              <a:rPr lang="en" sz="1800" dirty="0"/>
               <a:t>namely logistic regression, KNN, Decision Tree, Random Forest, Naive Bayes and XGBoost. However, </a:t>
             </a:r>
             <a:r>
-              <a:rPr lang="en" sz="1800">
+              <a:rPr lang="en" sz="1800" dirty="0" smtClean="0">
                 <a:solidFill>
                   <a:schemeClr val="accent5"/>
                 </a:solidFill>
               </a:rPr>
-              <a:t>Decision Tree </a:t>
+              <a:t>Random forest </a:t>
             </a:r>
             <a:r>
-              <a:rPr lang="en" sz="1800"/>
+              <a:rPr lang="en" sz="1800" dirty="0"/>
               <a:t>was chosen as the best model because of the best </a:t>
             </a:r>
             <a:r>
-              <a:rPr lang="en" sz="1800">
+              <a:rPr lang="en" sz="1800" dirty="0">
                 <a:solidFill>
                   <a:schemeClr val="accent5"/>
                 </a:solidFill>
@@ -7273,39 +7430,35 @@
               <a:t>overall score</a:t>
             </a:r>
             <a:r>
-              <a:rPr lang="en" sz="1800"/>
+              <a:rPr lang="en" sz="1800" dirty="0"/>
               <a:t>. </a:t>
             </a:r>
-            <a:endParaRPr sz="1800"/>
+            <a:endParaRPr sz="1800" dirty="0"/>
           </a:p>
         </p:txBody>
       </p:sp>
       <p:pic>
         <p:nvPicPr>
-          <p:cNvPr id="84" name="Google Shape;84;p17"/>
-          <p:cNvPicPr preferRelativeResize="0"/>
+          <p:cNvPr id="2" name="Picture 1"/>
+          <p:cNvPicPr>
+            <a:picLocks noChangeAspect="1"/>
+          </p:cNvPicPr>
           <p:nvPr/>
         </p:nvPicPr>
         <p:blipFill>
-          <a:blip r:embed="rId3">
-            <a:alphaModFix/>
-          </a:blip>
+          <a:blip r:embed="rId3"/>
           <a:stretch>
             <a:fillRect/>
           </a:stretch>
         </p:blipFill>
         <p:spPr>
           <a:xfrm>
-            <a:off x="2569400" y="646125"/>
-            <a:ext cx="4005210" cy="2207650"/>
+            <a:off x="2330335" y="656554"/>
+            <a:ext cx="4483330" cy="2349621"/>
           </a:xfrm>
           <a:prstGeom prst="rect">
             <a:avLst/>
           </a:prstGeom>
-          <a:noFill/>
-          <a:ln>
-            <a:noFill/>
-          </a:ln>
         </p:spPr>
       </p:pic>
     </p:spTree>
@@ -7317,11 +7470,11 @@
 </file>
 
 <file path=ppt/slides/slide6.xml><?xml version="1.0" encoding="utf-8"?>
-<p:sld xmlns:a="http://schemas.openxmlformats.org/drawingml/2006/main" xmlns:r="http://schemas.openxmlformats.org/officeDocument/2006/relationships" xmlns:mc="http://schemas.openxmlformats.org/markup-compatibility/2006" xmlns:mv="urn:schemas-microsoft-com:mac:vml" xmlns:p="http://schemas.openxmlformats.org/presentationml/2006/main" xmlns:c="http://schemas.openxmlformats.org/drawingml/2006/chart" xmlns:dgm="http://schemas.openxmlformats.org/drawingml/2006/diagram" xmlns:o="urn:schemas-microsoft-com:office:office" xmlns:v="urn:schemas-microsoft-com:vml" xmlns:pvml="urn:schemas-microsoft-com:office:powerpoint" xmlns:com="http://schemas.openxmlformats.org/drawingml/2006/compatibility" xmlns:p14="http://schemas.microsoft.com/office/powerpoint/2010/main" xmlns:p15="http://schemas.microsoft.com/office/powerpoint/2012/main" xmlns:ahyp="http://schemas.microsoft.com/office/drawing/2018/hyperlinkcolor">
+<p:sld xmlns:a="http://schemas.openxmlformats.org/drawingml/2006/main" xmlns:r="http://schemas.openxmlformats.org/officeDocument/2006/relationships" xmlns:p="http://schemas.openxmlformats.org/presentationml/2006/main">
   <p:cSld>
     <p:spTree>
       <p:nvGrpSpPr>
-        <p:cNvPr id="88" name="Shape 88"/>
+        <p:cNvPr id="1" name="Shape 88"/>
         <p:cNvGrpSpPr/>
         <p:nvPr/>
       </p:nvGrpSpPr>
@@ -7336,7 +7489,9 @@
       <p:sp>
         <p:nvSpPr>
           <p:cNvPr id="89" name="Google Shape;89;p18"/>
-          <p:cNvSpPr txBox="1"/>
+          <p:cNvSpPr txBox="1">
+            <a:spLocks noGrp="1"/>
+          </p:cNvSpPr>
           <p:nvPr>
             <p:ph type="title"/>
           </p:nvPr>
@@ -7351,12 +7506,12 @@
           </a:prstGeom>
         </p:spPr>
         <p:txBody>
-          <a:bodyPr anchorCtr="0" anchor="t" bIns="91425" lIns="91425" spcFirstLastPara="1" rIns="91425" wrap="square" tIns="91425">
+          <a:bodyPr spcFirstLastPara="1" wrap="square" lIns="91425" tIns="91425" rIns="91425" bIns="91425" anchor="t" anchorCtr="0">
             <a:noAutofit/>
           </a:bodyPr>
           <a:lstStyle/>
           <a:p>
-            <a:pPr indent="0" lvl="0" marL="0" rtl="0" algn="ctr">
+            <a:pPr marL="0" lvl="0" indent="0" algn="ctr" rtl="0">
               <a:spcBef>
                 <a:spcPts val="0"/>
               </a:spcBef>
@@ -7371,7 +7526,7 @@
               <a:buNone/>
             </a:pPr>
             <a:r>
-              <a:rPr b="1" lang="en" sz="1798">
+              <a:rPr lang="en" sz="1798" b="1">
                 <a:latin typeface="Roboto"/>
                 <a:ea typeface="Roboto"/>
                 <a:cs typeface="Roboto"/>
@@ -7379,7 +7534,7 @@
               </a:rPr>
               <a:t>Build an Automated Resignation Behavior Prediction using Machine Learning</a:t>
             </a:r>
-            <a:endParaRPr b="1" sz="1798">
+            <a:endParaRPr sz="1798" b="1">
               <a:latin typeface="Roboto"/>
               <a:ea typeface="Roboto"/>
               <a:cs typeface="Roboto"/>
@@ -7387,7 +7542,7 @@
             </a:endParaRPr>
           </a:p>
           <a:p>
-            <a:pPr indent="0" lvl="0" marL="0" rtl="0" algn="ctr">
+            <a:pPr marL="0" lvl="0" indent="0" algn="ctr" rtl="0">
               <a:spcBef>
                 <a:spcPts val="0"/>
               </a:spcBef>
@@ -7397,10 +7552,7 @@
               <a:buSzPts val="990"/>
               <a:buNone/>
             </a:pPr>
-            <a:r>
-              <a:t/>
-            </a:r>
-            <a:endParaRPr b="1" sz="1798">
+            <a:endParaRPr sz="1798" b="1">
               <a:latin typeface="Roboto"/>
               <a:ea typeface="Roboto"/>
               <a:cs typeface="Roboto"/>
@@ -7409,34 +7561,6 @@
           </a:p>
         </p:txBody>
       </p:sp>
-      <p:pic>
-        <p:nvPicPr>
-          <p:cNvPr id="90" name="Google Shape;90;p18"/>
-          <p:cNvPicPr preferRelativeResize="0"/>
-          <p:nvPr/>
-        </p:nvPicPr>
-        <p:blipFill>
-          <a:blip r:embed="rId3">
-            <a:alphaModFix/>
-          </a:blip>
-          <a:stretch>
-            <a:fillRect/>
-          </a:stretch>
-        </p:blipFill>
-        <p:spPr>
-          <a:xfrm>
-            <a:off x="152400" y="646125"/>
-            <a:ext cx="3905250" cy="3228975"/>
-          </a:xfrm>
-          <a:prstGeom prst="rect">
-            <a:avLst/>
-          </a:prstGeom>
-          <a:noFill/>
-          <a:ln>
-            <a:noFill/>
-          </a:ln>
-        </p:spPr>
-      </p:pic>
       <p:sp>
         <p:nvSpPr>
           <p:cNvPr id="91" name="Google Shape;91;p18"/>
@@ -7457,12 +7581,12 @@
           </a:ln>
         </p:spPr>
         <p:txBody>
-          <a:bodyPr anchorCtr="0" anchor="t" bIns="91425" lIns="91425" spcFirstLastPara="1" rIns="91425" wrap="square" tIns="91425">
+          <a:bodyPr spcFirstLastPara="1" wrap="square" lIns="91425" tIns="91425" rIns="91425" bIns="91425" anchor="t" anchorCtr="0">
             <a:spAutoFit/>
           </a:bodyPr>
           <a:lstStyle/>
           <a:p>
-            <a:pPr indent="0" lvl="0" marL="0" rtl="0" algn="l">
+            <a:pPr marL="0" lvl="0" indent="0" algn="l" rtl="0">
               <a:spcBef>
                 <a:spcPts val="0"/>
               </a:spcBef>
@@ -7471,9 +7595,6 @@
               </a:spcAft>
               <a:buNone/>
             </a:pPr>
-            <a:r>
-              <a:t/>
-            </a:r>
             <a:endParaRPr/>
           </a:p>
         </p:txBody>
@@ -7498,12 +7619,12 @@
           </a:ln>
         </p:spPr>
         <p:txBody>
-          <a:bodyPr anchorCtr="0" anchor="t" bIns="91425" lIns="91425" spcFirstLastPara="1" rIns="91425" wrap="square" tIns="91425">
+          <a:bodyPr spcFirstLastPara="1" wrap="square" lIns="91425" tIns="91425" rIns="91425" bIns="91425" anchor="t" anchorCtr="0">
             <a:spAutoFit/>
           </a:bodyPr>
           <a:lstStyle/>
           <a:p>
-            <a:pPr indent="0" lvl="0" marL="0" rtl="0" algn="just">
+            <a:pPr marL="0" lvl="0" indent="0" algn="just" rtl="0">
               <a:spcBef>
                 <a:spcPts val="0"/>
               </a:spcBef>
@@ -7513,11 +7634,11 @@
               <a:buNone/>
             </a:pPr>
             <a:r>
-              <a:rPr lang="en" sz="1900"/>
+              <a:rPr lang="en" sz="1900" dirty="0"/>
               <a:t>The results of the </a:t>
             </a:r>
             <a:r>
-              <a:rPr lang="en" sz="1900">
+              <a:rPr lang="en" sz="1900" dirty="0">
                 <a:solidFill>
                   <a:schemeClr val="accent5"/>
                 </a:solidFill>
@@ -7525,11 +7646,11 @@
               <a:t>confusion matrix </a:t>
             </a:r>
             <a:r>
-              <a:rPr lang="en" sz="1900"/>
+              <a:rPr lang="en" sz="1900" dirty="0"/>
               <a:t>show, from </a:t>
             </a:r>
             <a:r>
-              <a:rPr lang="en" sz="1900">
+              <a:rPr lang="en" sz="1900" dirty="0">
                 <a:solidFill>
                   <a:schemeClr val="accent5"/>
                 </a:solidFill>
@@ -7537,11 +7658,11 @@
               <a:t>87 </a:t>
             </a:r>
             <a:r>
-              <a:rPr lang="en" sz="1900"/>
+              <a:rPr lang="en" sz="1900" dirty="0"/>
               <a:t>test data, the model can </a:t>
             </a:r>
             <a:r>
-              <a:rPr lang="en" sz="1900">
+              <a:rPr lang="en" sz="1900" dirty="0">
                 <a:solidFill>
                   <a:schemeClr val="accent5"/>
                 </a:solidFill>
@@ -7549,11 +7670,19 @@
               <a:t>accurately </a:t>
             </a:r>
             <a:r>
-              <a:rPr lang="en" sz="1900"/>
-              <a:t>separate 34.48% of the data are employees who will resign while 63.22% are employees who remain. Since we use </a:t>
+              <a:rPr lang="en" sz="1900" dirty="0"/>
+              <a:t>separate </a:t>
             </a:r>
             <a:r>
-              <a:rPr lang="en" sz="1900">
+              <a:rPr lang="en" sz="1900" dirty="0" smtClean="0"/>
+              <a:t>33.33% </a:t>
+            </a:r>
+            <a:r>
+              <a:rPr lang="en" sz="1900" dirty="0"/>
+              <a:t>of the data are employees who will resign while 63.22% are employees who remain. Since we use </a:t>
+            </a:r>
+            <a:r>
+              <a:rPr lang="en" sz="1900" dirty="0">
                 <a:solidFill>
                   <a:schemeClr val="accent5"/>
                 </a:solidFill>
@@ -7561,11 +7690,11 @@
               <a:t>recall </a:t>
             </a:r>
             <a:r>
-              <a:rPr lang="en" sz="1900"/>
+              <a:rPr lang="en" sz="1900" dirty="0"/>
               <a:t>metrics, it can be seen that the model can </a:t>
             </a:r>
             <a:r>
-              <a:rPr lang="en" sz="1900">
+              <a:rPr lang="en" sz="1900" dirty="0">
                 <a:solidFill>
                   <a:schemeClr val="accent5"/>
                 </a:solidFill>
@@ -7573,11 +7702,11 @@
               <a:t>recognize </a:t>
             </a:r>
             <a:r>
-              <a:rPr lang="en" sz="1900"/>
+              <a:rPr lang="en" sz="1900" dirty="0"/>
               <a:t>most of the </a:t>
             </a:r>
             <a:r>
-              <a:rPr lang="en" sz="1900">
+              <a:rPr lang="en" sz="1900" dirty="0">
                 <a:solidFill>
                   <a:schemeClr val="accent5"/>
                 </a:solidFill>
@@ -7585,11 +7714,11 @@
               <a:t>patterns </a:t>
             </a:r>
             <a:r>
-              <a:rPr lang="en" sz="1900"/>
+              <a:rPr lang="en" sz="1900" dirty="0"/>
               <a:t>of employees who will </a:t>
             </a:r>
             <a:r>
-              <a:rPr lang="en" sz="1900">
+              <a:rPr lang="en" sz="1900" dirty="0">
                 <a:solidFill>
                   <a:schemeClr val="accent5"/>
                 </a:solidFill>
@@ -7597,11 +7726,11 @@
               <a:t>positively </a:t>
             </a:r>
             <a:r>
-              <a:rPr lang="en" sz="1900"/>
+              <a:rPr lang="en" sz="1900" dirty="0"/>
               <a:t>resign with a </a:t>
             </a:r>
             <a:r>
-              <a:rPr lang="en" sz="1900">
+              <a:rPr lang="en" sz="1900" dirty="0">
                 <a:solidFill>
                   <a:schemeClr val="accent5"/>
                 </a:solidFill>
@@ -7609,13 +7738,37 @@
               <a:t>low false negative rate</a:t>
             </a:r>
             <a:r>
-              <a:rPr lang="en" sz="1900"/>
+              <a:rPr lang="en" sz="1900" dirty="0"/>
               <a:t>.</a:t>
             </a:r>
-            <a:endParaRPr sz="1900"/>
+            <a:endParaRPr sz="1900" dirty="0"/>
           </a:p>
         </p:txBody>
       </p:sp>
+      <p:pic>
+        <p:nvPicPr>
+          <p:cNvPr id="2" name="Picture 1"/>
+          <p:cNvPicPr>
+            <a:picLocks noChangeAspect="1"/>
+          </p:cNvPicPr>
+          <p:nvPr/>
+        </p:nvPicPr>
+        <p:blipFill>
+          <a:blip r:embed="rId3"/>
+          <a:stretch>
+            <a:fillRect/>
+          </a:stretch>
+        </p:blipFill>
+        <p:spPr>
+          <a:xfrm>
+            <a:off x="235974" y="605921"/>
+            <a:ext cx="4029538" cy="3478956"/>
+          </a:xfrm>
+          <a:prstGeom prst="rect">
+            <a:avLst/>
+          </a:prstGeom>
+        </p:spPr>
+      </p:pic>
     </p:spTree>
   </p:cSld>
   <p:clrMapOvr>
@@ -7625,7 +7778,7 @@
 </file>
 
 <file path=ppt/theme/theme1.xml><?xml version="1.0" encoding="utf-8"?>
-<a:theme xmlns:a="http://schemas.openxmlformats.org/drawingml/2006/main" xmlns:r="http://schemas.openxmlformats.org/officeDocument/2006/relationships" name="Simple Light">
+<a:theme xmlns:a="http://schemas.openxmlformats.org/drawingml/2006/main" name="Simple Light">
   <a:themeElements>
     <a:clrScheme name="Simple Light">
       <a:dk1>
@@ -7900,11 +8053,13 @@
       </a:bgFillStyleLst>
     </a:fmtScheme>
   </a:themeElements>
+  <a:objectDefaults/>
+  <a:extraClrSchemeLst/>
 </a:theme>
 </file>
 
 <file path=ppt/theme/theme2.xml><?xml version="1.0" encoding="utf-8"?>
-<a:theme xmlns:a="http://schemas.openxmlformats.org/drawingml/2006/main" xmlns:r="http://schemas.openxmlformats.org/officeDocument/2006/relationships">
+<a:theme xmlns:a="http://schemas.openxmlformats.org/drawingml/2006/main">
   <a:themeElements>
     <a:clrScheme name="Default">
       <a:dk1>
@@ -8179,5 +8334,7 @@
       </a:bgFillStyleLst>
     </a:fmtScheme>
   </a:themeElements>
+  <a:objectDefaults/>
+  <a:extraClrSchemeLst/>
 </a:theme>
 </file>